--- a/Lesson3.pptx
+++ b/Lesson3.pptx
@@ -7,13 +7,15 @@
   <p:sldIdLst>
     <p:sldId id="265" r:id="rId2"/>
     <p:sldId id="257" r:id="rId3"/>
-    <p:sldId id="258" r:id="rId4"/>
-    <p:sldId id="259" r:id="rId5"/>
-    <p:sldId id="260" r:id="rId6"/>
-    <p:sldId id="261" r:id="rId7"/>
-    <p:sldId id="262" r:id="rId8"/>
-    <p:sldId id="263" r:id="rId9"/>
-    <p:sldId id="264" r:id="rId10"/>
+    <p:sldId id="266" r:id="rId4"/>
+    <p:sldId id="258" r:id="rId5"/>
+    <p:sldId id="259" r:id="rId6"/>
+    <p:sldId id="260" r:id="rId7"/>
+    <p:sldId id="261" r:id="rId8"/>
+    <p:sldId id="262" r:id="rId9"/>
+    <p:sldId id="263" r:id="rId10"/>
+    <p:sldId id="268" r:id="rId11"/>
+    <p:sldId id="264" r:id="rId12"/>
   </p:sldIdLst>
   <p:sldSz cx="12192000" cy="6858000"/>
   <p:notesSz cx="6858000" cy="9144000"/>
@@ -124,8 +126,11 @@
 <p1510:revInfo xmlns:a="http://schemas.openxmlformats.org/drawingml/2006/main" xmlns:r="http://schemas.openxmlformats.org/officeDocument/2006/relationships" xmlns:p1510="http://schemas.microsoft.com/office/powerpoint/2015/10/main">
   <p1510:revLst>
     <p1510:client id="{0A3B2143-D506-45B1-9B55-6DDDE07A6032}" v="626" dt="2020-07-14T14:10:38.655"/>
+    <p1510:client id="{22D60457-E620-4C32-A8AC-615C009096F4}" v="135" dt="2020-10-26T20:04:52.951"/>
+    <p1510:client id="{92D0D847-47FF-4128-BB3A-2EC6B99402B4}" v="468" dt="2020-10-25T10:42:50.550"/>
     <p1510:client id="{B17F85E5-5D1B-4261-A9C6-A22D8D34705C}" v="370" dt="2020-03-14T17:33:34.797"/>
     <p1510:client id="{D8AEAF8E-C362-4719-B1BF-A09B2BA35817}" v="1039" dt="2020-03-31T20:38:43.196"/>
+    <p1510:client id="{EFE616AC-9BC3-4D6E-9EA1-02197021DC41}" v="51" dt="2020-10-28T08:16:16.345"/>
   </p1510:revLst>
 </p1510:revInfo>
 </file>
@@ -259,7 +264,7 @@
           <a:p>
             <a:fld id="{1A2F0B57-8E6A-4005-9EDD-D258F6CC94AB}" type="datetimeFigureOut">
               <a:rPr lang="uk-UA" smtClean="0"/>
-              <a:t>22.10.2020</a:t>
+              <a:t>28.10.2020</a:t>
             </a:fld>
             <a:endParaRPr lang="uk-UA"/>
           </a:p>
@@ -427,7 +432,7 @@
           <a:p>
             <a:fld id="{1A2F0B57-8E6A-4005-9EDD-D258F6CC94AB}" type="datetimeFigureOut">
               <a:rPr lang="uk-UA" smtClean="0"/>
-              <a:t>22.10.2020</a:t>
+              <a:t>28.10.2020</a:t>
             </a:fld>
             <a:endParaRPr lang="uk-UA"/>
           </a:p>
@@ -605,7 +610,7 @@
           <a:p>
             <a:fld id="{1A2F0B57-8E6A-4005-9EDD-D258F6CC94AB}" type="datetimeFigureOut">
               <a:rPr lang="uk-UA" smtClean="0"/>
-              <a:t>22.10.2020</a:t>
+              <a:t>28.10.2020</a:t>
             </a:fld>
             <a:endParaRPr lang="uk-UA"/>
           </a:p>
@@ -773,7 +778,7 @@
           <a:p>
             <a:fld id="{1A2F0B57-8E6A-4005-9EDD-D258F6CC94AB}" type="datetimeFigureOut">
               <a:rPr lang="uk-UA" smtClean="0"/>
-              <a:t>22.10.2020</a:t>
+              <a:t>28.10.2020</a:t>
             </a:fld>
             <a:endParaRPr lang="uk-UA"/>
           </a:p>
@@ -1018,7 +1023,7 @@
           <a:p>
             <a:fld id="{1A2F0B57-8E6A-4005-9EDD-D258F6CC94AB}" type="datetimeFigureOut">
               <a:rPr lang="uk-UA" smtClean="0"/>
-              <a:t>22.10.2020</a:t>
+              <a:t>28.10.2020</a:t>
             </a:fld>
             <a:endParaRPr lang="uk-UA"/>
           </a:p>
@@ -1247,7 +1252,7 @@
           <a:p>
             <a:fld id="{1A2F0B57-8E6A-4005-9EDD-D258F6CC94AB}" type="datetimeFigureOut">
               <a:rPr lang="uk-UA" smtClean="0"/>
-              <a:t>22.10.2020</a:t>
+              <a:t>28.10.2020</a:t>
             </a:fld>
             <a:endParaRPr lang="uk-UA"/>
           </a:p>
@@ -1611,7 +1616,7 @@
           <a:p>
             <a:fld id="{1A2F0B57-8E6A-4005-9EDD-D258F6CC94AB}" type="datetimeFigureOut">
               <a:rPr lang="uk-UA" smtClean="0"/>
-              <a:t>22.10.2020</a:t>
+              <a:t>28.10.2020</a:t>
             </a:fld>
             <a:endParaRPr lang="uk-UA"/>
           </a:p>
@@ -1728,7 +1733,7 @@
           <a:p>
             <a:fld id="{1A2F0B57-8E6A-4005-9EDD-D258F6CC94AB}" type="datetimeFigureOut">
               <a:rPr lang="uk-UA" smtClean="0"/>
-              <a:t>22.10.2020</a:t>
+              <a:t>28.10.2020</a:t>
             </a:fld>
             <a:endParaRPr lang="uk-UA"/>
           </a:p>
@@ -1823,7 +1828,7 @@
           <a:p>
             <a:fld id="{1A2F0B57-8E6A-4005-9EDD-D258F6CC94AB}" type="datetimeFigureOut">
               <a:rPr lang="uk-UA" smtClean="0"/>
-              <a:t>22.10.2020</a:t>
+              <a:t>28.10.2020</a:t>
             </a:fld>
             <a:endParaRPr lang="uk-UA"/>
           </a:p>
@@ -2098,7 +2103,7 @@
           <a:p>
             <a:fld id="{1A2F0B57-8E6A-4005-9EDD-D258F6CC94AB}" type="datetimeFigureOut">
               <a:rPr lang="uk-UA" smtClean="0"/>
-              <a:t>22.10.2020</a:t>
+              <a:t>28.10.2020</a:t>
             </a:fld>
             <a:endParaRPr lang="uk-UA"/>
           </a:p>
@@ -2350,7 +2355,7 @@
           <a:p>
             <a:fld id="{1A2F0B57-8E6A-4005-9EDD-D258F6CC94AB}" type="datetimeFigureOut">
               <a:rPr lang="uk-UA" smtClean="0"/>
-              <a:t>22.10.2020</a:t>
+              <a:t>28.10.2020</a:t>
             </a:fld>
             <a:endParaRPr lang="uk-UA"/>
           </a:p>
@@ -2561,7 +2566,7 @@
           <a:p>
             <a:fld id="{1A2F0B57-8E6A-4005-9EDD-D258F6CC94AB}" type="datetimeFigureOut">
               <a:rPr lang="uk-UA" smtClean="0"/>
-              <a:t>22.10.2020</a:t>
+              <a:t>28.10.2020</a:t>
             </a:fld>
             <a:endParaRPr lang="uk-UA"/>
           </a:p>
@@ -3098,6 +3103,895 @@
 </p:sld>
 </file>
 
+<file path=ppt/slides/slide10.xml><?xml version="1.0" encoding="utf-8"?>
+<p:sld xmlns:a="http://schemas.openxmlformats.org/drawingml/2006/main" xmlns:r="http://schemas.openxmlformats.org/officeDocument/2006/relationships" xmlns:p="http://schemas.openxmlformats.org/presentationml/2006/main">
+  <p:cSld>
+    <p:spTree>
+      <p:nvGrpSpPr>
+        <p:cNvPr id="1" name=""/>
+        <p:cNvGrpSpPr/>
+        <p:nvPr/>
+      </p:nvGrpSpPr>
+      <p:grpSpPr>
+        <a:xfrm>
+          <a:off x="0" y="0"/>
+          <a:ext cx="0" cy="0"/>
+          <a:chOff x="0" y="0"/>
+          <a:chExt cx="0" cy="0"/>
+        </a:xfrm>
+      </p:grpSpPr>
+      <p:sp>
+        <p:nvSpPr>
+          <p:cNvPr id="2" name="Заголовок 1">
+            <a:extLst>
+              <a:ext uri="{FF2B5EF4-FFF2-40B4-BE49-F238E27FC236}">
+                <a16:creationId xmlns:a16="http://schemas.microsoft.com/office/drawing/2014/main" id="{60735BFE-4A74-4C53-88D2-15FA7921728F}"/>
+              </a:ext>
+            </a:extLst>
+          </p:cNvPr>
+          <p:cNvSpPr>
+            <a:spLocks noGrp="1"/>
+          </p:cNvSpPr>
+          <p:nvPr>
+            <p:ph type="title"/>
+          </p:nvPr>
+        </p:nvSpPr>
+        <p:spPr>
+          <a:xfrm>
+            <a:off x="838200" y="365125"/>
+            <a:ext cx="10515600" cy="634447"/>
+          </a:xfrm>
+        </p:spPr>
+        <p:txBody>
+          <a:bodyPr/>
+          <a:lstStyle/>
+          <a:p>
+            <a:r>
+              <a:rPr lang="uk-UA" sz="3200" dirty="0">
+                <a:latin typeface="Calibri"/>
+                <a:cs typeface="Calibri"/>
+              </a:rPr>
+              <a:t>Приклади / </a:t>
+            </a:r>
+            <a:r>
+              <a:rPr lang="uk-UA" sz="3200" dirty="0" err="1">
+                <a:latin typeface="Calibri"/>
+                <a:cs typeface="Calibri"/>
+              </a:rPr>
+              <a:t>Examples</a:t>
+            </a:r>
+            <a:endParaRPr lang="uk-UA" sz="3200">
+              <a:latin typeface="Calibri"/>
+              <a:ea typeface="+mj-lt"/>
+              <a:cs typeface="+mj-lt"/>
+            </a:endParaRPr>
+          </a:p>
+        </p:txBody>
+      </p:sp>
+      <p:pic>
+        <p:nvPicPr>
+          <p:cNvPr id="4" name="Рисунок 4" descr="Зображення, що містить знак, малювання, вулиця, сидить&#10;&#10;Опис створено автоматично">
+            <a:extLst>
+              <a:ext uri="{FF2B5EF4-FFF2-40B4-BE49-F238E27FC236}">
+                <a16:creationId xmlns:a16="http://schemas.microsoft.com/office/drawing/2014/main" id="{2E57723C-5199-4AFA-8802-C6BC504CD89C}"/>
+              </a:ext>
+            </a:extLst>
+          </p:cNvPr>
+          <p:cNvPicPr>
+            <a:picLocks noGrp="1" noChangeAspect="1"/>
+          </p:cNvPicPr>
+          <p:nvPr>
+            <p:ph idx="1"/>
+          </p:nvPr>
+        </p:nvPicPr>
+        <p:blipFill>
+          <a:blip r:embed="rId2"/>
+          <a:stretch>
+            <a:fillRect/>
+          </a:stretch>
+        </p:blipFill>
+        <p:spPr>
+          <a:xfrm>
+            <a:off x="3635670" y="2609868"/>
+            <a:ext cx="4743450" cy="1914525"/>
+          </a:xfrm>
+        </p:spPr>
+      </p:pic>
+    </p:spTree>
+    <p:extLst>
+      <p:ext uri="{BB962C8B-B14F-4D97-AF65-F5344CB8AC3E}">
+        <p14:creationId xmlns:p14="http://schemas.microsoft.com/office/powerpoint/2010/main" val="1374812362"/>
+      </p:ext>
+    </p:extLst>
+  </p:cSld>
+  <p:clrMapOvr>
+    <a:masterClrMapping/>
+  </p:clrMapOvr>
+</p:sld>
+</file>
+
+<file path=ppt/slides/slide11.xml><?xml version="1.0" encoding="utf-8"?>
+<p:sld xmlns:a="http://schemas.openxmlformats.org/drawingml/2006/main" xmlns:r="http://schemas.openxmlformats.org/officeDocument/2006/relationships" xmlns:p="http://schemas.openxmlformats.org/presentationml/2006/main">
+  <p:cSld>
+    <p:spTree>
+      <p:nvGrpSpPr>
+        <p:cNvPr id="1" name=""/>
+        <p:cNvGrpSpPr/>
+        <p:nvPr/>
+      </p:nvGrpSpPr>
+      <p:grpSpPr>
+        <a:xfrm>
+          <a:off x="0" y="0"/>
+          <a:ext cx="0" cy="0"/>
+          <a:chOff x="0" y="0"/>
+          <a:chExt cx="0" cy="0"/>
+        </a:xfrm>
+      </p:grpSpPr>
+      <p:sp>
+        <p:nvSpPr>
+          <p:cNvPr id="3" name="Місце для вмісту 2">
+            <a:extLst>
+              <a:ext uri="{FF2B5EF4-FFF2-40B4-BE49-F238E27FC236}">
+                <a16:creationId xmlns:a16="http://schemas.microsoft.com/office/drawing/2014/main" id="{352602FF-E865-484B-91B9-5EE76BDFC72D}"/>
+              </a:ext>
+            </a:extLst>
+          </p:cNvPr>
+          <p:cNvSpPr>
+            <a:spLocks noGrp="1"/>
+          </p:cNvSpPr>
+          <p:nvPr>
+            <p:ph idx="1"/>
+          </p:nvPr>
+        </p:nvSpPr>
+        <p:spPr>
+          <a:xfrm>
+            <a:off x="838200" y="144256"/>
+            <a:ext cx="10515600" cy="6587641"/>
+          </a:xfrm>
+        </p:spPr>
+        <p:txBody>
+          <a:bodyPr vert="horz" lIns="91440" tIns="45720" rIns="91440" bIns="45720" rtlCol="0" anchor="t">
+            <a:normAutofit/>
+          </a:bodyPr>
+          <a:lstStyle/>
+          <a:p>
+            <a:pPr marL="0" indent="0">
+              <a:buNone/>
+            </a:pPr>
+            <a:r>
+              <a:rPr lang="uk-UA" sz="1400" dirty="0" err="1">
+                <a:cs typeface="Calibri" panose="020F0502020204030204"/>
+              </a:rPr>
+              <a:t>Tasks</a:t>
+            </a:r>
+            <a:endParaRPr lang="uk-UA" sz="1400">
+              <a:cs typeface="Calibri" panose="020F0502020204030204"/>
+            </a:endParaRPr>
+          </a:p>
+          <a:p>
+            <a:pPr marL="0" indent="0">
+              <a:buNone/>
+            </a:pPr>
+            <a:endParaRPr lang="uk-UA" sz="1400" dirty="0">
+              <a:ea typeface="+mn-lt"/>
+              <a:cs typeface="+mn-lt"/>
+            </a:endParaRPr>
+          </a:p>
+          <a:p>
+            <a:pPr marL="0" indent="0">
+              <a:lnSpc>
+                <a:spcPct val="100000"/>
+              </a:lnSpc>
+              <a:spcBef>
+                <a:spcPts val="100"/>
+              </a:spcBef>
+              <a:buNone/>
+            </a:pPr>
+            <a:r>
+              <a:rPr lang="uk-UA" sz="1400" dirty="0">
+                <a:ea typeface="+mn-lt"/>
+                <a:cs typeface="+mn-lt"/>
+              </a:rPr>
+              <a:t>Task1</a:t>
+            </a:r>
+            <a:endParaRPr lang="en-US" sz="1400" dirty="0">
+              <a:ea typeface="+mn-lt"/>
+              <a:cs typeface="+mn-lt"/>
+            </a:endParaRPr>
+          </a:p>
+          <a:p>
+            <a:pPr marL="0" indent="0">
+              <a:lnSpc>
+                <a:spcPct val="100000"/>
+              </a:lnSpc>
+              <a:spcBef>
+                <a:spcPts val="100"/>
+              </a:spcBef>
+              <a:buNone/>
+            </a:pPr>
+            <a:r>
+              <a:rPr lang="ru" sz="1400" dirty="0" err="1">
+                <a:ea typeface="+mn-lt"/>
+                <a:cs typeface="+mn-lt"/>
+              </a:rPr>
+              <a:t>Використовуючи</a:t>
+            </a:r>
+            <a:r>
+              <a:rPr lang="ru" sz="1400" dirty="0">
+                <a:ea typeface="+mn-lt"/>
+                <a:cs typeface="+mn-lt"/>
+              </a:rPr>
+              <a:t> </a:t>
+            </a:r>
+            <a:r>
+              <a:rPr lang="ru" sz="1400" dirty="0" err="1">
+                <a:ea typeface="+mn-lt"/>
+                <a:cs typeface="+mn-lt"/>
+              </a:rPr>
+              <a:t>Visual</a:t>
+            </a:r>
+            <a:r>
+              <a:rPr lang="ru" sz="1400" dirty="0">
+                <a:ea typeface="+mn-lt"/>
+                <a:cs typeface="+mn-lt"/>
+              </a:rPr>
+              <a:t> </a:t>
+            </a:r>
+            <a:r>
+              <a:rPr lang="ru" sz="1400" dirty="0" err="1">
+                <a:ea typeface="+mn-lt"/>
+                <a:cs typeface="+mn-lt"/>
+              </a:rPr>
+              <a:t>Studio</a:t>
+            </a:r>
+            <a:r>
+              <a:rPr lang="ru" sz="1400" dirty="0">
+                <a:ea typeface="+mn-lt"/>
+                <a:cs typeface="+mn-lt"/>
+              </a:rPr>
+              <a:t>, </a:t>
+            </a:r>
+            <a:r>
+              <a:rPr lang="ru" sz="1400" dirty="0" err="1">
+                <a:ea typeface="+mn-lt"/>
+                <a:cs typeface="+mn-lt"/>
+              </a:rPr>
+              <a:t>створіть</a:t>
+            </a:r>
+            <a:r>
+              <a:rPr lang="ru" sz="1400" dirty="0">
+                <a:ea typeface="+mn-lt"/>
+                <a:cs typeface="+mn-lt"/>
+              </a:rPr>
+              <a:t> проект за шаблоном </a:t>
+            </a:r>
+            <a:r>
+              <a:rPr lang="ru" sz="1400" dirty="0" err="1">
+                <a:ea typeface="+mn-lt"/>
+                <a:cs typeface="+mn-lt"/>
+              </a:rPr>
+              <a:t>Console</a:t>
+            </a:r>
+            <a:r>
+              <a:rPr lang="ru" sz="1400" dirty="0">
+                <a:ea typeface="+mn-lt"/>
+                <a:cs typeface="+mn-lt"/>
+              </a:rPr>
+              <a:t> </a:t>
+            </a:r>
+            <a:r>
+              <a:rPr lang="ru" sz="1400" dirty="0" err="1">
+                <a:ea typeface="+mn-lt"/>
+                <a:cs typeface="+mn-lt"/>
+              </a:rPr>
+              <a:t>Application</a:t>
+            </a:r>
+            <a:r>
+              <a:rPr lang="ru" sz="1400" dirty="0">
+                <a:ea typeface="+mn-lt"/>
+                <a:cs typeface="+mn-lt"/>
+              </a:rPr>
+              <a:t>, </a:t>
+            </a:r>
+            <a:r>
+              <a:rPr lang="ru" sz="1400" dirty="0" err="1">
+                <a:ea typeface="+mn-lt"/>
+                <a:cs typeface="+mn-lt"/>
+              </a:rPr>
+              <a:t>назвіть</a:t>
+            </a:r>
+            <a:r>
+              <a:rPr lang="ru" sz="1400" dirty="0">
+                <a:ea typeface="+mn-lt"/>
+                <a:cs typeface="+mn-lt"/>
+              </a:rPr>
+              <a:t> </a:t>
+            </a:r>
+            <a:r>
+              <a:rPr lang="ru" sz="1400" dirty="0" err="1">
+                <a:ea typeface="+mn-lt"/>
+                <a:cs typeface="+mn-lt"/>
+              </a:rPr>
+              <a:t>його</a:t>
+            </a:r>
+            <a:r>
+              <a:rPr lang="ru" sz="1400" dirty="0">
+                <a:ea typeface="+mn-lt"/>
+                <a:cs typeface="+mn-lt"/>
+              </a:rPr>
+              <a:t> Lesson003_Task1.</a:t>
+            </a:r>
+          </a:p>
+          <a:p>
+            <a:pPr marL="0" indent="0">
+              <a:lnSpc>
+                <a:spcPct val="100000"/>
+              </a:lnSpc>
+              <a:spcBef>
+                <a:spcPts val="100"/>
+              </a:spcBef>
+              <a:buNone/>
+            </a:pPr>
+            <a:r>
+              <a:rPr lang="uk" sz="1400" dirty="0">
+                <a:ea typeface="+mn-lt"/>
+                <a:cs typeface="+mn-lt"/>
+              </a:rPr>
+              <a:t>Напишіть програму інтернет магазин. Програма знає 5 товарів. Потрібно, щоб користувач вводив товар, а програма давала йому інформацію про товар (Назва ціна). Якщо користувач ввів товар, який відсутній, тоді слід вивести повідомлення, що такого товару немає.</a:t>
+            </a:r>
+            <a:r>
+              <a:rPr lang="ru" sz="1400" dirty="0">
+                <a:ea typeface="+mn-lt"/>
+                <a:cs typeface="+mn-lt"/>
+              </a:rPr>
+              <a:t> </a:t>
+            </a:r>
+          </a:p>
+          <a:p>
+            <a:pPr marL="0" indent="0">
+              <a:lnSpc>
+                <a:spcPct val="100000"/>
+              </a:lnSpc>
+              <a:spcBef>
+                <a:spcPts val="100"/>
+              </a:spcBef>
+              <a:buNone/>
+            </a:pPr>
+            <a:endParaRPr lang="ru" sz="1400" dirty="0">
+              <a:cs typeface="Calibri" panose="020F0502020204030204"/>
+            </a:endParaRPr>
+          </a:p>
+          <a:p>
+            <a:pPr>
+              <a:buNone/>
+            </a:pPr>
+            <a:r>
+              <a:rPr lang="uk-UA" sz="1400" dirty="0">
+                <a:ea typeface="+mn-lt"/>
+                <a:cs typeface="+mn-lt"/>
+              </a:rPr>
+              <a:t>Task2</a:t>
+            </a:r>
+            <a:r>
+              <a:rPr lang="ru" sz="1400" dirty="0">
+                <a:ea typeface="+mn-lt"/>
+                <a:cs typeface="+mn-lt"/>
+              </a:rPr>
+              <a:t> </a:t>
+            </a:r>
+            <a:endParaRPr lang="ru" sz="1400" dirty="0">
+              <a:cs typeface="Calibri"/>
+            </a:endParaRPr>
+          </a:p>
+          <a:p>
+            <a:pPr>
+              <a:buNone/>
+            </a:pPr>
+            <a:r>
+              <a:rPr lang="uk" sz="1400" dirty="0">
+                <a:ea typeface="+mn-lt"/>
+                <a:cs typeface="+mn-lt"/>
+              </a:rPr>
+              <a:t>Використовуючи </a:t>
+            </a:r>
+            <a:r>
+              <a:rPr lang="uk" sz="1400" dirty="0" err="1">
+                <a:ea typeface="+mn-lt"/>
+                <a:cs typeface="+mn-lt"/>
+              </a:rPr>
+              <a:t>Visual</a:t>
+            </a:r>
+            <a:r>
+              <a:rPr lang="uk" sz="1400" dirty="0">
+                <a:ea typeface="+mn-lt"/>
+                <a:cs typeface="+mn-lt"/>
+              </a:rPr>
+              <a:t> </a:t>
+            </a:r>
+            <a:r>
+              <a:rPr lang="uk" sz="1400" dirty="0" err="1">
+                <a:ea typeface="+mn-lt"/>
+                <a:cs typeface="+mn-lt"/>
+              </a:rPr>
+              <a:t>Studio</a:t>
+            </a:r>
+            <a:r>
+              <a:rPr lang="uk" sz="1400" dirty="0">
+                <a:ea typeface="+mn-lt"/>
+                <a:cs typeface="+mn-lt"/>
+              </a:rPr>
+              <a:t>, створіть проект за шаблоном </a:t>
+            </a:r>
+            <a:r>
+              <a:rPr lang="uk" sz="1400" dirty="0" err="1">
+                <a:ea typeface="+mn-lt"/>
+                <a:cs typeface="+mn-lt"/>
+              </a:rPr>
+              <a:t>Console</a:t>
+            </a:r>
+            <a:r>
+              <a:rPr lang="uk" sz="1400" dirty="0">
+                <a:ea typeface="+mn-lt"/>
+                <a:cs typeface="+mn-lt"/>
+              </a:rPr>
+              <a:t> </a:t>
+            </a:r>
+            <a:r>
+              <a:rPr lang="uk" sz="1400" dirty="0" err="1">
+                <a:ea typeface="+mn-lt"/>
+                <a:cs typeface="+mn-lt"/>
+              </a:rPr>
+              <a:t>Application</a:t>
+            </a:r>
+            <a:r>
+              <a:rPr lang="uk" sz="1400" dirty="0">
+                <a:ea typeface="+mn-lt"/>
+                <a:cs typeface="+mn-lt"/>
+              </a:rPr>
+              <a:t>,  назвіть його Lesson003_Task2.</a:t>
+            </a:r>
+            <a:r>
+              <a:rPr lang="ru" sz="1400" dirty="0">
+                <a:ea typeface="+mn-lt"/>
+                <a:cs typeface="+mn-lt"/>
+              </a:rPr>
+              <a:t> </a:t>
+            </a:r>
+            <a:endParaRPr lang="ru" sz="1400">
+              <a:cs typeface="Calibri"/>
+            </a:endParaRPr>
+          </a:p>
+          <a:p>
+            <a:pPr marL="0" indent="0">
+              <a:lnSpc>
+                <a:spcPct val="100000"/>
+              </a:lnSpc>
+              <a:spcBef>
+                <a:spcPts val="100"/>
+              </a:spcBef>
+              <a:buNone/>
+            </a:pPr>
+            <a:r>
+              <a:rPr lang="uk" sz="1400" dirty="0">
+                <a:ea typeface="+mn-lt"/>
+                <a:cs typeface="+mn-lt"/>
+              </a:rPr>
+              <a:t>Напишіть програму визначення, чи вказане користувачем число є парним чи непарним. Виведіть на екран число і відповідно слова парне чи непарне.</a:t>
+            </a:r>
+            <a:r>
+              <a:rPr lang="ru" sz="1400" dirty="0">
+                <a:ea typeface="+mn-lt"/>
+                <a:cs typeface="+mn-lt"/>
+              </a:rPr>
+              <a:t> </a:t>
+            </a:r>
+          </a:p>
+          <a:p>
+            <a:pPr marL="0" indent="0">
+              <a:lnSpc>
+                <a:spcPct val="100000"/>
+              </a:lnSpc>
+              <a:spcBef>
+                <a:spcPts val="100"/>
+              </a:spcBef>
+              <a:buNone/>
+            </a:pPr>
+            <a:endParaRPr lang="ru" sz="1400" dirty="0">
+              <a:cs typeface="Calibri"/>
+            </a:endParaRPr>
+          </a:p>
+          <a:p>
+            <a:pPr>
+              <a:buNone/>
+            </a:pPr>
+            <a:r>
+              <a:rPr lang="uk-UA" sz="1400" dirty="0">
+                <a:cs typeface="Calibri"/>
+              </a:rPr>
+              <a:t>Task3</a:t>
+            </a:r>
+            <a:endParaRPr lang="ru" sz="1400" dirty="0">
+              <a:ea typeface="+mn-lt"/>
+              <a:cs typeface="+mn-lt"/>
+            </a:endParaRPr>
+          </a:p>
+          <a:p>
+            <a:pPr>
+              <a:buNone/>
+            </a:pPr>
+            <a:r>
+              <a:rPr lang="uk" sz="1400" dirty="0">
+                <a:cs typeface="Calibri"/>
+              </a:rPr>
+              <a:t>Використовуючи </a:t>
+            </a:r>
+            <a:r>
+              <a:rPr lang="uk" sz="1400" dirty="0" err="1">
+                <a:cs typeface="Calibri"/>
+              </a:rPr>
+              <a:t>Visual</a:t>
+            </a:r>
+            <a:r>
+              <a:rPr lang="uk" sz="1400" dirty="0">
+                <a:cs typeface="Calibri"/>
+              </a:rPr>
+              <a:t> </a:t>
+            </a:r>
+            <a:r>
+              <a:rPr lang="uk" sz="1400" dirty="0" err="1">
+                <a:cs typeface="Calibri"/>
+              </a:rPr>
+              <a:t>Studio</a:t>
+            </a:r>
+            <a:r>
+              <a:rPr lang="uk" sz="1400" dirty="0">
+                <a:cs typeface="Calibri"/>
+              </a:rPr>
+              <a:t>, створіть проект за шаблоном </a:t>
+            </a:r>
+            <a:r>
+              <a:rPr lang="uk" sz="1400" dirty="0" err="1">
+                <a:cs typeface="Calibri"/>
+              </a:rPr>
+              <a:t>Console</a:t>
+            </a:r>
+            <a:r>
+              <a:rPr lang="uk" sz="1400" dirty="0">
+                <a:cs typeface="Calibri"/>
+              </a:rPr>
+              <a:t> </a:t>
+            </a:r>
+            <a:r>
+              <a:rPr lang="uk" sz="1400" dirty="0" err="1">
+                <a:cs typeface="Calibri"/>
+              </a:rPr>
+              <a:t>Application</a:t>
+            </a:r>
+            <a:r>
+              <a:rPr lang="uk" sz="1400" dirty="0">
+                <a:cs typeface="Calibri"/>
+              </a:rPr>
+              <a:t>,  назвіть його Lesson003_Task3.</a:t>
+            </a:r>
+            <a:r>
+              <a:rPr lang="ru" sz="1400" dirty="0">
+                <a:cs typeface="Calibri"/>
+              </a:rPr>
+              <a:t> </a:t>
+            </a:r>
+            <a:endParaRPr lang="ru" sz="1400" dirty="0">
+              <a:ea typeface="+mn-lt"/>
+              <a:cs typeface="+mn-lt"/>
+            </a:endParaRPr>
+          </a:p>
+          <a:p>
+            <a:pPr marL="0" indent="0">
+              <a:lnSpc>
+                <a:spcPct val="100000"/>
+              </a:lnSpc>
+              <a:spcBef>
+                <a:spcPts val="100"/>
+              </a:spcBef>
+              <a:buNone/>
+            </a:pPr>
+            <a:r>
+              <a:rPr lang="uk" sz="1400" dirty="0">
+                <a:cs typeface="Calibri"/>
+              </a:rPr>
+              <a:t>Напишіть програму загадка, на екран виведіть інформацію про загадку, після чого дозвольте користувачеві ввести правильну відповідь.</a:t>
+            </a:r>
+            <a:r>
+              <a:rPr lang="ru" sz="1400" dirty="0">
+                <a:cs typeface="Calibri"/>
+              </a:rPr>
+              <a:t> </a:t>
+            </a:r>
+            <a:r>
+              <a:rPr lang="ru" sz="1400" dirty="0" err="1">
+                <a:cs typeface="Calibri"/>
+              </a:rPr>
+              <a:t>Після</a:t>
+            </a:r>
+            <a:r>
+              <a:rPr lang="ru" sz="1400" dirty="0">
+                <a:cs typeface="Calibri"/>
+              </a:rPr>
+              <a:t> вводу </a:t>
+            </a:r>
+            <a:r>
+              <a:rPr lang="ru" sz="1400" dirty="0" err="1">
+                <a:cs typeface="Calibri"/>
+              </a:rPr>
+              <a:t>повідомте</a:t>
+            </a:r>
+            <a:r>
+              <a:rPr lang="ru" sz="1400" dirty="0">
+                <a:cs typeface="Calibri"/>
+              </a:rPr>
+              <a:t> </a:t>
+            </a:r>
+            <a:r>
+              <a:rPr lang="ru" sz="1400" dirty="0" err="1">
+                <a:cs typeface="Calibri"/>
+              </a:rPr>
+              <a:t>користувачеві</a:t>
+            </a:r>
+            <a:r>
+              <a:rPr lang="ru" sz="1400" dirty="0">
+                <a:cs typeface="Calibri"/>
+              </a:rPr>
+              <a:t> </a:t>
+            </a:r>
+            <a:r>
+              <a:rPr lang="ru" sz="1400" dirty="0" err="1">
+                <a:cs typeface="Calibri"/>
+              </a:rPr>
+              <a:t>чи</a:t>
+            </a:r>
+            <a:r>
+              <a:rPr lang="ru" sz="1400" dirty="0">
+                <a:cs typeface="Calibri"/>
+              </a:rPr>
+              <a:t> правильна </a:t>
+            </a:r>
+            <a:r>
+              <a:rPr lang="ru" sz="1400" dirty="0" err="1">
+                <a:cs typeface="Calibri"/>
+              </a:rPr>
+              <a:t>його</a:t>
+            </a:r>
+            <a:r>
+              <a:rPr lang="ru" sz="1400" dirty="0">
+                <a:cs typeface="Calibri"/>
+              </a:rPr>
+              <a:t> </a:t>
+            </a:r>
+            <a:r>
+              <a:rPr lang="ru" sz="1400" dirty="0" err="1">
+                <a:cs typeface="Calibri"/>
+              </a:rPr>
+              <a:t>відповідь</a:t>
+            </a:r>
+            <a:r>
+              <a:rPr lang="ru" sz="1400" dirty="0">
+                <a:cs typeface="Calibri"/>
+              </a:rPr>
+              <a:t>.</a:t>
+            </a:r>
+          </a:p>
+          <a:p>
+            <a:pPr marL="0" indent="0">
+              <a:lnSpc>
+                <a:spcPct val="100000"/>
+              </a:lnSpc>
+              <a:spcBef>
+                <a:spcPts val="100"/>
+              </a:spcBef>
+              <a:buNone/>
+            </a:pPr>
+            <a:endParaRPr lang="ru" sz="1400" dirty="0">
+              <a:ea typeface="+mn-lt"/>
+              <a:cs typeface="+mn-lt"/>
+            </a:endParaRPr>
+          </a:p>
+          <a:p>
+            <a:pPr>
+              <a:buNone/>
+            </a:pPr>
+            <a:r>
+              <a:rPr lang="uk-UA" sz="1400" dirty="0">
+                <a:ea typeface="+mn-lt"/>
+                <a:cs typeface="+mn-lt"/>
+              </a:rPr>
+              <a:t>Task4</a:t>
+            </a:r>
+            <a:endParaRPr lang="ru" sz="1400" dirty="0">
+              <a:ea typeface="+mn-lt"/>
+              <a:cs typeface="+mn-lt"/>
+            </a:endParaRPr>
+          </a:p>
+          <a:p>
+            <a:pPr>
+              <a:buNone/>
+            </a:pPr>
+            <a:r>
+              <a:rPr lang="uk" sz="1400" dirty="0">
+                <a:ea typeface="+mn-lt"/>
+                <a:cs typeface="+mn-lt"/>
+              </a:rPr>
+              <a:t>Використовуючи </a:t>
+            </a:r>
+            <a:r>
+              <a:rPr lang="uk" sz="1400" dirty="0" err="1">
+                <a:ea typeface="+mn-lt"/>
+                <a:cs typeface="+mn-lt"/>
+              </a:rPr>
+              <a:t>Visual</a:t>
+            </a:r>
+            <a:r>
+              <a:rPr lang="uk" sz="1400" dirty="0">
+                <a:ea typeface="+mn-lt"/>
+                <a:cs typeface="+mn-lt"/>
+              </a:rPr>
+              <a:t> </a:t>
+            </a:r>
+            <a:r>
+              <a:rPr lang="uk" sz="1400" dirty="0" err="1">
+                <a:ea typeface="+mn-lt"/>
+                <a:cs typeface="+mn-lt"/>
+              </a:rPr>
+              <a:t>Studio</a:t>
+            </a:r>
+            <a:r>
+              <a:rPr lang="uk" sz="1400" dirty="0">
+                <a:ea typeface="+mn-lt"/>
+                <a:cs typeface="+mn-lt"/>
+              </a:rPr>
+              <a:t>, створіть проект за шаблоном </a:t>
+            </a:r>
+            <a:r>
+              <a:rPr lang="uk" sz="1400" dirty="0" err="1">
+                <a:ea typeface="+mn-lt"/>
+                <a:cs typeface="+mn-lt"/>
+              </a:rPr>
+              <a:t>Console</a:t>
+            </a:r>
+            <a:r>
+              <a:rPr lang="uk" sz="1400" dirty="0">
+                <a:ea typeface="+mn-lt"/>
+                <a:cs typeface="+mn-lt"/>
+              </a:rPr>
+              <a:t> </a:t>
+            </a:r>
+            <a:r>
+              <a:rPr lang="uk" sz="1400" dirty="0" err="1">
+                <a:ea typeface="+mn-lt"/>
+                <a:cs typeface="+mn-lt"/>
+              </a:rPr>
+              <a:t>Application</a:t>
+            </a:r>
+            <a:r>
+              <a:rPr lang="uk" sz="1400" dirty="0">
+                <a:ea typeface="+mn-lt"/>
+                <a:cs typeface="+mn-lt"/>
+              </a:rPr>
+              <a:t>,  назвіть його Lesson004_Task4.</a:t>
+            </a:r>
+            <a:r>
+              <a:rPr lang="ru" sz="1400" dirty="0">
+                <a:ea typeface="+mn-lt"/>
+                <a:cs typeface="+mn-lt"/>
+              </a:rPr>
+              <a:t> </a:t>
+            </a:r>
+          </a:p>
+          <a:p>
+            <a:pPr marL="0" indent="0">
+              <a:lnSpc>
+                <a:spcPct val="100000"/>
+              </a:lnSpc>
+              <a:spcBef>
+                <a:spcPts val="100"/>
+              </a:spcBef>
+              <a:buNone/>
+            </a:pPr>
+            <a:r>
+              <a:rPr lang="uk" sz="1400" dirty="0">
+                <a:ea typeface="+mn-lt"/>
+                <a:cs typeface="+mn-lt"/>
+              </a:rPr>
+              <a:t>Напишіть програму, яка буде просити користувача вгадати число, якщо користувач вгадав число у змінну </a:t>
+            </a:r>
+            <a:r>
+              <a:rPr lang="uk" sz="1400" dirty="0" err="1">
+                <a:ea typeface="+mn-lt"/>
+                <a:cs typeface="+mn-lt"/>
+              </a:rPr>
+              <a:t>string</a:t>
+            </a:r>
+            <a:r>
+              <a:rPr lang="uk" sz="1400" dirty="0">
+                <a:ea typeface="+mn-lt"/>
+                <a:cs typeface="+mn-lt"/>
+              </a:rPr>
+              <a:t> </a:t>
+            </a:r>
+            <a:r>
+              <a:rPr lang="uk" sz="1400" dirty="0" err="1">
+                <a:ea typeface="+mn-lt"/>
+                <a:cs typeface="+mn-lt"/>
+              </a:rPr>
+              <a:t>res</a:t>
+            </a:r>
+            <a:r>
+              <a:rPr lang="uk" sz="1400" dirty="0">
+                <a:ea typeface="+mn-lt"/>
+                <a:cs typeface="+mn-lt"/>
+              </a:rPr>
+              <a:t> присвоюється значення "Вгадав" або "Не вгадав" і виводиться на екран. Використовувати </a:t>
+            </a:r>
+            <a:r>
+              <a:rPr lang="uk" sz="1400" dirty="0" err="1">
+                <a:ea typeface="+mn-lt"/>
+                <a:cs typeface="+mn-lt"/>
+              </a:rPr>
+              <a:t>тернарний</a:t>
+            </a:r>
+            <a:r>
+              <a:rPr lang="uk" sz="1400" dirty="0">
+                <a:ea typeface="+mn-lt"/>
+                <a:cs typeface="+mn-lt"/>
+              </a:rPr>
+              <a:t> оператор і оператор </a:t>
+            </a:r>
+            <a:r>
+              <a:rPr lang="uk" sz="1400" dirty="0" err="1">
+                <a:ea typeface="+mn-lt"/>
+                <a:cs typeface="+mn-lt"/>
+              </a:rPr>
+              <a:t>if</a:t>
+            </a:r>
+            <a:r>
+              <a:rPr lang="uk" sz="1400" dirty="0">
+                <a:ea typeface="+mn-lt"/>
+                <a:cs typeface="+mn-lt"/>
+              </a:rPr>
+              <a:t> </a:t>
+            </a:r>
+            <a:r>
+              <a:rPr lang="uk" sz="1400" dirty="0" err="1">
+                <a:ea typeface="+mn-lt"/>
+                <a:cs typeface="+mn-lt"/>
+              </a:rPr>
+              <a:t>else</a:t>
+            </a:r>
+            <a:r>
+              <a:rPr lang="uk" sz="1400" dirty="0">
+                <a:ea typeface="+mn-lt"/>
+                <a:cs typeface="+mn-lt"/>
+              </a:rPr>
+              <a:t>.</a:t>
+            </a:r>
+            <a:endParaRPr lang="ru" dirty="0">
+              <a:ea typeface="+mn-lt"/>
+              <a:cs typeface="+mn-lt"/>
+            </a:endParaRPr>
+          </a:p>
+        </p:txBody>
+      </p:sp>
+    </p:spTree>
+    <p:extLst>
+      <p:ext uri="{BB962C8B-B14F-4D97-AF65-F5344CB8AC3E}">
+        <p14:creationId xmlns:p14="http://schemas.microsoft.com/office/powerpoint/2010/main" val="3308640767"/>
+      </p:ext>
+    </p:extLst>
+  </p:cSld>
+  <p:clrMapOvr>
+    <a:masterClrMapping/>
+  </p:clrMapOvr>
+</p:sld>
+</file>
+
 <file path=ppt/slides/slide2.xml><?xml version="1.0" encoding="utf-8"?>
 <p:sld xmlns:a="http://schemas.openxmlformats.org/drawingml/2006/main" xmlns:r="http://schemas.openxmlformats.org/officeDocument/2006/relationships" xmlns:p="http://schemas.openxmlformats.org/presentationml/2006/main">
   <p:cSld>
@@ -3133,7 +4027,7 @@
         </p:nvSpPr>
         <p:spPr>
           <a:xfrm>
-            <a:off x="838200" y="365125"/>
+            <a:off x="838200" y="290581"/>
             <a:ext cx="10515600" cy="598732"/>
           </a:xfrm>
         </p:spPr>
@@ -3176,8 +4070,8 @@
         </p:nvSpPr>
         <p:spPr>
           <a:xfrm>
-            <a:off x="838200" y="1356702"/>
-            <a:ext cx="10515600" cy="4351338"/>
+            <a:off x="838200" y="1041964"/>
+            <a:ext cx="10515600" cy="5527467"/>
           </a:xfrm>
         </p:spPr>
         <p:txBody>
@@ -3194,9 +4088,9 @@
                 <a:ea typeface="+mn-lt"/>
                 <a:cs typeface="+mn-lt"/>
               </a:rPr>
-              <a:t>Умовний оператор - конструкція мови програмування, що забезпечує виконання певної команди (набору команд) тільки за умови істинності деякого логічного виразу.</a:t>
-            </a:r>
-            <a:endParaRPr lang="uk-UA" sz="2000">
+              <a:t>Умовний оператор - це конструкція мови програмування, що забезпечує виконання певної команди (набору команд) тільки за умови істинності деякого логічного виразу.</a:t>
+            </a:r>
+            <a:endParaRPr lang="uk-UA" sz="2000" dirty="0">
               <a:cs typeface="Calibri"/>
             </a:endParaRPr>
           </a:p>
@@ -3213,6 +4107,18 @@
             <a:pPr marL="0" indent="0">
               <a:buNone/>
             </a:pPr>
+            <a:endParaRPr lang="uk-UA" sz="2000" dirty="0">
+              <a:solidFill>
+                <a:srgbClr val="00B050"/>
+              </a:solidFill>
+              <a:ea typeface="+mn-lt"/>
+              <a:cs typeface="+mn-lt"/>
+            </a:endParaRPr>
+          </a:p>
+          <a:p>
+            <a:pPr marL="0" indent="0">
+              <a:buNone/>
+            </a:pPr>
             <a:r>
               <a:rPr lang="uk-UA" sz="2000" dirty="0">
                 <a:solidFill>
@@ -3238,7 +4144,7 @@
                 <a:ea typeface="+mn-lt"/>
                 <a:cs typeface="+mn-lt"/>
               </a:rPr>
-              <a:t>Умова задовольняє істинності</a:t>
+              <a:t>умова задовольняє істинності</a:t>
             </a:r>
             <a:r>
               <a:rPr lang="uk-UA" sz="2000" dirty="0">
@@ -3247,9 +4153,16 @@
               </a:rPr>
               <a:t>)</a:t>
             </a:r>
-            <a:endParaRPr lang="uk-UA" sz="2000">
-              <a:cs typeface="Calibri" panose="020F0502020204030204"/>
-            </a:endParaRPr>
+            <a:r>
+              <a:rPr lang="uk-UA" sz="2000" dirty="0">
+                <a:solidFill>
+                  <a:srgbClr val="000000"/>
+                </a:solidFill>
+                <a:ea typeface="+mn-lt"/>
+                <a:cs typeface="+mn-lt"/>
+              </a:rPr>
+              <a:t> </a:t>
+            </a:r>
           </a:p>
           <a:p>
             <a:pPr marL="0" indent="0">
@@ -3272,9 +4185,6 @@
               </a:rPr>
               <a:t>: Виконати цю серію інструкцій</a:t>
             </a:r>
-            <a:endParaRPr lang="uk-UA" sz="2000">
-              <a:cs typeface="Calibri" panose="020F0502020204030204"/>
-            </a:endParaRPr>
           </a:p>
           <a:p>
             <a:pPr marL="0" indent="0">
@@ -3295,14 +4205,84 @@
                 <a:ea typeface="+mn-lt"/>
                 <a:cs typeface="+mn-lt"/>
               </a:rPr>
-              <a:t>: Виконати цю серію інструкцій</a:t>
-            </a:r>
-            <a:endParaRPr lang="uk-UA" sz="2000">
-              <a:cs typeface="Calibri" panose="020F0502020204030204"/>
-            </a:endParaRPr>
-          </a:p>
-        </p:txBody>
-      </p:sp>
+              <a:t>: </a:t>
+            </a:r>
+          </a:p>
+          <a:p>
+            <a:pPr marL="0" indent="0">
+              <a:buNone/>
+            </a:pPr>
+            <a:r>
+              <a:rPr lang="uk-UA" sz="2000" dirty="0">
+                <a:ea typeface="+mn-lt"/>
+                <a:cs typeface="+mn-lt"/>
+              </a:rPr>
+              <a:t>Виконати цю серію інструкцій</a:t>
+            </a:r>
+            <a:endParaRPr lang="uk-UA" dirty="0"/>
+          </a:p>
+        </p:txBody>
+      </p:sp>
+      <p:pic>
+        <p:nvPicPr>
+          <p:cNvPr id="4" name="Рисунок 4">
+            <a:extLst>
+              <a:ext uri="{FF2B5EF4-FFF2-40B4-BE49-F238E27FC236}">
+                <a16:creationId xmlns:a16="http://schemas.microsoft.com/office/drawing/2014/main" id="{76F3BEAB-6137-40F8-A956-AC64A2B226E5}"/>
+              </a:ext>
+            </a:extLst>
+          </p:cNvPr>
+          <p:cNvPicPr>
+            <a:picLocks noChangeAspect="1"/>
+          </p:cNvPicPr>
+          <p:nvPr/>
+        </p:nvPicPr>
+        <p:blipFill>
+          <a:blip r:embed="rId2"/>
+          <a:stretch>
+            <a:fillRect/>
+          </a:stretch>
+        </p:blipFill>
+        <p:spPr>
+          <a:xfrm>
+            <a:off x="8626337" y="2863505"/>
+            <a:ext cx="2095500" cy="2638425"/>
+          </a:xfrm>
+          <a:prstGeom prst="rect">
+            <a:avLst/>
+          </a:prstGeom>
+        </p:spPr>
+      </p:pic>
+      <p:pic>
+        <p:nvPicPr>
+          <p:cNvPr id="5" name="Рисунок 5" descr="Зображення, що містить текст&#10;&#10;Опис створено автоматично">
+            <a:extLst>
+              <a:ext uri="{FF2B5EF4-FFF2-40B4-BE49-F238E27FC236}">
+                <a16:creationId xmlns:a16="http://schemas.microsoft.com/office/drawing/2014/main" id="{66F2DF12-DCBD-4884-8576-FDE3890D415F}"/>
+              </a:ext>
+            </a:extLst>
+          </p:cNvPr>
+          <p:cNvPicPr>
+            <a:picLocks noChangeAspect="1"/>
+          </p:cNvPicPr>
+          <p:nvPr/>
+        </p:nvPicPr>
+        <p:blipFill>
+          <a:blip r:embed="rId3"/>
+          <a:stretch>
+            <a:fillRect/>
+          </a:stretch>
+        </p:blipFill>
+        <p:spPr>
+          <a:xfrm rot="900000">
+            <a:off x="881269" y="5268789"/>
+            <a:ext cx="1581615" cy="767576"/>
+          </a:xfrm>
+          <a:prstGeom prst="rect">
+            <a:avLst/>
+          </a:prstGeom>
+        </p:spPr>
+      </p:pic>
     </p:spTree>
     <p:extLst>
       <p:ext uri="{BB962C8B-B14F-4D97-AF65-F5344CB8AC3E}">
@@ -3338,7 +4318,7 @@
           <p:cNvPr id="2" name="Заголовок 1">
             <a:extLst>
               <a:ext uri="{FF2B5EF4-FFF2-40B4-BE49-F238E27FC236}">
-                <a16:creationId xmlns:a16="http://schemas.microsoft.com/office/drawing/2014/main" id="{F5AA7CF5-CC45-41F3-84BA-BCCCAFD81531}"/>
+                <a16:creationId xmlns:a16="http://schemas.microsoft.com/office/drawing/2014/main" id="{B6BC99C8-66A8-4761-B6EF-628C3983D18D}"/>
               </a:ext>
             </a:extLst>
           </p:cNvPr>
@@ -3352,27 +4332,37 @@
         <p:spPr>
           <a:xfrm>
             <a:off x="838200" y="365125"/>
-            <a:ext cx="10515600" cy="598732"/>
+            <a:ext cx="10515600" cy="604977"/>
           </a:xfrm>
         </p:spPr>
         <p:txBody>
-          <a:bodyPr>
-            <a:normAutofit/>
-          </a:bodyPr>
+          <a:bodyPr/>
           <a:lstStyle/>
           <a:p>
             <a:r>
-              <a:rPr lang="uk-UA" sz="3200" dirty="0">
+              <a:rPr lang="uk-UA" sz="3200">
                 <a:latin typeface="Calibri"/>
-                <a:ea typeface="+mj-lt"/>
-                <a:cs typeface="+mj-lt"/>
-              </a:rPr>
-              <a:t>Умовні конструкції </a:t>
+                <a:cs typeface="Calibri Light"/>
+              </a:rPr>
+              <a:t>Істинний чи Хибний / </a:t>
+            </a:r>
+            <a:r>
+              <a:rPr lang="uk-UA" sz="3200" err="1">
+                <a:latin typeface="Calibri"/>
+                <a:cs typeface="Calibri Light"/>
+              </a:rPr>
+              <a:t>true</a:t>
+            </a:r>
+            <a:r>
+              <a:rPr lang="uk-UA" sz="3200">
+                <a:latin typeface="Calibri"/>
+                <a:cs typeface="Calibri Light"/>
+              </a:rPr>
+              <a:t> vs false</a:t>
             </a:r>
             <a:endParaRPr lang="uk-UA" sz="3200">
               <a:latin typeface="Calibri"/>
-              <a:ea typeface="+mj-lt"/>
-              <a:cs typeface="+mj-lt"/>
+              <a:cs typeface="Calibri"/>
             </a:endParaRPr>
           </a:p>
         </p:txBody>
@@ -3382,7 +4372,7 @@
           <p:cNvPr id="3" name="Місце для вмісту 2">
             <a:extLst>
               <a:ext uri="{FF2B5EF4-FFF2-40B4-BE49-F238E27FC236}">
-                <a16:creationId xmlns:a16="http://schemas.microsoft.com/office/drawing/2014/main" id="{EAD686FD-5DF7-44CB-BC45-AC968E166818}"/>
+                <a16:creationId xmlns:a16="http://schemas.microsoft.com/office/drawing/2014/main" id="{44D52CAC-830C-468A-8B31-69E4D4D6226F}"/>
               </a:ext>
             </a:extLst>
           </p:cNvPr>
@@ -3395,8 +4385,8 @@
         </p:nvSpPr>
         <p:spPr>
           <a:xfrm>
-            <a:off x="838200" y="1450487"/>
-            <a:ext cx="10515600" cy="4351338"/>
+            <a:off x="838200" y="1138169"/>
+            <a:ext cx="10515600" cy="5494337"/>
           </a:xfrm>
         </p:spPr>
         <p:txBody>
@@ -3410,172 +4400,120 @@
             </a:pPr>
             <a:r>
               <a:rPr lang="uk-UA" sz="2000" dirty="0">
-                <a:ea typeface="+mn-lt"/>
-                <a:cs typeface="+mn-lt"/>
-              </a:rPr>
-              <a:t>Умовний оператор:</a:t>
+                <a:cs typeface="Calibri" panose="020F0502020204030204"/>
+              </a:rPr>
+              <a:t>Істина у мова C# представляється ключовим словом </a:t>
+            </a:r>
+            <a:r>
+              <a:rPr lang="uk-UA" sz="2000" dirty="0" err="1">
+                <a:solidFill>
+                  <a:schemeClr val="accent1"/>
+                </a:solidFill>
+                <a:cs typeface="Calibri" panose="020F0502020204030204"/>
+              </a:rPr>
+              <a:t>true</a:t>
             </a:r>
             <a:r>
               <a:rPr lang="uk-UA" sz="2000" dirty="0">
+                <a:cs typeface="Calibri" panose="020F0502020204030204"/>
+              </a:rPr>
+              <a:t>.</a:t>
+            </a:r>
+          </a:p>
+          <a:p>
+            <a:pPr>
+              <a:buNone/>
+            </a:pPr>
+            <a:r>
+              <a:rPr lang="uk-UA" sz="2000" dirty="0">
+                <a:ea typeface="+mn-lt"/>
+                <a:cs typeface="+mn-lt"/>
+              </a:rPr>
+              <a:t>Хибність у мова C# представляється ключовим словом </a:t>
+            </a:r>
+            <a:r>
+              <a:rPr lang="uk-UA" sz="2000" dirty="0" err="1">
                 <a:solidFill>
                   <a:schemeClr val="accent1"/>
                 </a:solidFill>
                 <a:ea typeface="+mn-lt"/>
                 <a:cs typeface="+mn-lt"/>
               </a:rPr>
-              <a:t> </a:t>
-            </a:r>
-            <a:r>
-              <a:rPr lang="uk-UA" sz="2000" dirty="0" err="1">
-                <a:solidFill>
-                  <a:schemeClr val="accent1"/>
-                </a:solidFill>
-                <a:ea typeface="+mn-lt"/>
-                <a:cs typeface="+mn-lt"/>
-              </a:rPr>
-              <a:t>if</a:t>
+              <a:t>flase</a:t>
             </a:r>
             <a:r>
               <a:rPr lang="uk-UA" sz="2000" dirty="0">
-                <a:ea typeface="+mn-lt"/>
-                <a:cs typeface="+mn-lt"/>
-              </a:rPr>
-              <a:t> ... </a:t>
-            </a:r>
-            <a:r>
-              <a:rPr lang="uk-UA" sz="2000" dirty="0" err="1">
-                <a:solidFill>
-                  <a:schemeClr val="accent1"/>
-                </a:solidFill>
-                <a:ea typeface="+mn-lt"/>
-                <a:cs typeface="+mn-lt"/>
-              </a:rPr>
-              <a:t>else</a:t>
-            </a:r>
-            <a:endParaRPr lang="uk-UA" sz="2000">
-              <a:solidFill>
-                <a:schemeClr val="accent1"/>
-              </a:solidFill>
-              <a:cs typeface="Calibri" panose="020F0502020204030204"/>
-            </a:endParaRPr>
-          </a:p>
-          <a:p>
-            <a:endParaRPr lang="uk-UA" sz="2000" dirty="0">
-              <a:cs typeface="Calibri"/>
-            </a:endParaRPr>
-          </a:p>
-          <a:p>
-            <a:pPr marL="0" indent="0">
-              <a:buNone/>
-            </a:pPr>
-            <a:r>
-              <a:rPr lang="uk-UA" sz="2000" dirty="0" err="1">
-                <a:ea typeface="+mn-lt"/>
-                <a:cs typeface="+mn-lt"/>
-              </a:rPr>
-              <a:t>Тернарний</a:t>
-            </a:r>
-            <a:r>
-              <a:rPr lang="uk-UA" sz="2000" dirty="0">
-                <a:ea typeface="+mn-lt"/>
-                <a:cs typeface="+mn-lt"/>
-              </a:rPr>
-              <a:t> оператор: … </a:t>
-            </a:r>
-            <a:r>
-              <a:rPr lang="uk-UA" sz="2000" dirty="0">
-                <a:solidFill>
-                  <a:schemeClr val="accent1"/>
-                </a:solidFill>
-                <a:ea typeface="+mn-lt"/>
-                <a:cs typeface="+mn-lt"/>
-              </a:rPr>
-              <a:t>?</a:t>
-            </a:r>
-            <a:r>
-              <a:rPr lang="uk-UA" sz="2000" dirty="0">
-                <a:ea typeface="+mn-lt"/>
-                <a:cs typeface="+mn-lt"/>
-              </a:rPr>
-              <a:t> … </a:t>
-            </a:r>
-            <a:r>
-              <a:rPr lang="uk-UA" sz="2000" dirty="0">
-                <a:solidFill>
-                  <a:schemeClr val="accent1"/>
-                </a:solidFill>
-                <a:ea typeface="+mn-lt"/>
-                <a:cs typeface="+mn-lt"/>
-              </a:rPr>
-              <a:t>:</a:t>
-            </a:r>
-            <a:r>
-              <a:rPr lang="uk-UA" sz="2000" dirty="0">
-                <a:ea typeface="+mn-lt"/>
-                <a:cs typeface="+mn-lt"/>
-              </a:rPr>
-              <a:t> ...</a:t>
-            </a:r>
-            <a:endParaRPr lang="uk-UA" sz="2000" dirty="0">
-              <a:cs typeface="Calibri"/>
-            </a:endParaRPr>
-          </a:p>
-          <a:p>
-            <a:endParaRPr lang="uk-UA" sz="2000" dirty="0">
-              <a:cs typeface="Calibri"/>
-            </a:endParaRPr>
-          </a:p>
-          <a:p>
-            <a:pPr marL="0" indent="0">
-              <a:buNone/>
-            </a:pPr>
-            <a:r>
-              <a:rPr lang="uk-UA" sz="2000" dirty="0">
-                <a:ea typeface="+mn-lt"/>
-                <a:cs typeface="+mn-lt"/>
-              </a:rPr>
-              <a:t>Оператор багатозначного вибору: </a:t>
-            </a:r>
-            <a:r>
-              <a:rPr lang="uk-UA" sz="2000" dirty="0" err="1">
-                <a:solidFill>
-                  <a:schemeClr val="accent1"/>
-                </a:solidFill>
-                <a:ea typeface="+mn-lt"/>
-                <a:cs typeface="+mn-lt"/>
-              </a:rPr>
-              <a:t>switch</a:t>
-            </a:r>
-            <a:r>
-              <a:rPr lang="uk-UA" sz="2000" dirty="0">
-                <a:ea typeface="+mn-lt"/>
-                <a:cs typeface="+mn-lt"/>
-              </a:rPr>
-              <a:t> - </a:t>
-            </a:r>
-            <a:r>
-              <a:rPr lang="uk-UA" sz="2000" dirty="0" err="1">
-                <a:solidFill>
-                  <a:schemeClr val="accent1"/>
-                </a:solidFill>
-                <a:ea typeface="+mn-lt"/>
-                <a:cs typeface="+mn-lt"/>
-              </a:rPr>
-              <a:t>case</a:t>
-            </a:r>
-            <a:endParaRPr lang="uk-UA" sz="2000">
-              <a:solidFill>
-                <a:schemeClr val="accent1"/>
-              </a:solidFill>
-              <a:cs typeface="Calibri" panose="020F0502020204030204"/>
-            </a:endParaRPr>
-          </a:p>
-        </p:txBody>
-      </p:sp>
+                <a:cs typeface="Calibri" panose="020F0502020204030204"/>
+              </a:rPr>
+              <a:t>.</a:t>
+            </a:r>
+          </a:p>
+        </p:txBody>
+      </p:sp>
+      <p:pic>
+        <p:nvPicPr>
+          <p:cNvPr id="4" name="Рисунок 4" descr="Зображення, що містить текст&#10;&#10;Опис створено автоматично">
+            <a:extLst>
+              <a:ext uri="{FF2B5EF4-FFF2-40B4-BE49-F238E27FC236}">
+                <a16:creationId xmlns:a16="http://schemas.microsoft.com/office/drawing/2014/main" id="{181F8675-6D4C-4E35-AE91-49CA572DD4C2}"/>
+              </a:ext>
+            </a:extLst>
+          </p:cNvPr>
+          <p:cNvPicPr>
+            <a:picLocks noChangeAspect="1"/>
+          </p:cNvPicPr>
+          <p:nvPr/>
+        </p:nvPicPr>
+        <p:blipFill>
+          <a:blip r:embed="rId2"/>
+          <a:stretch>
+            <a:fillRect/>
+          </a:stretch>
+        </p:blipFill>
+        <p:spPr>
+          <a:xfrm>
+            <a:off x="8625508" y="4892281"/>
+            <a:ext cx="1948070" cy="1297571"/>
+          </a:xfrm>
+          <a:prstGeom prst="rect">
+            <a:avLst/>
+          </a:prstGeom>
+        </p:spPr>
+      </p:pic>
+      <p:pic>
+        <p:nvPicPr>
+          <p:cNvPr id="6" name="Рисунок 6">
+            <a:extLst>
+              <a:ext uri="{FF2B5EF4-FFF2-40B4-BE49-F238E27FC236}">
+                <a16:creationId xmlns:a16="http://schemas.microsoft.com/office/drawing/2014/main" id="{0E2241EA-91DF-4D0B-AF07-BCFD334D9817}"/>
+              </a:ext>
+            </a:extLst>
+          </p:cNvPr>
+          <p:cNvPicPr>
+            <a:picLocks noChangeAspect="1"/>
+          </p:cNvPicPr>
+          <p:nvPr/>
+        </p:nvPicPr>
+        <p:blipFill>
+          <a:blip r:embed="rId3"/>
+          <a:stretch>
+            <a:fillRect/>
+          </a:stretch>
+        </p:blipFill>
+        <p:spPr>
+          <a:xfrm>
+            <a:off x="839857" y="4027448"/>
+            <a:ext cx="2230891" cy="2230891"/>
+          </a:xfrm>
+          <a:prstGeom prst="rect">
+            <a:avLst/>
+          </a:prstGeom>
+        </p:spPr>
+      </p:pic>
     </p:spTree>
     <p:extLst>
       <p:ext uri="{BB962C8B-B14F-4D97-AF65-F5344CB8AC3E}">
-        <p14:creationId xmlns:p14="http://schemas.microsoft.com/office/powerpoint/2010/main" val="3188084153"/>
+        <p14:creationId xmlns:p14="http://schemas.microsoft.com/office/powerpoint/2010/main" val="47344129"/>
       </p:ext>
     </p:extLst>
   </p:cSld>
@@ -3607,6 +4545,355 @@
           <p:cNvPr id="2" name="Заголовок 1">
             <a:extLst>
               <a:ext uri="{FF2B5EF4-FFF2-40B4-BE49-F238E27FC236}">
+                <a16:creationId xmlns:a16="http://schemas.microsoft.com/office/drawing/2014/main" id="{F5AA7CF5-CC45-41F3-84BA-BCCCAFD81531}"/>
+              </a:ext>
+            </a:extLst>
+          </p:cNvPr>
+          <p:cNvSpPr>
+            <a:spLocks noGrp="1"/>
+          </p:cNvSpPr>
+          <p:nvPr>
+            <p:ph type="title"/>
+          </p:nvPr>
+        </p:nvSpPr>
+        <p:spPr>
+          <a:xfrm>
+            <a:off x="871330" y="340277"/>
+            <a:ext cx="10515600" cy="598732"/>
+          </a:xfrm>
+        </p:spPr>
+        <p:txBody>
+          <a:bodyPr>
+            <a:normAutofit/>
+          </a:bodyPr>
+          <a:lstStyle/>
+          <a:p>
+            <a:r>
+              <a:rPr lang="uk-UA" sz="3200" dirty="0">
+                <a:latin typeface="Calibri"/>
+                <a:ea typeface="+mj-lt"/>
+                <a:cs typeface="+mj-lt"/>
+              </a:rPr>
+              <a:t>Умовні конструкції </a:t>
+            </a:r>
+            <a:endParaRPr lang="uk-UA" sz="3200">
+              <a:latin typeface="Calibri"/>
+              <a:ea typeface="+mj-lt"/>
+              <a:cs typeface="+mj-lt"/>
+            </a:endParaRPr>
+          </a:p>
+        </p:txBody>
+      </p:sp>
+      <p:sp>
+        <p:nvSpPr>
+          <p:cNvPr id="3" name="Місце для вмісту 2">
+            <a:extLst>
+              <a:ext uri="{FF2B5EF4-FFF2-40B4-BE49-F238E27FC236}">
+                <a16:creationId xmlns:a16="http://schemas.microsoft.com/office/drawing/2014/main" id="{EAD686FD-5DF7-44CB-BC45-AC968E166818}"/>
+              </a:ext>
+            </a:extLst>
+          </p:cNvPr>
+          <p:cNvSpPr>
+            <a:spLocks noGrp="1"/>
+          </p:cNvSpPr>
+          <p:nvPr>
+            <p:ph idx="1"/>
+          </p:nvPr>
+        </p:nvSpPr>
+        <p:spPr>
+          <a:xfrm>
+            <a:off x="871330" y="1168880"/>
+            <a:ext cx="10515600" cy="5353533"/>
+          </a:xfrm>
+        </p:spPr>
+        <p:txBody>
+          <a:bodyPr vert="horz" lIns="91440" tIns="45720" rIns="91440" bIns="45720" rtlCol="0" anchor="t">
+            <a:normAutofit/>
+          </a:bodyPr>
+          <a:lstStyle/>
+          <a:p>
+            <a:pPr marL="0" indent="0">
+              <a:buNone/>
+            </a:pPr>
+            <a:r>
+              <a:rPr lang="uk-UA" sz="2000" dirty="0">
+                <a:ea typeface="+mn-lt"/>
+                <a:cs typeface="+mn-lt"/>
+              </a:rPr>
+              <a:t>Умовний оператор:</a:t>
+            </a:r>
+            <a:r>
+              <a:rPr lang="uk-UA" sz="2000" dirty="0">
+                <a:solidFill>
+                  <a:schemeClr val="accent1"/>
+                </a:solidFill>
+                <a:ea typeface="+mn-lt"/>
+                <a:cs typeface="+mn-lt"/>
+              </a:rPr>
+              <a:t> </a:t>
+            </a:r>
+            <a:r>
+              <a:rPr lang="uk-UA" sz="2000" dirty="0" err="1">
+                <a:solidFill>
+                  <a:schemeClr val="accent1"/>
+                </a:solidFill>
+                <a:ea typeface="+mn-lt"/>
+                <a:cs typeface="+mn-lt"/>
+              </a:rPr>
+              <a:t>if</a:t>
+            </a:r>
+            <a:r>
+              <a:rPr lang="uk-UA" sz="2000" dirty="0">
+                <a:ea typeface="+mn-lt"/>
+                <a:cs typeface="+mn-lt"/>
+              </a:rPr>
+              <a:t> ... </a:t>
+            </a:r>
+            <a:r>
+              <a:rPr lang="uk-UA" sz="2000" dirty="0" err="1">
+                <a:solidFill>
+                  <a:schemeClr val="accent1"/>
+                </a:solidFill>
+                <a:ea typeface="+mn-lt"/>
+                <a:cs typeface="+mn-lt"/>
+              </a:rPr>
+              <a:t>else</a:t>
+            </a:r>
+            <a:endParaRPr lang="uk-UA" sz="2000" dirty="0" err="1">
+              <a:solidFill>
+                <a:schemeClr val="accent1"/>
+              </a:solidFill>
+              <a:cs typeface="Calibri" panose="020F0502020204030204"/>
+            </a:endParaRPr>
+          </a:p>
+          <a:p>
+            <a:pPr marL="0" indent="0">
+              <a:buNone/>
+            </a:pPr>
+            <a:r>
+              <a:rPr lang="uk-UA" sz="2000" dirty="0" err="1">
+                <a:ea typeface="+mn-lt"/>
+                <a:cs typeface="+mn-lt"/>
+              </a:rPr>
+              <a:t>Тернарний</a:t>
+            </a:r>
+            <a:r>
+              <a:rPr lang="uk-UA" sz="2000" dirty="0">
+                <a:ea typeface="+mn-lt"/>
+                <a:cs typeface="+mn-lt"/>
+              </a:rPr>
+              <a:t> оператор: … </a:t>
+            </a:r>
+            <a:r>
+              <a:rPr lang="uk-UA" sz="2000" dirty="0">
+                <a:solidFill>
+                  <a:schemeClr val="accent1"/>
+                </a:solidFill>
+                <a:ea typeface="+mn-lt"/>
+                <a:cs typeface="+mn-lt"/>
+              </a:rPr>
+              <a:t>?</a:t>
+            </a:r>
+            <a:r>
+              <a:rPr lang="uk-UA" sz="2000" dirty="0">
+                <a:ea typeface="+mn-lt"/>
+                <a:cs typeface="+mn-lt"/>
+              </a:rPr>
+              <a:t> … </a:t>
+            </a:r>
+            <a:r>
+              <a:rPr lang="uk-UA" sz="2000" dirty="0">
+                <a:solidFill>
+                  <a:schemeClr val="accent1"/>
+                </a:solidFill>
+                <a:ea typeface="+mn-lt"/>
+                <a:cs typeface="+mn-lt"/>
+              </a:rPr>
+              <a:t>:</a:t>
+            </a:r>
+            <a:r>
+              <a:rPr lang="uk-UA" sz="2000" dirty="0">
+                <a:ea typeface="+mn-lt"/>
+                <a:cs typeface="+mn-lt"/>
+              </a:rPr>
+              <a:t> ...</a:t>
+            </a:r>
+            <a:endParaRPr lang="uk-UA" sz="2000" dirty="0">
+              <a:cs typeface="Calibri"/>
+            </a:endParaRPr>
+          </a:p>
+          <a:p>
+            <a:pPr marL="0" indent="0">
+              <a:buNone/>
+            </a:pPr>
+            <a:r>
+              <a:rPr lang="uk-UA" sz="2000" dirty="0">
+                <a:ea typeface="+mn-lt"/>
+                <a:cs typeface="+mn-lt"/>
+              </a:rPr>
+              <a:t>Оператор багатозначного вибору: </a:t>
+            </a:r>
+            <a:r>
+              <a:rPr lang="uk-UA" sz="2000" dirty="0" err="1">
+                <a:solidFill>
+                  <a:schemeClr val="accent1"/>
+                </a:solidFill>
+                <a:ea typeface="+mn-lt"/>
+                <a:cs typeface="+mn-lt"/>
+              </a:rPr>
+              <a:t>switch</a:t>
+            </a:r>
+            <a:r>
+              <a:rPr lang="uk-UA" sz="2000" dirty="0">
+                <a:ea typeface="+mn-lt"/>
+                <a:cs typeface="+mn-lt"/>
+              </a:rPr>
+              <a:t> - </a:t>
+            </a:r>
+            <a:r>
+              <a:rPr lang="uk-UA" sz="2000" dirty="0" err="1">
+                <a:solidFill>
+                  <a:schemeClr val="accent1"/>
+                </a:solidFill>
+                <a:ea typeface="+mn-lt"/>
+                <a:cs typeface="+mn-lt"/>
+              </a:rPr>
+              <a:t>case</a:t>
+            </a:r>
+            <a:endParaRPr lang="uk-UA" sz="2000">
+              <a:solidFill>
+                <a:schemeClr val="accent1"/>
+              </a:solidFill>
+              <a:cs typeface="Calibri" panose="020F0502020204030204"/>
+            </a:endParaRPr>
+          </a:p>
+        </p:txBody>
+      </p:sp>
+      <p:pic>
+        <p:nvPicPr>
+          <p:cNvPr id="4" name="Рисунок 4">
+            <a:extLst>
+              <a:ext uri="{FF2B5EF4-FFF2-40B4-BE49-F238E27FC236}">
+                <a16:creationId xmlns:a16="http://schemas.microsoft.com/office/drawing/2014/main" id="{978E5350-F121-460C-A043-9BF595162E37}"/>
+              </a:ext>
+            </a:extLst>
+          </p:cNvPr>
+          <p:cNvPicPr>
+            <a:picLocks noChangeAspect="1"/>
+          </p:cNvPicPr>
+          <p:nvPr/>
+        </p:nvPicPr>
+        <p:blipFill>
+          <a:blip r:embed="rId2"/>
+          <a:stretch>
+            <a:fillRect/>
+          </a:stretch>
+        </p:blipFill>
+        <p:spPr>
+          <a:xfrm>
+            <a:off x="9355207" y="3799440"/>
+            <a:ext cx="1797327" cy="2265708"/>
+          </a:xfrm>
+          <a:prstGeom prst="rect">
+            <a:avLst/>
+          </a:prstGeom>
+        </p:spPr>
+      </p:pic>
+      <p:pic>
+        <p:nvPicPr>
+          <p:cNvPr id="5" name="Рисунок 5">
+            <a:extLst>
+              <a:ext uri="{FF2B5EF4-FFF2-40B4-BE49-F238E27FC236}">
+                <a16:creationId xmlns:a16="http://schemas.microsoft.com/office/drawing/2014/main" id="{2C452C4B-F527-42EA-83DC-F2D245ED2537}"/>
+              </a:ext>
+            </a:extLst>
+          </p:cNvPr>
+          <p:cNvPicPr>
+            <a:picLocks noChangeAspect="1"/>
+          </p:cNvPicPr>
+          <p:nvPr/>
+        </p:nvPicPr>
+        <p:blipFill>
+          <a:blip r:embed="rId3"/>
+          <a:stretch>
+            <a:fillRect/>
+          </a:stretch>
+        </p:blipFill>
+        <p:spPr>
+          <a:xfrm>
+            <a:off x="872987" y="4082033"/>
+            <a:ext cx="2850873" cy="2122935"/>
+          </a:xfrm>
+          <a:prstGeom prst="rect">
+            <a:avLst/>
+          </a:prstGeom>
+        </p:spPr>
+      </p:pic>
+      <p:pic>
+        <p:nvPicPr>
+          <p:cNvPr id="6" name="Рисунок 6">
+            <a:extLst>
+              <a:ext uri="{FF2B5EF4-FFF2-40B4-BE49-F238E27FC236}">
+                <a16:creationId xmlns:a16="http://schemas.microsoft.com/office/drawing/2014/main" id="{A429F8D0-2811-4CFD-B9ED-296579B86360}"/>
+              </a:ext>
+            </a:extLst>
+          </p:cNvPr>
+          <p:cNvPicPr>
+            <a:picLocks noChangeAspect="1"/>
+          </p:cNvPicPr>
+          <p:nvPr/>
+        </p:nvPicPr>
+        <p:blipFill>
+          <a:blip r:embed="rId4"/>
+          <a:stretch>
+            <a:fillRect/>
+          </a:stretch>
+        </p:blipFill>
+        <p:spPr>
+          <a:xfrm>
+            <a:off x="9834769" y="288234"/>
+            <a:ext cx="1550505" cy="1162879"/>
+          </a:xfrm>
+          <a:prstGeom prst="rect">
+            <a:avLst/>
+          </a:prstGeom>
+        </p:spPr>
+      </p:pic>
+    </p:spTree>
+    <p:extLst>
+      <p:ext uri="{BB962C8B-B14F-4D97-AF65-F5344CB8AC3E}">
+        <p14:creationId xmlns:p14="http://schemas.microsoft.com/office/powerpoint/2010/main" val="3188084153"/>
+      </p:ext>
+    </p:extLst>
+  </p:cSld>
+  <p:clrMapOvr>
+    <a:masterClrMapping/>
+  </p:clrMapOvr>
+</p:sld>
+</file>
+
+<file path=ppt/slides/slide5.xml><?xml version="1.0" encoding="utf-8"?>
+<p:sld xmlns:a="http://schemas.openxmlformats.org/drawingml/2006/main" xmlns:r="http://schemas.openxmlformats.org/officeDocument/2006/relationships" xmlns:p="http://schemas.openxmlformats.org/presentationml/2006/main">
+  <p:cSld>
+    <p:spTree>
+      <p:nvGrpSpPr>
+        <p:cNvPr id="1" name=""/>
+        <p:cNvGrpSpPr/>
+        <p:nvPr/>
+      </p:nvGrpSpPr>
+      <p:grpSpPr>
+        <a:xfrm>
+          <a:off x="0" y="0"/>
+          <a:ext cx="0" cy="0"/>
+          <a:chOff x="0" y="0"/>
+          <a:chExt cx="0" cy="0"/>
+        </a:xfrm>
+      </p:grpSpPr>
+      <p:sp>
+        <p:nvSpPr>
+          <p:cNvPr id="2" name="Заголовок 1">
+            <a:extLst>
+              <a:ext uri="{FF2B5EF4-FFF2-40B4-BE49-F238E27FC236}">
                 <a16:creationId xmlns:a16="http://schemas.microsoft.com/office/drawing/2014/main" id="{2121A8E3-11F6-411E-87D5-C7C74728744A}"/>
               </a:ext>
             </a:extLst>
@@ -3620,12 +4907,14 @@
         </p:nvSpPr>
         <p:spPr>
           <a:xfrm>
-            <a:off x="838200" y="365125"/>
-            <a:ext cx="10515600" cy="598733"/>
+            <a:off x="871330" y="331995"/>
+            <a:ext cx="10515600" cy="549038"/>
           </a:xfrm>
         </p:spPr>
         <p:txBody>
-          <a:bodyPr/>
+          <a:bodyPr>
+            <a:normAutofit/>
+          </a:bodyPr>
           <a:lstStyle/>
           <a:p>
             <a:r>
@@ -3676,8 +4965,8 @@
         </p:nvSpPr>
         <p:spPr>
           <a:xfrm>
-            <a:off x="838200" y="1391871"/>
-            <a:ext cx="10515600" cy="4351338"/>
+            <a:off x="871330" y="1027438"/>
+            <a:ext cx="10515600" cy="4955967"/>
           </a:xfrm>
         </p:spPr>
         <p:txBody>
@@ -3694,7 +4983,7 @@
                 <a:ea typeface="+mn-lt"/>
                 <a:cs typeface="+mn-lt"/>
               </a:rPr>
-              <a:t>Реалізує виконання певних команд за умови, що логічний вираз в умові є істинним, тобто </a:t>
+              <a:t>Реалізує виконання певних команд за умови, що логічний вираз є істинним, тобто </a:t>
             </a:r>
             <a:r>
               <a:rPr lang="uk-UA" sz="2000" dirty="0" err="1">
@@ -3783,7 +5072,7 @@
         <p:spPr>
           <a:xfrm>
             <a:off x="902677" y="2860430"/>
-            <a:ext cx="7467600" cy="2515560"/>
+            <a:ext cx="7467600" cy="2228302"/>
           </a:xfrm>
           <a:prstGeom prst="rect">
             <a:avLst/>
@@ -3799,38 +5088,16 @@
           </a:bodyPr>
           <a:lstStyle/>
           <a:p>
-            <a:r>
-              <a:rPr lang="en-US" sz="1600" dirty="0">
-                <a:solidFill>
-                  <a:srgbClr val="0000FF"/>
-                </a:solidFill>
-                <a:latin typeface="Consolas,sans-serif"/>
-              </a:rPr>
-              <a:t>int</a:t>
-            </a:r>
-            <a:r>
-              <a:rPr lang="en-US" sz="1600" dirty="0">
-                <a:latin typeface="Consolas,sans-serif"/>
-              </a:rPr>
-              <a:t> a = 1, b = 2; </a:t>
-            </a:r>
-          </a:p>
-          <a:p>
-            <a:endParaRPr lang="en-US" sz="1600" dirty="0">
-              <a:cs typeface="Calibri"/>
-            </a:endParaRPr>
-          </a:p>
-          <a:p>
             <a:pPr>
               <a:lnSpc>
                 <a:spcPct val="90000"/>
               </a:lnSpc>
               <a:spcBef>
-                <a:spcPts val="1000"/>
+                <a:spcPts val="300"/>
               </a:spcBef>
             </a:pPr>
             <a:r>
-              <a:rPr lang="uk-UA" sz="1600" dirty="0">
+              <a:rPr lang="uk-UA" sz="1400" dirty="0">
                 <a:solidFill>
                   <a:schemeClr val="accent6">
                     <a:lumMod val="75000"/>
@@ -3841,7 +5108,7 @@
               </a:rPr>
               <a:t>// ЯКЩО: умова задовольняє істинності</a:t>
             </a:r>
-            <a:endParaRPr lang="uk-UA" sz="1600">
+            <a:endParaRPr lang="uk-UA" sz="1400">
               <a:solidFill>
                 <a:schemeClr val="accent6">
                   <a:lumMod val="75000"/>
@@ -3857,11 +5124,11 @@
                 <a:spcPct val="90000"/>
               </a:lnSpc>
               <a:spcBef>
-                <a:spcPts val="1000"/>
+                <a:spcPts val="300"/>
               </a:spcBef>
             </a:pPr>
             <a:r>
-              <a:rPr lang="uk-UA" sz="1600" dirty="0">
+              <a:rPr lang="uk-UA" sz="1400" dirty="0">
                 <a:solidFill>
                   <a:schemeClr val="accent6">
                     <a:lumMod val="75000"/>
@@ -3872,7 +5139,7 @@
               </a:rPr>
               <a:t>// ТО: виконуємо тіло умовної конструкції</a:t>
             </a:r>
-            <a:endParaRPr lang="uk-UA" sz="1600">
+            <a:endParaRPr lang="uk-UA" sz="1400" dirty="0">
               <a:solidFill>
                 <a:schemeClr val="accent6">
                   <a:lumMod val="75000"/>
@@ -3883,11 +5150,47 @@
             </a:endParaRPr>
           </a:p>
           <a:p>
+            <a:pPr>
+              <a:lnSpc>
+                <a:spcPct val="90000"/>
+              </a:lnSpc>
+              <a:spcBef>
+                <a:spcPts val="300"/>
+              </a:spcBef>
+            </a:pPr>
+            <a:endParaRPr lang="uk-UA" sz="1400" dirty="0">
+              <a:solidFill>
+                <a:schemeClr val="accent6">
+                  <a:lumMod val="75000"/>
+                </a:schemeClr>
+              </a:solidFill>
+              <a:latin typeface="Calibri"/>
+              <a:cs typeface="Calibri"/>
+            </a:endParaRPr>
+          </a:p>
+          <a:p>
+            <a:r>
+              <a:rPr lang="en-US" sz="1600" dirty="0">
+                <a:solidFill>
+                  <a:srgbClr val="0000FF"/>
+                </a:solidFill>
+                <a:latin typeface="Consolas"/>
+              </a:rPr>
+              <a:t>int</a:t>
+            </a:r>
+            <a:r>
+              <a:rPr lang="en-US" sz="1600" dirty="0">
+                <a:latin typeface="Consolas"/>
+              </a:rPr>
+              <a:t> a = 1, b = 2; </a:t>
+            </a:r>
+            <a:endParaRPr lang="en-US">
+              <a:cs typeface="Calibri" panose="020F0502020204030204"/>
+            </a:endParaRPr>
+          </a:p>
+          <a:p>
             <a:endParaRPr lang="en-US" sz="1600" dirty="0">
-              <a:solidFill>
-                <a:srgbClr val="008000"/>
-              </a:solidFill>
-              <a:latin typeface="Consolas,sans-serif"/>
+              <a:latin typeface="Consolas"/>
             </a:endParaRPr>
           </a:p>
           <a:p>
@@ -4123,8 +5426,8 @@
         </p:nvSpPr>
         <p:spPr>
           <a:xfrm>
-            <a:off x="8264768" y="4009292"/>
-            <a:ext cx="2743200" cy="307777"/>
+            <a:off x="8571225" y="4009292"/>
+            <a:ext cx="780222" cy="307777"/>
           </a:xfrm>
           <a:prstGeom prst="rect">
             <a:avLst/>
@@ -4142,7 +5445,7 @@
           <a:p>
             <a:r>
               <a:rPr lang="uk-UA" sz="1400" dirty="0"/>
-              <a:t>серія команд</a:t>
+              <a:t>дія 1</a:t>
             </a:r>
             <a:endParaRPr lang="uk-UA" sz="1400" dirty="0">
               <a:cs typeface="Calibri"/>
@@ -4150,6 +5453,36 @@
           </a:p>
         </p:txBody>
       </p:sp>
+      <p:pic>
+        <p:nvPicPr>
+          <p:cNvPr id="6" name="Рисунок 8">
+            <a:extLst>
+              <a:ext uri="{FF2B5EF4-FFF2-40B4-BE49-F238E27FC236}">
+                <a16:creationId xmlns:a16="http://schemas.microsoft.com/office/drawing/2014/main" id="{A1E071A7-64AA-4B7C-BB1A-0D818AC6AF9A}"/>
+              </a:ext>
+            </a:extLst>
+          </p:cNvPr>
+          <p:cNvPicPr>
+            <a:picLocks noChangeAspect="1"/>
+          </p:cNvPicPr>
+          <p:nvPr/>
+        </p:nvPicPr>
+        <p:blipFill>
+          <a:blip r:embed="rId3"/>
+          <a:stretch>
+            <a:fillRect/>
+          </a:stretch>
+        </p:blipFill>
+        <p:spPr>
+          <a:xfrm>
+            <a:off x="10145266" y="28050"/>
+            <a:ext cx="1888274" cy="1059831"/>
+          </a:xfrm>
+          <a:prstGeom prst="rect">
+            <a:avLst/>
+          </a:prstGeom>
+        </p:spPr>
+      </p:pic>
     </p:spTree>
     <p:extLst>
       <p:ext uri="{BB962C8B-B14F-4D97-AF65-F5344CB8AC3E}">
@@ -4163,7 +5496,7 @@
 </p:sld>
 </file>
 
-<file path=ppt/slides/slide5.xml><?xml version="1.0" encoding="utf-8"?>
+<file path=ppt/slides/slide6.xml><?xml version="1.0" encoding="utf-8"?>
 <p:sld xmlns:a="http://schemas.openxmlformats.org/drawingml/2006/main" xmlns:r="http://schemas.openxmlformats.org/officeDocument/2006/relationships" xmlns:p="http://schemas.openxmlformats.org/presentationml/2006/main">
   <p:cSld>
     <p:spTree>
@@ -4268,8 +5601,8 @@
         </p:nvSpPr>
         <p:spPr>
           <a:xfrm>
-            <a:off x="838200" y="1391871"/>
-            <a:ext cx="10515600" cy="4351338"/>
+            <a:off x="838200" y="1044002"/>
+            <a:ext cx="10515600" cy="5510902"/>
           </a:xfrm>
         </p:spPr>
         <p:txBody>
@@ -4283,14 +5616,62 @@
             </a:pPr>
             <a:r>
               <a:rPr lang="uk-UA" sz="2000" dirty="0">
-                <a:ea typeface="+mn-lt"/>
-                <a:cs typeface="+mn-lt"/>
-              </a:rPr>
-              <a:t>Залежно від умови виконується лише одна із двох команд. Якщо умова дотримана, то треба виконати дію 1, а якщо ні то дію 2.</a:t>
-            </a:r>
-            <a:endParaRPr lang="uk-UA" sz="2000">
-              <a:cs typeface="Calibri"/>
-            </a:endParaRPr>
+                <a:latin typeface="Calibri"/>
+                <a:cs typeface="Calibri" panose="020F0502020204030204"/>
+              </a:rPr>
+              <a:t>Залежно від умови виконується лише одна із двох команд. Якщо умова повертає </a:t>
+            </a:r>
+            <a:r>
+              <a:rPr lang="uk-UA" sz="2000" dirty="0" err="1">
+                <a:solidFill>
+                  <a:schemeClr val="accent1"/>
+                </a:solidFill>
+                <a:latin typeface="Calibri"/>
+                <a:cs typeface="Calibri" panose="020F0502020204030204"/>
+              </a:rPr>
+              <a:t>true</a:t>
+            </a:r>
+            <a:r>
+              <a:rPr lang="uk-UA" sz="2000" dirty="0">
+                <a:latin typeface="Calibri"/>
+                <a:cs typeface="Calibri" panose="020F0502020204030204"/>
+              </a:rPr>
+              <a:t>, то виконується дія 1, а якщо повертає </a:t>
+            </a:r>
+            <a:r>
+              <a:rPr lang="uk-UA" sz="2000" dirty="0" err="1">
+                <a:solidFill>
+                  <a:schemeClr val="accent1"/>
+                </a:solidFill>
+                <a:latin typeface="Calibri"/>
+                <a:cs typeface="Calibri" panose="020F0502020204030204"/>
+              </a:rPr>
+              <a:t>false</a:t>
+            </a:r>
+            <a:r>
+              <a:rPr lang="uk-UA" sz="2000" dirty="0">
+                <a:latin typeface="Calibri"/>
+                <a:cs typeface="Calibri" panose="020F0502020204030204"/>
+              </a:rPr>
+              <a:t>,</a:t>
+            </a:r>
+            <a:r>
+              <a:rPr lang="uk-UA" sz="2000" dirty="0">
+                <a:solidFill>
+                  <a:schemeClr val="accent1"/>
+                </a:solidFill>
+                <a:latin typeface="Calibri"/>
+                <a:cs typeface="Calibri" panose="020F0502020204030204"/>
+              </a:rPr>
+              <a:t> </a:t>
+            </a:r>
+            <a:r>
+              <a:rPr lang="uk-UA" sz="2000" dirty="0">
+                <a:latin typeface="Calibri"/>
+                <a:cs typeface="Calibri" panose="020F0502020204030204"/>
+              </a:rPr>
+              <a:t>то виконується дія 2.</a:t>
+            </a:r>
           </a:p>
           <a:p>
             <a:endParaRPr lang="uk-UA" sz="2000" dirty="0">
@@ -4299,6 +5680,9 @@
             </a:endParaRPr>
           </a:p>
           <a:p>
+            <a:pPr marL="0" indent="0">
+              <a:buNone/>
+            </a:pPr>
             <a:endParaRPr lang="uk-UA" sz="2000" dirty="0">
               <a:cs typeface="Calibri" panose="020F0502020204030204"/>
             </a:endParaRPr>
@@ -4471,8 +5855,8 @@
         </p:nvSpPr>
         <p:spPr>
           <a:xfrm>
-            <a:off x="932329" y="2741821"/>
-            <a:ext cx="6212541" cy="3046988"/>
+            <a:off x="924046" y="2476778"/>
+            <a:ext cx="6212541" cy="3416320"/>
           </a:xfrm>
           <a:prstGeom prst="rect">
             <a:avLst/>
@@ -4489,33 +5873,7 @@
           <a:lstStyle/>
           <a:p>
             <a:r>
-              <a:rPr lang="en-US" sz="1600" dirty="0">
-                <a:solidFill>
-                  <a:srgbClr val="0000FF"/>
-                </a:solidFill>
-                <a:latin typeface="Consolas,sans-serif"/>
-              </a:rPr>
-              <a:t>int</a:t>
-            </a:r>
-            <a:r>
-              <a:rPr lang="en-US" sz="1600" dirty="0">
-                <a:latin typeface="Consolas,sans-serif"/>
-              </a:rPr>
-              <a:t> a = 1, b = 2; </a:t>
-            </a:r>
-          </a:p>
-          <a:p>
-            <a:endParaRPr lang="en-US" sz="1600" dirty="0">
-              <a:solidFill>
-                <a:srgbClr val="000000"/>
-              </a:solidFill>
-              <a:latin typeface="Consolas,sans-serif"/>
-              <a:cs typeface="Calibri"/>
-            </a:endParaRPr>
-          </a:p>
-          <a:p>
-            <a:r>
-              <a:rPr lang="uk-UA" sz="1600" dirty="0">
+              <a:rPr lang="uk-UA" sz="1400" dirty="0">
                 <a:solidFill>
                   <a:schemeClr val="accent6">
                     <a:lumMod val="75000"/>
@@ -4526,7 +5884,7 @@
               </a:rPr>
               <a:t>// ЯКЩО: умова задовольняє істинності</a:t>
             </a:r>
-            <a:endParaRPr lang="en-US" sz="1600">
+            <a:endParaRPr lang="en-US" sz="1400">
               <a:solidFill>
                 <a:schemeClr val="accent6">
                   <a:lumMod val="75000"/>
@@ -4538,7 +5896,7 @@
           </a:p>
           <a:p>
             <a:r>
-              <a:rPr lang="uk-UA" sz="1600" dirty="0">
+              <a:rPr lang="uk-UA" sz="1400" dirty="0">
                 <a:solidFill>
                   <a:schemeClr val="accent6">
                     <a:lumMod val="75000"/>
@@ -4549,7 +5907,7 @@
               </a:rPr>
               <a:t>// ТО: виконуємо тіло умовної конструкції</a:t>
             </a:r>
-            <a:endParaRPr lang="en-US" sz="1600">
+            <a:endParaRPr lang="en-US" sz="1400">
               <a:solidFill>
                 <a:schemeClr val="accent6">
                   <a:lumMod val="75000"/>
@@ -4561,150 +5919,19 @@
           </a:p>
           <a:p>
             <a:r>
-              <a:rPr lang="en-US" sz="1600" dirty="0">
-                <a:solidFill>
-                  <a:srgbClr val="0000FF"/>
-                </a:solidFill>
-                <a:latin typeface="Consolas,sans-serif"/>
-              </a:rPr>
-              <a:t>if</a:t>
-            </a:r>
-            <a:r>
-              <a:rPr lang="en-US" sz="1600" dirty="0">
-                <a:latin typeface="Consolas,sans-serif"/>
-              </a:rPr>
-              <a:t> (a &lt; b) </a:t>
-            </a:r>
-          </a:p>
-          <a:p>
-            <a:r>
-              <a:rPr lang="en-US" sz="1600" dirty="0">
-                <a:latin typeface="Consolas,sans-serif"/>
-              </a:rPr>
-              <a:t>{ </a:t>
-            </a:r>
-          </a:p>
-          <a:p>
-            <a:r>
-              <a:rPr lang="en-US" sz="1600" dirty="0">
-                <a:solidFill>
-                  <a:srgbClr val="2B91AF"/>
-                </a:solidFill>
-                <a:latin typeface="Consolas,sans-serif"/>
-              </a:rPr>
-              <a:t>  </a:t>
-            </a:r>
-            <a:r>
-              <a:rPr lang="en-US" sz="1600" dirty="0" err="1">
-                <a:solidFill>
-                  <a:srgbClr val="2B91AF"/>
-                </a:solidFill>
-                <a:latin typeface="Consolas,sans-serif"/>
-              </a:rPr>
-              <a:t>Console</a:t>
-            </a:r>
-            <a:r>
-              <a:rPr lang="en-US" sz="1600" dirty="0" err="1">
-                <a:latin typeface="Consolas,sans-serif"/>
-              </a:rPr>
-              <a:t>.WriteLine</a:t>
-            </a:r>
-            <a:r>
-              <a:rPr lang="en-US" sz="1600" dirty="0">
-                <a:latin typeface="Consolas,sans-serif"/>
-              </a:rPr>
-              <a:t>(</a:t>
-            </a:r>
-            <a:r>
-              <a:rPr lang="en-US" sz="1600" dirty="0">
-                <a:solidFill>
-                  <a:srgbClr val="A31515"/>
-                </a:solidFill>
-                <a:latin typeface="Consolas,sans-serif"/>
-              </a:rPr>
-              <a:t>"a &lt; b"</a:t>
-            </a:r>
-            <a:r>
-              <a:rPr lang="en-US" sz="1600" dirty="0">
-                <a:latin typeface="Consolas,sans-serif"/>
-              </a:rPr>
-              <a:t>); </a:t>
-            </a:r>
-            <a:r>
-              <a:rPr lang="en-US" sz="1600" dirty="0">
-                <a:solidFill>
-                  <a:srgbClr val="008000"/>
-                </a:solidFill>
-                <a:latin typeface="Calibri"/>
-                <a:cs typeface="Calibri"/>
-              </a:rPr>
-              <a:t>// </a:t>
-            </a:r>
-            <a:r>
-              <a:rPr lang="en-US" sz="1600" dirty="0" err="1">
-                <a:solidFill>
-                  <a:srgbClr val="008000"/>
-                </a:solidFill>
-                <a:latin typeface="Calibri"/>
-                <a:cs typeface="Calibri"/>
-              </a:rPr>
-              <a:t>дія</a:t>
-            </a:r>
-            <a:r>
-              <a:rPr lang="en-US" sz="1600" dirty="0">
-                <a:solidFill>
-                  <a:srgbClr val="008000"/>
-                </a:solidFill>
-                <a:latin typeface="Calibri"/>
-                <a:cs typeface="Calibri"/>
-              </a:rPr>
-              <a:t> 1</a:t>
-            </a:r>
-            <a:r>
-              <a:rPr lang="en-US" sz="1600" dirty="0">
-                <a:latin typeface="Calibri"/>
-                <a:cs typeface="Calibri"/>
-              </a:rPr>
-              <a:t> </a:t>
-            </a:r>
-          </a:p>
-          <a:p>
-            <a:r>
-              <a:rPr lang="en-US" sz="1600" dirty="0">
-                <a:latin typeface="Consolas,sans-serif"/>
-              </a:rPr>
-              <a:t>} </a:t>
-            </a:r>
-          </a:p>
-          <a:p>
-            <a:r>
-              <a:rPr lang="en-US" sz="1600" dirty="0">
-                <a:solidFill>
-                  <a:srgbClr val="0000FF"/>
-                </a:solidFill>
-                <a:latin typeface="Consolas,sans-serif"/>
-              </a:rPr>
-              <a:t>else</a:t>
-            </a:r>
-            <a:r>
-              <a:rPr lang="en-US" sz="1600" dirty="0">
-                <a:latin typeface="Consolas,sans-serif"/>
-              </a:rPr>
-              <a:t> </a:t>
-            </a:r>
-            <a:r>
-              <a:rPr lang="en-US" sz="1600" dirty="0">
+              <a:rPr lang="en-US" sz="1400" dirty="0">
                 <a:solidFill>
                   <a:schemeClr val="accent6">
                     <a:lumMod val="75000"/>
                   </a:schemeClr>
                 </a:solidFill>
-                <a:latin typeface="Consolas,sans-serif"/>
-              </a:rPr>
-              <a:t>// </a:t>
-            </a:r>
-            <a:r>
-              <a:rPr lang="uk-UA" sz="1600" dirty="0">
+                <a:latin typeface="Calibri"/>
+                <a:cs typeface="Calibri"/>
+              </a:rPr>
+              <a:t>// </a:t>
+            </a:r>
+            <a:r>
+              <a:rPr lang="uk-UA" sz="1400" dirty="0">
                 <a:solidFill>
                   <a:schemeClr val="accent6">
                     <a:lumMod val="75000"/>
@@ -4716,7 +5943,7 @@
               <a:t>ІНАКШЕ: виконуємо тіло блоку </a:t>
             </a:r>
             <a:r>
-              <a:rPr lang="uk-UA" sz="1600" err="1">
+              <a:rPr lang="uk-UA" sz="1400" dirty="0" err="1">
                 <a:solidFill>
                   <a:schemeClr val="accent6">
                     <a:lumMod val="75000"/>
@@ -4728,7 +5955,7 @@
               <a:t>else</a:t>
             </a:r>
             <a:r>
-              <a:rPr lang="uk-UA" sz="1600" dirty="0">
+              <a:rPr lang="uk-UA" sz="1400" dirty="0">
                 <a:solidFill>
                   <a:schemeClr val="accent6">
                     <a:lumMod val="75000"/>
@@ -4739,7 +5966,183 @@
               </a:rPr>
               <a:t>.</a:t>
             </a:r>
-            <a:endParaRPr lang="en-US" sz="1600">
+            <a:endParaRPr lang="uk-UA" sz="1400" dirty="0">
+              <a:solidFill>
+                <a:schemeClr val="accent6">
+                  <a:lumMod val="75000"/>
+                </a:schemeClr>
+              </a:solidFill>
+              <a:latin typeface="Calibri"/>
+            </a:endParaRPr>
+          </a:p>
+          <a:p>
+            <a:endParaRPr lang="uk-UA" sz="1400" dirty="0">
+              <a:solidFill>
+                <a:schemeClr val="accent6">
+                  <a:lumMod val="75000"/>
+                </a:schemeClr>
+              </a:solidFill>
+              <a:latin typeface="Calibri Light"/>
+              <a:cs typeface="Calibri"/>
+            </a:endParaRPr>
+          </a:p>
+          <a:p>
+            <a:r>
+              <a:rPr lang="en-US" sz="1600" dirty="0">
+                <a:solidFill>
+                  <a:srgbClr val="0000FF"/>
+                </a:solidFill>
+                <a:latin typeface="Consolas"/>
+              </a:rPr>
+              <a:t>int</a:t>
+            </a:r>
+            <a:r>
+              <a:rPr lang="en-US" sz="1600" dirty="0">
+                <a:latin typeface="Consolas"/>
+              </a:rPr>
+              <a:t> a = 1, b = 2;</a:t>
+            </a:r>
+            <a:endParaRPr lang="en-US" dirty="0"/>
+          </a:p>
+          <a:p>
+            <a:endParaRPr lang="en-US" sz="1600" dirty="0">
+              <a:latin typeface="Consolas"/>
+            </a:endParaRPr>
+          </a:p>
+          <a:p>
+            <a:r>
+              <a:rPr lang="en-US" sz="1600" dirty="0">
+                <a:solidFill>
+                  <a:srgbClr val="0000FF"/>
+                </a:solidFill>
+                <a:latin typeface="Consolas,sans-serif"/>
+              </a:rPr>
+              <a:t>if</a:t>
+            </a:r>
+            <a:r>
+              <a:rPr lang="en-US" sz="1600" dirty="0">
+                <a:latin typeface="Consolas,sans-serif"/>
+              </a:rPr>
+              <a:t> (a &lt; b) </a:t>
+            </a:r>
+          </a:p>
+          <a:p>
+            <a:r>
+              <a:rPr lang="en-US" sz="1600" dirty="0">
+                <a:latin typeface="Consolas,sans-serif"/>
+              </a:rPr>
+              <a:t>{ </a:t>
+            </a:r>
+          </a:p>
+          <a:p>
+            <a:r>
+              <a:rPr lang="en-US" sz="1600" dirty="0">
+                <a:solidFill>
+                  <a:srgbClr val="2B91AF"/>
+                </a:solidFill>
+                <a:latin typeface="Consolas,sans-serif"/>
+              </a:rPr>
+              <a:t>  </a:t>
+            </a:r>
+            <a:r>
+              <a:rPr lang="en-US" sz="1600" dirty="0" err="1">
+                <a:solidFill>
+                  <a:srgbClr val="2B91AF"/>
+                </a:solidFill>
+                <a:latin typeface="Consolas,sans-serif"/>
+              </a:rPr>
+              <a:t>Console</a:t>
+            </a:r>
+            <a:r>
+              <a:rPr lang="en-US" sz="1600" dirty="0" err="1">
+                <a:latin typeface="Consolas,sans-serif"/>
+              </a:rPr>
+              <a:t>.WriteLine</a:t>
+            </a:r>
+            <a:r>
+              <a:rPr lang="en-US" sz="1600" dirty="0">
+                <a:latin typeface="Consolas,sans-serif"/>
+              </a:rPr>
+              <a:t>(</a:t>
+            </a:r>
+            <a:r>
+              <a:rPr lang="en-US" sz="1600" dirty="0">
+                <a:solidFill>
+                  <a:srgbClr val="A31515"/>
+                </a:solidFill>
+                <a:latin typeface="Consolas,sans-serif"/>
+              </a:rPr>
+              <a:t>"a &lt; b"</a:t>
+            </a:r>
+            <a:r>
+              <a:rPr lang="en-US" sz="1600" dirty="0">
+                <a:latin typeface="Consolas,sans-serif"/>
+              </a:rPr>
+              <a:t>); </a:t>
+            </a:r>
+            <a:r>
+              <a:rPr lang="en-US" sz="1600" dirty="0">
+                <a:solidFill>
+                  <a:srgbClr val="008000"/>
+                </a:solidFill>
+                <a:latin typeface="Calibri"/>
+                <a:cs typeface="Calibri"/>
+              </a:rPr>
+              <a:t>// </a:t>
+            </a:r>
+            <a:r>
+              <a:rPr lang="en-US" sz="1600" dirty="0" err="1">
+                <a:solidFill>
+                  <a:srgbClr val="008000"/>
+                </a:solidFill>
+                <a:latin typeface="Calibri"/>
+                <a:cs typeface="Calibri"/>
+              </a:rPr>
+              <a:t>дія</a:t>
+            </a:r>
+            <a:r>
+              <a:rPr lang="en-US" sz="1600" dirty="0">
+                <a:solidFill>
+                  <a:srgbClr val="008000"/>
+                </a:solidFill>
+                <a:latin typeface="Calibri"/>
+                <a:cs typeface="Calibri"/>
+              </a:rPr>
+              <a:t> 1</a:t>
+            </a:r>
+            <a:r>
+              <a:rPr lang="en-US" sz="1600" dirty="0">
+                <a:latin typeface="Calibri"/>
+                <a:cs typeface="Calibri"/>
+              </a:rPr>
+              <a:t> </a:t>
+            </a:r>
+          </a:p>
+          <a:p>
+            <a:r>
+              <a:rPr lang="en-US" sz="1600" dirty="0">
+                <a:latin typeface="Consolas,sans-serif"/>
+              </a:rPr>
+              <a:t>} </a:t>
+            </a:r>
+          </a:p>
+          <a:p>
+            <a:r>
+              <a:rPr lang="en-US" sz="1600" dirty="0">
+                <a:solidFill>
+                  <a:srgbClr val="0000FF"/>
+                </a:solidFill>
+                <a:latin typeface="Consolas,sans-serif"/>
+              </a:rPr>
+              <a:t>else</a:t>
+            </a:r>
+            <a:r>
+              <a:rPr lang="en-US" sz="1600" dirty="0">
+                <a:latin typeface="Consolas,sans-serif"/>
+              </a:rPr>
+              <a:t> </a:t>
+            </a:r>
+            <a:endParaRPr lang="uk-UA" sz="1600">
               <a:solidFill>
                 <a:schemeClr val="accent6">
                   <a:lumMod val="75000"/>
@@ -4851,647 +6254,40 @@
           </a:p>
         </p:txBody>
       </p:sp>
-    </p:spTree>
-    <p:extLst>
-      <p:ext uri="{BB962C8B-B14F-4D97-AF65-F5344CB8AC3E}">
-        <p14:creationId xmlns:p14="http://schemas.microsoft.com/office/powerpoint/2010/main" val="1929017544"/>
-      </p:ext>
-    </p:extLst>
-  </p:cSld>
-  <p:clrMapOvr>
-    <a:masterClrMapping/>
-  </p:clrMapOvr>
-</p:sld>
-</file>
-
-<file path=ppt/slides/slide6.xml><?xml version="1.0" encoding="utf-8"?>
-<p:sld xmlns:a="http://schemas.openxmlformats.org/drawingml/2006/main" xmlns:r="http://schemas.openxmlformats.org/officeDocument/2006/relationships" xmlns:p="http://schemas.openxmlformats.org/presentationml/2006/main">
-  <p:cSld>
-    <p:spTree>
-      <p:nvGrpSpPr>
-        <p:cNvPr id="1" name=""/>
-        <p:cNvGrpSpPr/>
-        <p:nvPr/>
-      </p:nvGrpSpPr>
-      <p:grpSpPr>
-        <a:xfrm>
-          <a:off x="0" y="0"/>
-          <a:ext cx="0" cy="0"/>
-          <a:chOff x="0" y="0"/>
-          <a:chExt cx="0" cy="0"/>
-        </a:xfrm>
-      </p:grpSpPr>
-      <p:sp>
-        <p:nvSpPr>
-          <p:cNvPr id="2" name="Заголовок 1">
+      <p:pic>
+        <p:nvPicPr>
+          <p:cNvPr id="5" name="Рисунок 9">
             <a:extLst>
               <a:ext uri="{FF2B5EF4-FFF2-40B4-BE49-F238E27FC236}">
-                <a16:creationId xmlns:a16="http://schemas.microsoft.com/office/drawing/2014/main" id="{D08263A3-DF5E-4103-8F6C-9D248E5D9D9F}"/>
-              </a:ext>
-            </a:extLst>
-          </p:cNvPr>
-          <p:cNvSpPr>
-            <a:spLocks noGrp="1"/>
-          </p:cNvSpPr>
-          <p:nvPr>
-            <p:ph type="title"/>
-          </p:nvPr>
-        </p:nvSpPr>
-        <p:spPr>
-          <a:xfrm>
-            <a:off x="779585" y="165833"/>
-            <a:ext cx="10515600" cy="1032487"/>
-          </a:xfrm>
-        </p:spPr>
-        <p:txBody>
-          <a:bodyPr/>
-          <a:lstStyle/>
-          <a:p>
-            <a:r>
-              <a:rPr lang="uk-UA" sz="3200" dirty="0" err="1">
-                <a:latin typeface="Calibri"/>
-                <a:ea typeface="+mj-lt"/>
-                <a:cs typeface="+mj-lt"/>
-              </a:rPr>
-              <a:t>Тернарний</a:t>
-            </a:r>
-            <a:r>
-              <a:rPr lang="uk-UA" sz="3200" dirty="0">
-                <a:latin typeface="Calibri"/>
-                <a:ea typeface="+mj-lt"/>
-                <a:cs typeface="+mj-lt"/>
-              </a:rPr>
-              <a:t> оператор … </a:t>
-            </a:r>
-            <a:r>
-              <a:rPr lang="uk-UA" sz="3200" dirty="0">
-                <a:solidFill>
-                  <a:schemeClr val="accent1"/>
-                </a:solidFill>
-                <a:latin typeface="Calibri"/>
-                <a:ea typeface="+mj-lt"/>
-                <a:cs typeface="Segoe UI"/>
-              </a:rPr>
-              <a:t>?</a:t>
-            </a:r>
-            <a:r>
-              <a:rPr lang="uk-UA" sz="3200" dirty="0">
-                <a:latin typeface="Calibri"/>
-                <a:ea typeface="+mj-lt"/>
-                <a:cs typeface="Segoe UI"/>
-              </a:rPr>
-              <a:t> ... </a:t>
-            </a:r>
-            <a:r>
-              <a:rPr lang="uk-UA" sz="3200" dirty="0">
-                <a:solidFill>
-                  <a:schemeClr val="accent1"/>
-                </a:solidFill>
-                <a:latin typeface="Calibri"/>
-                <a:ea typeface="+mj-lt"/>
-                <a:cs typeface="Segoe UI"/>
-              </a:rPr>
-              <a:t>: </a:t>
-            </a:r>
-            <a:r>
-              <a:rPr lang="uk-UA" sz="3200" dirty="0">
-                <a:latin typeface="Calibri"/>
-                <a:ea typeface="+mj-lt"/>
-                <a:cs typeface="Segoe UI"/>
-              </a:rPr>
-              <a:t>...</a:t>
-            </a:r>
-            <a:endParaRPr lang="uk-UA" sz="3200">
-              <a:latin typeface="Calibri"/>
-              <a:cs typeface="Calibri Light" panose="020F0302020204030204"/>
-            </a:endParaRPr>
-          </a:p>
-        </p:txBody>
-      </p:sp>
-      <p:pic>
-        <p:nvPicPr>
-          <p:cNvPr id="4" name="Рисунок 4" descr="Зображення, що містить малювання&#10;&#10;Опис створено з дуже високим рівнем достовірності">
-            <a:extLst>
-              <a:ext uri="{FF2B5EF4-FFF2-40B4-BE49-F238E27FC236}">
-                <a16:creationId xmlns:a16="http://schemas.microsoft.com/office/drawing/2014/main" id="{34F9EF1C-D01F-4237-B3B2-A7CC06330FAF}"/>
+                <a16:creationId xmlns:a16="http://schemas.microsoft.com/office/drawing/2014/main" id="{0D21D8F1-2AC6-4700-95E1-AF7BD5CD991D}"/>
               </a:ext>
             </a:extLst>
           </p:cNvPr>
           <p:cNvPicPr>
-            <a:picLocks noGrp="1" noChangeAspect="1"/>
+            <a:picLocks noChangeAspect="1"/>
           </p:cNvPicPr>
-          <p:nvPr>
-            <p:ph idx="1"/>
-          </p:nvPr>
+          <p:nvPr/>
         </p:nvPicPr>
         <p:blipFill>
-          <a:blip r:embed="rId2"/>
+          <a:blip r:embed="rId3"/>
           <a:stretch>
             <a:fillRect/>
           </a:stretch>
         </p:blipFill>
         <p:spPr>
           <a:xfrm>
-            <a:off x="1137289" y="1448744"/>
-            <a:ext cx="7439025" cy="1571625"/>
-          </a:xfrm>
-        </p:spPr>
-      </p:pic>
-      <p:sp>
-        <p:nvSpPr>
-          <p:cNvPr id="7" name="TextBox 6">
-            <a:extLst>
-              <a:ext uri="{FF2B5EF4-FFF2-40B4-BE49-F238E27FC236}">
-                <a16:creationId xmlns:a16="http://schemas.microsoft.com/office/drawing/2014/main" id="{D4FB4848-AFC6-46C1-B5F8-880AD373202C}"/>
-              </a:ext>
-            </a:extLst>
-          </p:cNvPr>
-          <p:cNvSpPr txBox="1"/>
-          <p:nvPr/>
-        </p:nvSpPr>
-        <p:spPr>
-          <a:xfrm>
-            <a:off x="1972925" y="2043263"/>
-            <a:ext cx="690283" cy="276999"/>
+            <a:off x="10124662" y="65019"/>
+            <a:ext cx="1890091" cy="1054376"/>
           </a:xfrm>
           <a:prstGeom prst="rect">
             <a:avLst/>
           </a:prstGeom>
-          <a:noFill/>
         </p:spPr>
-        <p:txBody>
-          <a:bodyPr rot="0" spcFirstLastPara="0" vertOverflow="overflow" horzOverflow="overflow" vert="horz" wrap="square" lIns="91440" tIns="45720" rIns="91440" bIns="45720" numCol="1" spcCol="0" rtlCol="0" fromWordArt="0" anchor="t" anchorCtr="0" forceAA="0" compatLnSpc="1">
-            <a:prstTxWarp prst="textNoShape">
-              <a:avLst/>
-            </a:prstTxWarp>
-            <a:spAutoFit/>
-          </a:bodyPr>
-          <a:lstStyle/>
-          <a:p>
-            <a:pPr algn="l"/>
-            <a:r>
-              <a:rPr lang="uk-UA" sz="1200" dirty="0">
-                <a:cs typeface="Calibri"/>
-              </a:rPr>
-              <a:t>умова</a:t>
-            </a:r>
-          </a:p>
-        </p:txBody>
-      </p:sp>
-      <p:sp>
-        <p:nvSpPr>
-          <p:cNvPr id="9" name="TextBox 8">
-            <a:extLst>
-              <a:ext uri="{FF2B5EF4-FFF2-40B4-BE49-F238E27FC236}">
-                <a16:creationId xmlns:a16="http://schemas.microsoft.com/office/drawing/2014/main" id="{C9273C0C-A3D0-4172-8AF6-496D1B89EE70}"/>
-              </a:ext>
-            </a:extLst>
-          </p:cNvPr>
-          <p:cNvSpPr txBox="1"/>
-          <p:nvPr/>
-        </p:nvSpPr>
-        <p:spPr>
-          <a:xfrm>
-            <a:off x="4419729" y="2042702"/>
-            <a:ext cx="510989" cy="276999"/>
-          </a:xfrm>
-          <a:prstGeom prst="rect">
-            <a:avLst/>
-          </a:prstGeom>
-          <a:noFill/>
-        </p:spPr>
-        <p:txBody>
-          <a:bodyPr rot="0" spcFirstLastPara="0" vertOverflow="overflow" horzOverflow="overflow" vert="horz" wrap="square" lIns="91440" tIns="45720" rIns="91440" bIns="45720" numCol="1" spcCol="0" rtlCol="0" fromWordArt="0" anchor="t" anchorCtr="0" forceAA="0" compatLnSpc="1">
-            <a:prstTxWarp prst="textNoShape">
-              <a:avLst/>
-            </a:prstTxWarp>
-            <a:spAutoFit/>
-          </a:bodyPr>
-          <a:lstStyle/>
-          <a:p>
-            <a:r>
-              <a:rPr lang="uk-UA" sz="1200" dirty="0"/>
-              <a:t>дія 1</a:t>
-            </a:r>
-            <a:endParaRPr lang="uk-UA" sz="1200" dirty="0">
-              <a:cs typeface="Calibri"/>
-            </a:endParaRPr>
-          </a:p>
-        </p:txBody>
-      </p:sp>
-      <p:sp>
-        <p:nvSpPr>
-          <p:cNvPr id="11" name="TextBox 10">
-            <a:extLst>
-              <a:ext uri="{FF2B5EF4-FFF2-40B4-BE49-F238E27FC236}">
-                <a16:creationId xmlns:a16="http://schemas.microsoft.com/office/drawing/2014/main" id="{913410C9-23C5-4BB4-A284-3ED611CEE345}"/>
-              </a:ext>
-            </a:extLst>
-          </p:cNvPr>
-          <p:cNvSpPr txBox="1"/>
-          <p:nvPr/>
-        </p:nvSpPr>
-        <p:spPr>
-          <a:xfrm>
-            <a:off x="6320246" y="2042702"/>
-            <a:ext cx="510989" cy="276999"/>
-          </a:xfrm>
-          <a:prstGeom prst="rect">
-            <a:avLst/>
-          </a:prstGeom>
-          <a:noFill/>
-        </p:spPr>
-        <p:txBody>
-          <a:bodyPr rot="0" spcFirstLastPara="0" vertOverflow="overflow" horzOverflow="overflow" vert="horz" wrap="square" lIns="91440" tIns="45720" rIns="91440" bIns="45720" numCol="1" spcCol="0" rtlCol="0" fromWordArt="0" anchor="t" anchorCtr="0" forceAA="0" compatLnSpc="1">
-            <a:prstTxWarp prst="textNoShape">
-              <a:avLst/>
-            </a:prstTxWarp>
-            <a:spAutoFit/>
-          </a:bodyPr>
-          <a:lstStyle/>
-          <a:p>
-            <a:r>
-              <a:rPr lang="uk-UA" sz="1200" dirty="0"/>
-              <a:t>дія 2</a:t>
-            </a:r>
-            <a:endParaRPr lang="uk-UA" sz="1200" dirty="0">
-              <a:cs typeface="Calibri"/>
-            </a:endParaRPr>
-          </a:p>
-        </p:txBody>
-      </p:sp>
-      <p:sp>
-        <p:nvSpPr>
-          <p:cNvPr id="12" name="TextBox 11">
-            <a:extLst>
-              <a:ext uri="{FF2B5EF4-FFF2-40B4-BE49-F238E27FC236}">
-                <a16:creationId xmlns:a16="http://schemas.microsoft.com/office/drawing/2014/main" id="{E0AC19E5-AEB0-4710-9200-19B051C3FE46}"/>
-              </a:ext>
-            </a:extLst>
-          </p:cNvPr>
-          <p:cNvSpPr txBox="1"/>
-          <p:nvPr/>
-        </p:nvSpPr>
-        <p:spPr>
-          <a:xfrm>
-            <a:off x="744760" y="3432103"/>
-            <a:ext cx="6804211" cy="1815882"/>
-          </a:xfrm>
-          <a:prstGeom prst="rect">
-            <a:avLst/>
-          </a:prstGeom>
-          <a:noFill/>
-        </p:spPr>
-        <p:txBody>
-          <a:bodyPr rot="0" spcFirstLastPara="0" vertOverflow="overflow" horzOverflow="overflow" vert="horz" wrap="square" lIns="91440" tIns="45720" rIns="91440" bIns="45720" numCol="1" spcCol="0" rtlCol="0" fromWordArt="0" anchor="t" anchorCtr="0" forceAA="0" compatLnSpc="1">
-            <a:prstTxWarp prst="textNoShape">
-              <a:avLst/>
-            </a:prstTxWarp>
-            <a:spAutoFit/>
-          </a:bodyPr>
-          <a:lstStyle/>
-          <a:p>
-            <a:r>
-              <a:rPr lang="en-US" sz="1600" dirty="0">
-                <a:solidFill>
-                  <a:srgbClr val="0000FF"/>
-                </a:solidFill>
-                <a:latin typeface="Consolas,sans-serif"/>
-              </a:rPr>
-              <a:t>int</a:t>
-            </a:r>
-            <a:r>
-              <a:rPr lang="en-US" sz="1600" dirty="0">
-                <a:latin typeface="Consolas,sans-serif"/>
-              </a:rPr>
-              <a:t> a = 1, b = 2, c = 0; </a:t>
-            </a:r>
-          </a:p>
-          <a:p>
-            <a:endParaRPr lang="en-US" sz="1600" dirty="0">
-              <a:solidFill>
-                <a:srgbClr val="000000"/>
-              </a:solidFill>
-              <a:latin typeface="Consolas,sans-serif"/>
-              <a:ea typeface="+mn-lt"/>
-              <a:cs typeface="+mn-lt"/>
-            </a:endParaRPr>
-          </a:p>
-          <a:p>
-            <a:r>
-              <a:rPr lang="en-US" sz="1600" dirty="0">
-                <a:solidFill>
-                  <a:schemeClr val="accent6">
-                    <a:lumMod val="75000"/>
-                  </a:schemeClr>
-                </a:solidFill>
-                <a:ea typeface="+mn-lt"/>
-                <a:cs typeface="+mn-lt"/>
-              </a:rPr>
-              <a:t>// ЯКЩО: (a&gt; b) ТО: </a:t>
-            </a:r>
-            <a:r>
-              <a:rPr lang="en-US" sz="1600" dirty="0" err="1">
-                <a:solidFill>
-                  <a:schemeClr val="accent6">
-                    <a:lumMod val="75000"/>
-                  </a:schemeClr>
-                </a:solidFill>
-                <a:ea typeface="+mn-lt"/>
-                <a:cs typeface="+mn-lt"/>
-              </a:rPr>
-              <a:t>повернути</a:t>
-            </a:r>
-            <a:r>
-              <a:rPr lang="en-US" sz="1600" dirty="0">
-                <a:solidFill>
-                  <a:schemeClr val="accent6">
-                    <a:lumMod val="75000"/>
-                  </a:schemeClr>
-                </a:solidFill>
-                <a:ea typeface="+mn-lt"/>
-                <a:cs typeface="+mn-lt"/>
-              </a:rPr>
-              <a:t> a, ІНАКШЕ: </a:t>
-            </a:r>
-            <a:r>
-              <a:rPr lang="en-US" sz="1600" dirty="0" err="1">
-                <a:solidFill>
-                  <a:schemeClr val="accent6">
-                    <a:lumMod val="75000"/>
-                  </a:schemeClr>
-                </a:solidFill>
-                <a:ea typeface="+mn-lt"/>
-                <a:cs typeface="+mn-lt"/>
-              </a:rPr>
-              <a:t>повернути</a:t>
-            </a:r>
-            <a:r>
-              <a:rPr lang="en-US" sz="1600" dirty="0">
-                <a:solidFill>
-                  <a:schemeClr val="accent6">
-                    <a:lumMod val="75000"/>
-                  </a:schemeClr>
-                </a:solidFill>
-                <a:ea typeface="+mn-lt"/>
-                <a:cs typeface="+mn-lt"/>
-              </a:rPr>
-              <a:t> b;</a:t>
-            </a:r>
-          </a:p>
-          <a:p>
-            <a:endParaRPr lang="en-US" sz="1600" dirty="0">
-              <a:solidFill>
-                <a:schemeClr val="accent6">
-                  <a:lumMod val="75000"/>
-                </a:schemeClr>
-              </a:solidFill>
-              <a:latin typeface="Calibri"/>
-              <a:cs typeface="Calibri"/>
-            </a:endParaRPr>
-          </a:p>
-          <a:p>
-            <a:r>
-              <a:rPr lang="en-US" sz="1600" dirty="0">
-                <a:latin typeface="Consolas,sans-serif"/>
-              </a:rPr>
-              <a:t>c = (a &gt; b) ? a : b; </a:t>
-            </a:r>
-          </a:p>
-          <a:p>
-            <a:endParaRPr lang="en-US" sz="1600" dirty="0">
-              <a:cs typeface="Calibri"/>
-            </a:endParaRPr>
-          </a:p>
-          <a:p>
-            <a:r>
-              <a:rPr lang="en-US" sz="1600" dirty="0" err="1">
-                <a:solidFill>
-                  <a:srgbClr val="31859C"/>
-                </a:solidFill>
-                <a:latin typeface="Consolas,sans-serif"/>
-              </a:rPr>
-              <a:t>Console</a:t>
-            </a:r>
-            <a:r>
-              <a:rPr lang="en-US" sz="1600" dirty="0" err="1">
-                <a:latin typeface="Consolas,sans-serif"/>
-              </a:rPr>
-              <a:t>.WriteLine</a:t>
-            </a:r>
-            <a:r>
-              <a:rPr lang="en-US" sz="1600" dirty="0">
-                <a:latin typeface="Consolas,sans-serif"/>
-              </a:rPr>
-              <a:t>(c);</a:t>
-            </a:r>
-          </a:p>
-        </p:txBody>
-      </p:sp>
-      <p:sp>
-        <p:nvSpPr>
-          <p:cNvPr id="13" name="TextBox 12">
-            <a:extLst>
-              <a:ext uri="{FF2B5EF4-FFF2-40B4-BE49-F238E27FC236}">
-                <a16:creationId xmlns:a16="http://schemas.microsoft.com/office/drawing/2014/main" id="{06D047F0-5CDE-4643-9A69-080AC3764488}"/>
-              </a:ext>
-            </a:extLst>
-          </p:cNvPr>
-          <p:cNvSpPr txBox="1"/>
-          <p:nvPr/>
-        </p:nvSpPr>
-        <p:spPr>
-          <a:xfrm>
-            <a:off x="779240" y="5881537"/>
-            <a:ext cx="9377082" cy="369332"/>
-          </a:xfrm>
-          <a:prstGeom prst="rect">
-            <a:avLst/>
-          </a:prstGeom>
-          <a:noFill/>
-        </p:spPr>
-        <p:txBody>
-          <a:bodyPr rot="0" spcFirstLastPara="0" vertOverflow="overflow" horzOverflow="overflow" vert="horz" wrap="square" lIns="91440" tIns="45720" rIns="91440" bIns="45720" numCol="1" spcCol="0" rtlCol="0" fromWordArt="0" anchor="t" anchorCtr="0" forceAA="0" compatLnSpc="1">
-            <a:prstTxWarp prst="textNoShape">
-              <a:avLst/>
-            </a:prstTxWarp>
-            <a:spAutoFit/>
-          </a:bodyPr>
-          <a:lstStyle/>
-          <a:p>
-            <a:r>
-              <a:rPr lang="en-US" dirty="0" err="1">
-                <a:solidFill>
-                  <a:srgbClr val="FF0000"/>
-                </a:solidFill>
-              </a:rPr>
-              <a:t>Тернарний</a:t>
-            </a:r>
-            <a:r>
-              <a:rPr lang="en-US" dirty="0">
-                <a:solidFill>
-                  <a:srgbClr val="FF0000"/>
-                </a:solidFill>
-              </a:rPr>
-              <a:t> </a:t>
-            </a:r>
-            <a:r>
-              <a:rPr lang="en-US" dirty="0" err="1">
-                <a:solidFill>
-                  <a:srgbClr val="FF0000"/>
-                </a:solidFill>
-              </a:rPr>
-              <a:t>оператор</a:t>
-            </a:r>
-            <a:r>
-              <a:rPr lang="en-US" dirty="0">
-                <a:solidFill>
-                  <a:srgbClr val="FF0000"/>
-                </a:solidFill>
-              </a:rPr>
-              <a:t> </a:t>
-            </a:r>
-            <a:r>
-              <a:rPr lang="en-US" dirty="0" err="1">
-                <a:solidFill>
-                  <a:srgbClr val="FF0000"/>
-                </a:solidFill>
-              </a:rPr>
-              <a:t>обов'язково</a:t>
-            </a:r>
-            <a:r>
-              <a:rPr lang="en-US" dirty="0">
-                <a:solidFill>
-                  <a:srgbClr val="FF0000"/>
-                </a:solidFill>
-              </a:rPr>
-              <a:t> </a:t>
-            </a:r>
-            <a:r>
-              <a:rPr lang="en-US" dirty="0" err="1">
-                <a:solidFill>
-                  <a:srgbClr val="FF0000"/>
-                </a:solidFill>
-              </a:rPr>
-              <a:t>повинен</a:t>
-            </a:r>
-            <a:r>
-              <a:rPr lang="en-US" dirty="0">
-                <a:solidFill>
-                  <a:srgbClr val="FF0000"/>
-                </a:solidFill>
-              </a:rPr>
-              <a:t> </a:t>
-            </a:r>
-            <a:r>
-              <a:rPr lang="en-US" dirty="0" err="1">
-                <a:solidFill>
-                  <a:srgbClr val="FF0000"/>
-                </a:solidFill>
-              </a:rPr>
-              <a:t>повертати</a:t>
-            </a:r>
-            <a:r>
-              <a:rPr lang="en-US" dirty="0">
-                <a:solidFill>
-                  <a:srgbClr val="FF0000"/>
-                </a:solidFill>
-              </a:rPr>
-              <a:t> </a:t>
-            </a:r>
-            <a:r>
-              <a:rPr lang="en-US" dirty="0" err="1">
-                <a:solidFill>
-                  <a:srgbClr val="FF0000"/>
-                </a:solidFill>
-              </a:rPr>
-              <a:t>значення</a:t>
-            </a:r>
-            <a:r>
-              <a:rPr lang="en-US" dirty="0">
-                <a:solidFill>
-                  <a:srgbClr val="FF0000"/>
-                </a:solidFill>
-              </a:rPr>
-              <a:t>, </a:t>
-            </a:r>
-            <a:r>
-              <a:rPr lang="en-US" dirty="0" err="1">
-                <a:solidFill>
-                  <a:srgbClr val="FF0000"/>
-                </a:solidFill>
-              </a:rPr>
-              <a:t>інакше</a:t>
-            </a:r>
-            <a:r>
-              <a:rPr lang="en-US" dirty="0">
-                <a:solidFill>
-                  <a:srgbClr val="FF0000"/>
-                </a:solidFill>
-              </a:rPr>
-              <a:t> </a:t>
-            </a:r>
-            <a:r>
-              <a:rPr lang="en-US" dirty="0" err="1">
-                <a:solidFill>
-                  <a:srgbClr val="FF0000"/>
-                </a:solidFill>
-              </a:rPr>
-              <a:t>нічого</a:t>
-            </a:r>
-            <a:r>
-              <a:rPr lang="en-US" dirty="0">
-                <a:solidFill>
-                  <a:srgbClr val="FF0000"/>
-                </a:solidFill>
-              </a:rPr>
-              <a:t> </a:t>
-            </a:r>
-            <a:r>
-              <a:rPr lang="en-US" dirty="0" err="1">
-                <a:solidFill>
-                  <a:srgbClr val="FF0000"/>
-                </a:solidFill>
-              </a:rPr>
-              <a:t>не</a:t>
-            </a:r>
-            <a:r>
-              <a:rPr lang="en-US" dirty="0">
-                <a:solidFill>
-                  <a:srgbClr val="FF0000"/>
-                </a:solidFill>
-              </a:rPr>
-              <a:t> </a:t>
-            </a:r>
-            <a:r>
-              <a:rPr lang="en-US" dirty="0" err="1">
-                <a:solidFill>
-                  <a:srgbClr val="FF0000"/>
-                </a:solidFill>
-              </a:rPr>
-              <a:t>вийде</a:t>
-            </a:r>
-            <a:r>
-              <a:rPr lang="en-US" dirty="0">
-                <a:solidFill>
-                  <a:srgbClr val="FF0000"/>
-                </a:solidFill>
-              </a:rPr>
-              <a:t>.</a:t>
-            </a:r>
-            <a:endParaRPr lang="en-US" dirty="0">
-              <a:solidFill>
-                <a:srgbClr val="FF0000"/>
-              </a:solidFill>
-              <a:cs typeface="Calibri"/>
-            </a:endParaRPr>
-          </a:p>
-        </p:txBody>
-      </p:sp>
+      </p:pic>
     </p:spTree>
     <p:extLst>
       <p:ext uri="{BB962C8B-B14F-4D97-AF65-F5344CB8AC3E}">
-        <p14:creationId xmlns:p14="http://schemas.microsoft.com/office/powerpoint/2010/main" val="3640329381"/>
+        <p14:creationId xmlns:p14="http://schemas.microsoft.com/office/powerpoint/2010/main" val="1929017544"/>
       </p:ext>
     </p:extLst>
   </p:cSld>
@@ -5523,6 +6319,591 @@
           <p:cNvPr id="2" name="Заголовок 1">
             <a:extLst>
               <a:ext uri="{FF2B5EF4-FFF2-40B4-BE49-F238E27FC236}">
+                <a16:creationId xmlns:a16="http://schemas.microsoft.com/office/drawing/2014/main" id="{D08263A3-DF5E-4103-8F6C-9D248E5D9D9F}"/>
+              </a:ext>
+            </a:extLst>
+          </p:cNvPr>
+          <p:cNvSpPr>
+            <a:spLocks noGrp="1"/>
+          </p:cNvSpPr>
+          <p:nvPr>
+            <p:ph type="title"/>
+          </p:nvPr>
+        </p:nvSpPr>
+        <p:spPr>
+          <a:xfrm>
+            <a:off x="779585" y="165833"/>
+            <a:ext cx="10515600" cy="1032487"/>
+          </a:xfrm>
+        </p:spPr>
+        <p:txBody>
+          <a:bodyPr/>
+          <a:lstStyle/>
+          <a:p>
+            <a:r>
+              <a:rPr lang="uk-UA" sz="3200" dirty="0" err="1">
+                <a:latin typeface="Calibri"/>
+                <a:ea typeface="+mj-lt"/>
+                <a:cs typeface="+mj-lt"/>
+              </a:rPr>
+              <a:t>Тернарний</a:t>
+            </a:r>
+            <a:r>
+              <a:rPr lang="uk-UA" sz="3200" dirty="0">
+                <a:latin typeface="Calibri"/>
+                <a:ea typeface="+mj-lt"/>
+                <a:cs typeface="+mj-lt"/>
+              </a:rPr>
+              <a:t> оператор … </a:t>
+            </a:r>
+            <a:r>
+              <a:rPr lang="uk-UA" sz="3200" dirty="0">
+                <a:solidFill>
+                  <a:schemeClr val="accent1"/>
+                </a:solidFill>
+                <a:latin typeface="Calibri"/>
+                <a:ea typeface="+mj-lt"/>
+                <a:cs typeface="Segoe UI"/>
+              </a:rPr>
+              <a:t>?</a:t>
+            </a:r>
+            <a:r>
+              <a:rPr lang="uk-UA" sz="3200" dirty="0">
+                <a:latin typeface="Calibri"/>
+                <a:ea typeface="+mj-lt"/>
+                <a:cs typeface="Segoe UI"/>
+              </a:rPr>
+              <a:t> ... </a:t>
+            </a:r>
+            <a:r>
+              <a:rPr lang="uk-UA" sz="3200" dirty="0">
+                <a:solidFill>
+                  <a:schemeClr val="accent1"/>
+                </a:solidFill>
+                <a:latin typeface="Calibri"/>
+                <a:ea typeface="+mj-lt"/>
+                <a:cs typeface="Segoe UI"/>
+              </a:rPr>
+              <a:t>: </a:t>
+            </a:r>
+            <a:r>
+              <a:rPr lang="uk-UA" sz="3200" dirty="0">
+                <a:latin typeface="Calibri"/>
+                <a:ea typeface="+mj-lt"/>
+                <a:cs typeface="Segoe UI"/>
+              </a:rPr>
+              <a:t>...</a:t>
+            </a:r>
+            <a:endParaRPr lang="uk-UA" sz="3200">
+              <a:latin typeface="Calibri"/>
+              <a:cs typeface="Calibri Light" panose="020F0302020204030204"/>
+            </a:endParaRPr>
+          </a:p>
+        </p:txBody>
+      </p:sp>
+      <p:pic>
+        <p:nvPicPr>
+          <p:cNvPr id="4" name="Рисунок 4" descr="Зображення, що містить малювання&#10;&#10;Опис створено з дуже високим рівнем достовірності">
+            <a:extLst>
+              <a:ext uri="{FF2B5EF4-FFF2-40B4-BE49-F238E27FC236}">
+                <a16:creationId xmlns:a16="http://schemas.microsoft.com/office/drawing/2014/main" id="{34F9EF1C-D01F-4237-B3B2-A7CC06330FAF}"/>
+              </a:ext>
+            </a:extLst>
+          </p:cNvPr>
+          <p:cNvPicPr>
+            <a:picLocks noGrp="1" noChangeAspect="1"/>
+          </p:cNvPicPr>
+          <p:nvPr>
+            <p:ph idx="1"/>
+          </p:nvPr>
+        </p:nvPicPr>
+        <p:blipFill>
+          <a:blip r:embed="rId2"/>
+          <a:stretch>
+            <a:fillRect/>
+          </a:stretch>
+        </p:blipFill>
+        <p:spPr>
+          <a:xfrm>
+            <a:off x="1791615" y="1465309"/>
+            <a:ext cx="7439025" cy="1571625"/>
+          </a:xfrm>
+        </p:spPr>
+      </p:pic>
+      <p:sp>
+        <p:nvSpPr>
+          <p:cNvPr id="7" name="TextBox 6">
+            <a:extLst>
+              <a:ext uri="{FF2B5EF4-FFF2-40B4-BE49-F238E27FC236}">
+                <a16:creationId xmlns:a16="http://schemas.microsoft.com/office/drawing/2014/main" id="{D4FB4848-AFC6-46C1-B5F8-880AD373202C}"/>
+              </a:ext>
+            </a:extLst>
+          </p:cNvPr>
+          <p:cNvSpPr txBox="1"/>
+          <p:nvPr/>
+        </p:nvSpPr>
+        <p:spPr>
+          <a:xfrm>
+            <a:off x="2627251" y="2059828"/>
+            <a:ext cx="690283" cy="276999"/>
+          </a:xfrm>
+          <a:prstGeom prst="rect">
+            <a:avLst/>
+          </a:prstGeom>
+          <a:noFill/>
+        </p:spPr>
+        <p:txBody>
+          <a:bodyPr rot="0" spcFirstLastPara="0" vertOverflow="overflow" horzOverflow="overflow" vert="horz" wrap="square" lIns="91440" tIns="45720" rIns="91440" bIns="45720" numCol="1" spcCol="0" rtlCol="0" fromWordArt="0" anchor="t" anchorCtr="0" forceAA="0" compatLnSpc="1">
+            <a:prstTxWarp prst="textNoShape">
+              <a:avLst/>
+            </a:prstTxWarp>
+            <a:spAutoFit/>
+          </a:bodyPr>
+          <a:lstStyle/>
+          <a:p>
+            <a:pPr algn="l"/>
+            <a:r>
+              <a:rPr lang="uk-UA" sz="1200" dirty="0">
+                <a:cs typeface="Calibri"/>
+              </a:rPr>
+              <a:t>умова</a:t>
+            </a:r>
+          </a:p>
+        </p:txBody>
+      </p:sp>
+      <p:sp>
+        <p:nvSpPr>
+          <p:cNvPr id="9" name="TextBox 8">
+            <a:extLst>
+              <a:ext uri="{FF2B5EF4-FFF2-40B4-BE49-F238E27FC236}">
+                <a16:creationId xmlns:a16="http://schemas.microsoft.com/office/drawing/2014/main" id="{C9273C0C-A3D0-4172-8AF6-496D1B89EE70}"/>
+              </a:ext>
+            </a:extLst>
+          </p:cNvPr>
+          <p:cNvSpPr txBox="1"/>
+          <p:nvPr/>
+        </p:nvSpPr>
+        <p:spPr>
+          <a:xfrm>
+            <a:off x="5065772" y="2034419"/>
+            <a:ext cx="510989" cy="276999"/>
+          </a:xfrm>
+          <a:prstGeom prst="rect">
+            <a:avLst/>
+          </a:prstGeom>
+          <a:noFill/>
+        </p:spPr>
+        <p:txBody>
+          <a:bodyPr rot="0" spcFirstLastPara="0" vertOverflow="overflow" horzOverflow="overflow" vert="horz" wrap="square" lIns="91440" tIns="45720" rIns="91440" bIns="45720" numCol="1" spcCol="0" rtlCol="0" fromWordArt="0" anchor="t" anchorCtr="0" forceAA="0" compatLnSpc="1">
+            <a:prstTxWarp prst="textNoShape">
+              <a:avLst/>
+            </a:prstTxWarp>
+            <a:spAutoFit/>
+          </a:bodyPr>
+          <a:lstStyle/>
+          <a:p>
+            <a:r>
+              <a:rPr lang="uk-UA" sz="1200" dirty="0"/>
+              <a:t>дія 1</a:t>
+            </a:r>
+            <a:endParaRPr lang="uk-UA" sz="1200" dirty="0">
+              <a:cs typeface="Calibri"/>
+            </a:endParaRPr>
+          </a:p>
+        </p:txBody>
+      </p:sp>
+      <p:sp>
+        <p:nvSpPr>
+          <p:cNvPr id="11" name="TextBox 10">
+            <a:extLst>
+              <a:ext uri="{FF2B5EF4-FFF2-40B4-BE49-F238E27FC236}">
+                <a16:creationId xmlns:a16="http://schemas.microsoft.com/office/drawing/2014/main" id="{913410C9-23C5-4BB4-A284-3ED611CEE345}"/>
+              </a:ext>
+            </a:extLst>
+          </p:cNvPr>
+          <p:cNvSpPr txBox="1"/>
+          <p:nvPr/>
+        </p:nvSpPr>
+        <p:spPr>
+          <a:xfrm>
+            <a:off x="6974572" y="2059267"/>
+            <a:ext cx="510989" cy="276999"/>
+          </a:xfrm>
+          <a:prstGeom prst="rect">
+            <a:avLst/>
+          </a:prstGeom>
+          <a:noFill/>
+        </p:spPr>
+        <p:txBody>
+          <a:bodyPr rot="0" spcFirstLastPara="0" vertOverflow="overflow" horzOverflow="overflow" vert="horz" wrap="square" lIns="91440" tIns="45720" rIns="91440" bIns="45720" numCol="1" spcCol="0" rtlCol="0" fromWordArt="0" anchor="t" anchorCtr="0" forceAA="0" compatLnSpc="1">
+            <a:prstTxWarp prst="textNoShape">
+              <a:avLst/>
+            </a:prstTxWarp>
+            <a:spAutoFit/>
+          </a:bodyPr>
+          <a:lstStyle/>
+          <a:p>
+            <a:r>
+              <a:rPr lang="uk-UA" sz="1200" dirty="0"/>
+              <a:t>дія 2</a:t>
+            </a:r>
+            <a:endParaRPr lang="uk-UA" sz="1200" dirty="0">
+              <a:cs typeface="Calibri"/>
+            </a:endParaRPr>
+          </a:p>
+        </p:txBody>
+      </p:sp>
+      <p:sp>
+        <p:nvSpPr>
+          <p:cNvPr id="12" name="TextBox 11">
+            <a:extLst>
+              <a:ext uri="{FF2B5EF4-FFF2-40B4-BE49-F238E27FC236}">
+                <a16:creationId xmlns:a16="http://schemas.microsoft.com/office/drawing/2014/main" id="{E0AC19E5-AEB0-4710-9200-19B051C3FE46}"/>
+              </a:ext>
+            </a:extLst>
+          </p:cNvPr>
+          <p:cNvSpPr txBox="1"/>
+          <p:nvPr/>
+        </p:nvSpPr>
+        <p:spPr>
+          <a:xfrm>
+            <a:off x="777891" y="3473516"/>
+            <a:ext cx="6804211" cy="1815882"/>
+          </a:xfrm>
+          <a:prstGeom prst="rect">
+            <a:avLst/>
+          </a:prstGeom>
+          <a:noFill/>
+        </p:spPr>
+        <p:txBody>
+          <a:bodyPr rot="0" spcFirstLastPara="0" vertOverflow="overflow" horzOverflow="overflow" vert="horz" wrap="square" lIns="91440" tIns="45720" rIns="91440" bIns="45720" numCol="1" spcCol="0" rtlCol="0" fromWordArt="0" anchor="t" anchorCtr="0" forceAA="0" compatLnSpc="1">
+            <a:prstTxWarp prst="textNoShape">
+              <a:avLst/>
+            </a:prstTxWarp>
+            <a:spAutoFit/>
+          </a:bodyPr>
+          <a:lstStyle/>
+          <a:p>
+            <a:r>
+              <a:rPr lang="en-US" sz="1400" dirty="0">
+                <a:solidFill>
+                  <a:schemeClr val="accent6">
+                    <a:lumMod val="75000"/>
+                  </a:schemeClr>
+                </a:solidFill>
+                <a:latin typeface="Calibri"/>
+                <a:cs typeface="Calibri"/>
+              </a:rPr>
+              <a:t>// ЯКЩО: (a &gt; b) ТО: </a:t>
+            </a:r>
+            <a:r>
+              <a:rPr lang="en-US" sz="1400" dirty="0" err="1">
+                <a:solidFill>
+                  <a:schemeClr val="accent6">
+                    <a:lumMod val="75000"/>
+                  </a:schemeClr>
+                </a:solidFill>
+                <a:latin typeface="Calibri"/>
+                <a:cs typeface="Calibri"/>
+              </a:rPr>
+              <a:t>повернути</a:t>
+            </a:r>
+            <a:r>
+              <a:rPr lang="en-US" sz="1400" dirty="0">
+                <a:solidFill>
+                  <a:schemeClr val="accent6">
+                    <a:lumMod val="75000"/>
+                  </a:schemeClr>
+                </a:solidFill>
+                <a:latin typeface="Calibri"/>
+                <a:cs typeface="Calibri"/>
+              </a:rPr>
+              <a:t> a, ІНАКШЕ: </a:t>
+            </a:r>
+            <a:r>
+              <a:rPr lang="en-US" sz="1400" dirty="0" err="1">
+                <a:solidFill>
+                  <a:schemeClr val="accent6">
+                    <a:lumMod val="75000"/>
+                  </a:schemeClr>
+                </a:solidFill>
+                <a:latin typeface="Calibri"/>
+                <a:cs typeface="Calibri"/>
+              </a:rPr>
+              <a:t>повернути</a:t>
+            </a:r>
+            <a:r>
+              <a:rPr lang="en-US" sz="1400" dirty="0">
+                <a:solidFill>
+                  <a:schemeClr val="accent6">
+                    <a:lumMod val="75000"/>
+                  </a:schemeClr>
+                </a:solidFill>
+                <a:latin typeface="Calibri"/>
+                <a:cs typeface="Calibri"/>
+              </a:rPr>
+              <a:t> b;</a:t>
+            </a:r>
+            <a:endParaRPr lang="uk-UA" sz="1400" dirty="0">
+              <a:solidFill>
+                <a:schemeClr val="accent6">
+                  <a:lumMod val="75000"/>
+                </a:schemeClr>
+              </a:solidFill>
+              <a:latin typeface="Calibri"/>
+            </a:endParaRPr>
+          </a:p>
+          <a:p>
+            <a:endParaRPr lang="en-US" sz="1600" dirty="0">
+              <a:solidFill>
+                <a:srgbClr val="0000FF"/>
+              </a:solidFill>
+              <a:latin typeface="Consolas,sans-serif"/>
+            </a:endParaRPr>
+          </a:p>
+          <a:p>
+            <a:r>
+              <a:rPr lang="en-US" sz="1600" dirty="0">
+                <a:solidFill>
+                  <a:srgbClr val="0000FF"/>
+                </a:solidFill>
+                <a:latin typeface="Consolas,sans-serif"/>
+              </a:rPr>
+              <a:t>int</a:t>
+            </a:r>
+            <a:r>
+              <a:rPr lang="en-US" sz="1600" dirty="0">
+                <a:latin typeface="Consolas,sans-serif"/>
+              </a:rPr>
+              <a:t> a = 1, b = 2, c = 0; </a:t>
+            </a:r>
+            <a:endParaRPr lang="en-US" dirty="0"/>
+          </a:p>
+          <a:p>
+            <a:endParaRPr lang="en-US" sz="1600" dirty="0">
+              <a:solidFill>
+                <a:srgbClr val="548235"/>
+              </a:solidFill>
+              <a:latin typeface="Calibri"/>
+              <a:ea typeface="+mn-lt"/>
+              <a:cs typeface="+mn-lt"/>
+            </a:endParaRPr>
+          </a:p>
+          <a:p>
+            <a:r>
+              <a:rPr lang="en-US" sz="1600" dirty="0">
+                <a:latin typeface="Consolas,sans-serif"/>
+              </a:rPr>
+              <a:t>c = (a &gt; b) ? a : b; </a:t>
+            </a:r>
+          </a:p>
+          <a:p>
+            <a:endParaRPr lang="en-US" sz="1600" dirty="0">
+              <a:cs typeface="Calibri"/>
+            </a:endParaRPr>
+          </a:p>
+          <a:p>
+            <a:r>
+              <a:rPr lang="en-US" sz="1600" dirty="0" err="1">
+                <a:solidFill>
+                  <a:srgbClr val="31859C"/>
+                </a:solidFill>
+                <a:latin typeface="Consolas,sans-serif"/>
+              </a:rPr>
+              <a:t>Console</a:t>
+            </a:r>
+            <a:r>
+              <a:rPr lang="en-US" sz="1600" dirty="0" err="1">
+                <a:latin typeface="Consolas,sans-serif"/>
+              </a:rPr>
+              <a:t>.WriteLine</a:t>
+            </a:r>
+            <a:r>
+              <a:rPr lang="en-US" sz="1600" dirty="0">
+                <a:latin typeface="Consolas,sans-serif"/>
+              </a:rPr>
+              <a:t>(c);</a:t>
+            </a:r>
+          </a:p>
+        </p:txBody>
+      </p:sp>
+      <p:sp>
+        <p:nvSpPr>
+          <p:cNvPr id="13" name="TextBox 12">
+            <a:extLst>
+              <a:ext uri="{FF2B5EF4-FFF2-40B4-BE49-F238E27FC236}">
+                <a16:creationId xmlns:a16="http://schemas.microsoft.com/office/drawing/2014/main" id="{06D047F0-5CDE-4643-9A69-080AC3764488}"/>
+              </a:ext>
+            </a:extLst>
+          </p:cNvPr>
+          <p:cNvSpPr txBox="1"/>
+          <p:nvPr/>
+        </p:nvSpPr>
+        <p:spPr>
+          <a:xfrm>
+            <a:off x="779240" y="5881537"/>
+            <a:ext cx="9377082" cy="369332"/>
+          </a:xfrm>
+          <a:prstGeom prst="rect">
+            <a:avLst/>
+          </a:prstGeom>
+          <a:noFill/>
+        </p:spPr>
+        <p:txBody>
+          <a:bodyPr rot="0" spcFirstLastPara="0" vertOverflow="overflow" horzOverflow="overflow" vert="horz" wrap="square" lIns="91440" tIns="45720" rIns="91440" bIns="45720" numCol="1" spcCol="0" rtlCol="0" fromWordArt="0" anchor="t" anchorCtr="0" forceAA="0" compatLnSpc="1">
+            <a:prstTxWarp prst="textNoShape">
+              <a:avLst/>
+            </a:prstTxWarp>
+            <a:spAutoFit/>
+          </a:bodyPr>
+          <a:lstStyle/>
+          <a:p>
+            <a:r>
+              <a:rPr lang="en-US" err="1">
+                <a:solidFill>
+                  <a:srgbClr val="FF0000"/>
+                </a:solidFill>
+              </a:rPr>
+              <a:t>Тернарний</a:t>
+            </a:r>
+            <a:r>
+              <a:rPr lang="en-US" dirty="0">
+                <a:solidFill>
+                  <a:srgbClr val="FF0000"/>
+                </a:solidFill>
+              </a:rPr>
+              <a:t> </a:t>
+            </a:r>
+            <a:r>
+              <a:rPr lang="en-US" err="1">
+                <a:solidFill>
+                  <a:srgbClr val="FF0000"/>
+                </a:solidFill>
+              </a:rPr>
+              <a:t>оператор</a:t>
+            </a:r>
+            <a:r>
+              <a:rPr lang="en-US" dirty="0">
+                <a:solidFill>
+                  <a:srgbClr val="FF0000"/>
+                </a:solidFill>
+              </a:rPr>
+              <a:t> </a:t>
+            </a:r>
+            <a:r>
+              <a:rPr lang="en-US" err="1">
+                <a:solidFill>
+                  <a:srgbClr val="FF0000"/>
+                </a:solidFill>
+              </a:rPr>
+              <a:t>обов'язково</a:t>
+            </a:r>
+            <a:r>
+              <a:rPr lang="en-US" dirty="0">
+                <a:solidFill>
+                  <a:srgbClr val="FF0000"/>
+                </a:solidFill>
+              </a:rPr>
+              <a:t> </a:t>
+            </a:r>
+            <a:r>
+              <a:rPr lang="en-US" err="1">
+                <a:solidFill>
+                  <a:srgbClr val="FF0000"/>
+                </a:solidFill>
+              </a:rPr>
+              <a:t>повинен</a:t>
+            </a:r>
+            <a:r>
+              <a:rPr lang="en-US" dirty="0">
+                <a:solidFill>
+                  <a:srgbClr val="FF0000"/>
+                </a:solidFill>
+              </a:rPr>
+              <a:t> </a:t>
+            </a:r>
+            <a:r>
+              <a:rPr lang="en-US">
+                <a:solidFill>
+                  <a:srgbClr val="FF0000"/>
+                </a:solidFill>
+              </a:rPr>
+              <a:t>повертати обидва значення, інакше буде помилка.</a:t>
+            </a:r>
+            <a:endParaRPr lang="en-US">
+              <a:solidFill>
+                <a:srgbClr val="FF0000"/>
+              </a:solidFill>
+              <a:cs typeface="Calibri"/>
+            </a:endParaRPr>
+          </a:p>
+        </p:txBody>
+      </p:sp>
+      <p:pic>
+        <p:nvPicPr>
+          <p:cNvPr id="3" name="Рисунок 9">
+            <a:extLst>
+              <a:ext uri="{FF2B5EF4-FFF2-40B4-BE49-F238E27FC236}">
+                <a16:creationId xmlns:a16="http://schemas.microsoft.com/office/drawing/2014/main" id="{967495FC-6C95-4D4A-8BCB-403180E9FCDC}"/>
+              </a:ext>
+            </a:extLst>
+          </p:cNvPr>
+          <p:cNvPicPr>
+            <a:picLocks noChangeAspect="1"/>
+          </p:cNvPicPr>
+          <p:nvPr/>
+        </p:nvPicPr>
+        <p:blipFill>
+          <a:blip r:embed="rId3"/>
+          <a:stretch>
+            <a:fillRect/>
+          </a:stretch>
+        </p:blipFill>
+        <p:spPr>
+          <a:xfrm>
+            <a:off x="10124662" y="65019"/>
+            <a:ext cx="1890091" cy="1054376"/>
+          </a:xfrm>
+          <a:prstGeom prst="rect">
+            <a:avLst/>
+          </a:prstGeom>
+        </p:spPr>
+      </p:pic>
+    </p:spTree>
+    <p:extLst>
+      <p:ext uri="{BB962C8B-B14F-4D97-AF65-F5344CB8AC3E}">
+        <p14:creationId xmlns:p14="http://schemas.microsoft.com/office/powerpoint/2010/main" val="3640329381"/>
+      </p:ext>
+    </p:extLst>
+  </p:cSld>
+  <p:clrMapOvr>
+    <a:masterClrMapping/>
+  </p:clrMapOvr>
+</p:sld>
+</file>
+
+<file path=ppt/slides/slide8.xml><?xml version="1.0" encoding="utf-8"?>
+<p:sld xmlns:a="http://schemas.openxmlformats.org/drawingml/2006/main" xmlns:r="http://schemas.openxmlformats.org/officeDocument/2006/relationships" xmlns:p="http://schemas.openxmlformats.org/presentationml/2006/main">
+  <p:cSld>
+    <p:spTree>
+      <p:nvGrpSpPr>
+        <p:cNvPr id="1" name=""/>
+        <p:cNvGrpSpPr/>
+        <p:nvPr/>
+      </p:nvGrpSpPr>
+      <p:grpSpPr>
+        <a:xfrm>
+          <a:off x="0" y="0"/>
+          <a:ext cx="0" cy="0"/>
+          <a:chOff x="0" y="0"/>
+          <a:chExt cx="0" cy="0"/>
+        </a:xfrm>
+      </p:grpSpPr>
+      <p:sp>
+        <p:nvSpPr>
+          <p:cNvPr id="2" name="Заголовок 1">
+            <a:extLst>
+              <a:ext uri="{FF2B5EF4-FFF2-40B4-BE49-F238E27FC236}">
                 <a16:creationId xmlns:a16="http://schemas.microsoft.com/office/drawing/2014/main" id="{6A1C0276-9A0C-4E19-877A-65F9F39E32BA}"/>
               </a:ext>
             </a:extLst>
@@ -5536,7 +6917,7 @@
         </p:nvSpPr>
         <p:spPr>
           <a:xfrm>
-            <a:off x="615460" y="458908"/>
+            <a:off x="656873" y="434060"/>
             <a:ext cx="11078308" cy="528394"/>
           </a:xfrm>
         </p:spPr>
@@ -5615,8 +6996,8 @@
         </p:nvSpPr>
         <p:spPr>
           <a:xfrm>
-            <a:off x="609600" y="2042575"/>
-            <a:ext cx="6311152" cy="3785652"/>
+            <a:off x="659296" y="2050857"/>
+            <a:ext cx="6683869" cy="3769087"/>
           </a:xfrm>
           <a:prstGeom prst="rect">
             <a:avLst/>
@@ -5685,454 +7066,454 @@
               <a:t> (number) </a:t>
             </a:r>
             <a:r>
+              <a:rPr lang="en-US" sz="1400" dirty="0">
+                <a:solidFill>
+                  <a:srgbClr val="008000"/>
+                </a:solidFill>
+                <a:latin typeface="Consolas,sans-serif"/>
+              </a:rPr>
+              <a:t>// (number) — </a:t>
+            </a:r>
+            <a:r>
+              <a:rPr lang="en-US" sz="1400" dirty="0" err="1">
+                <a:solidFill>
+                  <a:srgbClr val="008000"/>
+                </a:solidFill>
+                <a:latin typeface="Consolas"/>
+              </a:rPr>
+              <a:t>вираз</a:t>
+            </a:r>
+            <a:r>
+              <a:rPr lang="en-US" sz="1400" dirty="0">
+                <a:solidFill>
+                  <a:srgbClr val="008000"/>
+                </a:solidFill>
+                <a:latin typeface="Consolas"/>
+              </a:rPr>
+              <a:t> </a:t>
+            </a:r>
+            <a:r>
+              <a:rPr lang="en-US" sz="1400" dirty="0" err="1">
+                <a:solidFill>
+                  <a:srgbClr val="008000"/>
+                </a:solidFill>
+                <a:latin typeface="Consolas,sans-serif"/>
+              </a:rPr>
+              <a:t>селектор</a:t>
+            </a:r>
+            <a:r>
+              <a:rPr lang="en-US" sz="1400" dirty="0">
+                <a:solidFill>
+                  <a:srgbClr val="008000"/>
+                </a:solidFill>
+                <a:latin typeface="Consolas,sans-serif"/>
+              </a:rPr>
+              <a:t>.</a:t>
+            </a:r>
+            <a:r>
+              <a:rPr lang="en-US" sz="1400" dirty="0">
+                <a:latin typeface="Consolas,sans-serif"/>
+              </a:rPr>
+              <a:t> </a:t>
+            </a:r>
+          </a:p>
+          <a:p>
+            <a:r>
               <a:rPr lang="en-US" sz="1600" dirty="0">
+                <a:latin typeface="Consolas,sans-serif"/>
+              </a:rPr>
+              <a:t>{ </a:t>
+            </a:r>
+          </a:p>
+          <a:p>
+            <a:r>
+              <a:rPr lang="en-US" sz="1600" dirty="0">
+                <a:solidFill>
+                  <a:srgbClr val="0000FF"/>
+                </a:solidFill>
+                <a:latin typeface="Consolas,sans-serif"/>
+              </a:rPr>
+              <a:t>  case</a:t>
+            </a:r>
+            <a:r>
+              <a:rPr lang="en-US" sz="1600" dirty="0">
+                <a:latin typeface="Consolas,sans-serif"/>
+              </a:rPr>
+              <a:t> </a:t>
+            </a:r>
+            <a:r>
+              <a:rPr lang="en-US" sz="1600" dirty="0">
+                <a:solidFill>
+                  <a:srgbClr val="A31515"/>
+                </a:solidFill>
+                <a:latin typeface="Consolas,sans-serif"/>
+              </a:rPr>
+              <a:t>"1"</a:t>
+            </a:r>
+            <a:r>
+              <a:rPr lang="en-US" sz="1600" dirty="0">
+                <a:latin typeface="Consolas,sans-serif"/>
+              </a:rPr>
+              <a:t>: </a:t>
+            </a:r>
+            <a:r>
+              <a:rPr lang="en-US" sz="1400" dirty="0">
                 <a:solidFill>
                   <a:srgbClr val="008000"/>
                 </a:solidFill>
                 <a:latin typeface="Consolas,sans-serif"/>
               </a:rPr>
-              <a:t>// (number) — </a:t>
+              <a:t>// "1" — </a:t>
+            </a:r>
+            <a:r>
+              <a:rPr lang="en-US" sz="1400" dirty="0" err="1">
+                <a:solidFill>
+                  <a:srgbClr val="008000"/>
+                </a:solidFill>
+                <a:latin typeface="Consolas,sans-serif"/>
+              </a:rPr>
+              <a:t>постійний</a:t>
+            </a:r>
+            <a:r>
+              <a:rPr lang="en-US" sz="1400" dirty="0">
+                <a:solidFill>
+                  <a:srgbClr val="008000"/>
+                </a:solidFill>
+                <a:latin typeface="Consolas,sans-serif"/>
+              </a:rPr>
+              <a:t> </a:t>
+            </a:r>
+            <a:r>
+              <a:rPr lang="en-US" sz="1400" dirty="0" err="1">
+                <a:solidFill>
+                  <a:srgbClr val="008000"/>
+                </a:solidFill>
+                <a:latin typeface="Consolas,sans-serif"/>
+              </a:rPr>
+              <a:t>вираз</a:t>
+            </a:r>
+            <a:r>
+              <a:rPr lang="en-US" sz="1400" dirty="0">
+                <a:solidFill>
+                  <a:srgbClr val="008000"/>
+                </a:solidFill>
+                <a:latin typeface="Consolas,sans-serif"/>
+              </a:rPr>
+              <a:t>.</a:t>
+            </a:r>
+            <a:r>
+              <a:rPr lang="en-US" sz="1400" dirty="0">
+                <a:latin typeface="Consolas,sans-serif"/>
+              </a:rPr>
+              <a:t> </a:t>
+            </a:r>
+          </a:p>
+          <a:p>
+            <a:r>
+              <a:rPr lang="en-US" sz="1600" dirty="0">
+                <a:latin typeface="Consolas,sans-serif"/>
+              </a:rPr>
+              <a:t>  { </a:t>
+            </a:r>
+          </a:p>
+          <a:p>
+            <a:r>
+              <a:rPr lang="en-US" sz="1600" dirty="0">
+                <a:solidFill>
+                  <a:srgbClr val="2B91AF"/>
+                </a:solidFill>
+                <a:latin typeface="Consolas,sans-serif"/>
+              </a:rPr>
+              <a:t>    </a:t>
             </a:r>
             <a:r>
               <a:rPr lang="en-US" sz="1600" dirty="0" err="1">
                 <a:solidFill>
+                  <a:srgbClr val="2B91AF"/>
+                </a:solidFill>
+                <a:latin typeface="Consolas,sans-serif"/>
+              </a:rPr>
+              <a:t>Console</a:t>
+            </a:r>
+            <a:r>
+              <a:rPr lang="en-US" sz="1600" dirty="0" err="1">
+                <a:latin typeface="Consolas,sans-serif"/>
+              </a:rPr>
+              <a:t>.WriteLine</a:t>
+            </a:r>
+            <a:r>
+              <a:rPr lang="en-US" sz="1600" dirty="0">
+                <a:latin typeface="Consolas,sans-serif"/>
+              </a:rPr>
+              <a:t>(</a:t>
+            </a:r>
+            <a:r>
+              <a:rPr lang="en-US" sz="1600" dirty="0">
+                <a:solidFill>
+                  <a:srgbClr val="A31515"/>
+                </a:solidFill>
+                <a:latin typeface="Consolas,sans-serif"/>
+              </a:rPr>
+              <a:t>"</a:t>
+            </a:r>
+            <a:r>
+              <a:rPr lang="en-US" sz="1600" dirty="0" err="1">
+                <a:solidFill>
+                  <a:srgbClr val="A31515"/>
+                </a:solidFill>
+                <a:latin typeface="Consolas,sans-serif"/>
+              </a:rPr>
+              <a:t>Один</a:t>
+            </a:r>
+            <a:r>
+              <a:rPr lang="en-US" sz="1600" dirty="0">
+                <a:solidFill>
+                  <a:srgbClr val="A31515"/>
+                </a:solidFill>
+                <a:latin typeface="Consolas,sans-serif"/>
+              </a:rPr>
+              <a:t>"</a:t>
+            </a:r>
+            <a:r>
+              <a:rPr lang="en-US" sz="1600" dirty="0">
+                <a:latin typeface="Consolas,sans-serif"/>
+              </a:rPr>
+              <a:t>); </a:t>
+            </a:r>
+            <a:r>
+              <a:rPr lang="en-US" sz="1400" dirty="0">
+                <a:solidFill>
                   <a:srgbClr val="008000"/>
                 </a:solidFill>
+                <a:latin typeface="Consolas,sans-serif"/>
+              </a:rPr>
+              <a:t>// </a:t>
+            </a:r>
+            <a:r>
+              <a:rPr lang="en-US" sz="1400" dirty="0" err="1">
+                <a:solidFill>
+                  <a:srgbClr val="008000"/>
+                </a:solidFill>
+                <a:latin typeface="Consolas,sans-serif"/>
+              </a:rPr>
+              <a:t>дія</a:t>
+            </a:r>
+            <a:r>
+              <a:rPr lang="en-US" sz="1400" dirty="0">
+                <a:solidFill>
+                  <a:srgbClr val="008000"/>
+                </a:solidFill>
+                <a:latin typeface="Consolas,sans-serif"/>
+              </a:rPr>
+              <a:t> 1</a:t>
+            </a:r>
+            <a:r>
+              <a:rPr lang="en-US" sz="1400" dirty="0">
+                <a:latin typeface="Consolas,sans-serif"/>
+              </a:rPr>
+              <a:t> </a:t>
+            </a:r>
+          </a:p>
+          <a:p>
+            <a:r>
+              <a:rPr lang="en-US" sz="1600" dirty="0">
+                <a:solidFill>
+                  <a:srgbClr val="0000FF"/>
+                </a:solidFill>
+                <a:latin typeface="Consolas,sans-serif"/>
+              </a:rPr>
+              <a:t>    break</a:t>
+            </a:r>
+            <a:r>
+              <a:rPr lang="en-US" sz="1600" dirty="0">
+                <a:latin typeface="Consolas,sans-serif"/>
+              </a:rPr>
+              <a:t>; </a:t>
+            </a:r>
+          </a:p>
+          <a:p>
+            <a:r>
+              <a:rPr lang="en-US" sz="1600" dirty="0">
+                <a:latin typeface="Consolas,sans-serif"/>
+              </a:rPr>
+              <a:t>  } </a:t>
+            </a:r>
+          </a:p>
+          <a:p>
+            <a:r>
+              <a:rPr lang="en-US" sz="1600" dirty="0">
+                <a:solidFill>
+                  <a:srgbClr val="0000FF"/>
+                </a:solidFill>
+                <a:latin typeface="Consolas,sans-serif"/>
+              </a:rPr>
+              <a:t>  case</a:t>
+            </a:r>
+            <a:r>
+              <a:rPr lang="en-US" sz="1600" dirty="0">
+                <a:latin typeface="Consolas,sans-serif"/>
+              </a:rPr>
+              <a:t> </a:t>
+            </a:r>
+            <a:r>
+              <a:rPr lang="en-US" sz="1600" dirty="0">
+                <a:solidFill>
+                  <a:srgbClr val="A31515"/>
+                </a:solidFill>
+                <a:latin typeface="Consolas,sans-serif"/>
+              </a:rPr>
+              <a:t>"2"</a:t>
+            </a:r>
+            <a:r>
+              <a:rPr lang="en-US" sz="1600" dirty="0">
+                <a:latin typeface="Consolas,sans-serif"/>
+              </a:rPr>
+              <a:t>: </a:t>
+            </a:r>
+            <a:r>
+              <a:rPr lang="en-US" sz="1400" dirty="0">
+                <a:solidFill>
+                  <a:srgbClr val="008000"/>
+                </a:solidFill>
+                <a:latin typeface="Consolas,sans-serif"/>
+              </a:rPr>
+              <a:t>// "2" — </a:t>
+            </a:r>
+            <a:r>
+              <a:rPr lang="en-US" sz="1400" dirty="0" err="1">
+                <a:solidFill>
+                  <a:srgbClr val="008000"/>
+                </a:solidFill>
                 <a:latin typeface="Consolas"/>
               </a:rPr>
+              <a:t>постійний</a:t>
+            </a:r>
+            <a:r>
+              <a:rPr lang="en-US" sz="1400" dirty="0">
+                <a:solidFill>
+                  <a:srgbClr val="008000"/>
+                </a:solidFill>
+                <a:latin typeface="Consolas"/>
+              </a:rPr>
+              <a:t> </a:t>
+            </a:r>
+            <a:r>
+              <a:rPr lang="en-US" sz="1400" dirty="0" err="1">
+                <a:solidFill>
+                  <a:srgbClr val="008000"/>
+                </a:solidFill>
+                <a:latin typeface="Consolas"/>
+              </a:rPr>
               <a:t>вираз</a:t>
             </a:r>
             <a:r>
+              <a:rPr lang="en-US" sz="1400" dirty="0">
+                <a:solidFill>
+                  <a:srgbClr val="008000"/>
+                </a:solidFill>
+                <a:latin typeface="Consolas,sans-serif"/>
+              </a:rPr>
+              <a:t>.</a:t>
+            </a:r>
+            <a:r>
+              <a:rPr lang="en-US" sz="1400" dirty="0">
+                <a:latin typeface="Consolas,sans-serif"/>
+              </a:rPr>
+              <a:t> </a:t>
+            </a:r>
+          </a:p>
+          <a:p>
+            <a:r>
               <a:rPr lang="en-US" sz="1600" dirty="0">
+                <a:latin typeface="Consolas,sans-serif"/>
+              </a:rPr>
+              <a:t>  { </a:t>
+            </a:r>
+          </a:p>
+          <a:p>
+            <a:r>
+              <a:rPr lang="en-US" sz="1600" dirty="0">
+                <a:solidFill>
+                  <a:srgbClr val="2B91AF"/>
+                </a:solidFill>
+                <a:latin typeface="Consolas,sans-serif"/>
+              </a:rPr>
+              <a:t>    </a:t>
+            </a:r>
+            <a:r>
+              <a:rPr lang="en-US" sz="1600" dirty="0" err="1">
+                <a:solidFill>
+                  <a:srgbClr val="2B91AF"/>
+                </a:solidFill>
+                <a:latin typeface="Consolas,sans-serif"/>
+              </a:rPr>
+              <a:t>Console</a:t>
+            </a:r>
+            <a:r>
+              <a:rPr lang="en-US" sz="1600" dirty="0" err="1">
+                <a:latin typeface="Consolas,sans-serif"/>
+              </a:rPr>
+              <a:t>.WriteLine</a:t>
+            </a:r>
+            <a:r>
+              <a:rPr lang="en-US" sz="1600" dirty="0">
+                <a:latin typeface="Consolas,sans-serif"/>
+              </a:rPr>
+              <a:t>(</a:t>
+            </a:r>
+            <a:r>
+              <a:rPr lang="en-US" sz="1600" dirty="0">
+                <a:solidFill>
+                  <a:srgbClr val="A31515"/>
+                </a:solidFill>
+                <a:latin typeface="Consolas,sans-serif"/>
+              </a:rPr>
+              <a:t>"</a:t>
+            </a:r>
+            <a:r>
+              <a:rPr lang="en-US" sz="1600" dirty="0" err="1">
+                <a:solidFill>
+                  <a:srgbClr val="A31515"/>
+                </a:solidFill>
+                <a:latin typeface="Consolas,sans-serif"/>
+              </a:rPr>
+              <a:t>Два</a:t>
+            </a:r>
+            <a:r>
+              <a:rPr lang="en-US" sz="1600" dirty="0">
+                <a:solidFill>
+                  <a:srgbClr val="A31515"/>
+                </a:solidFill>
+                <a:latin typeface="Consolas,sans-serif"/>
+              </a:rPr>
+              <a:t>"</a:t>
+            </a:r>
+            <a:r>
+              <a:rPr lang="en-US" sz="1600" dirty="0">
+                <a:latin typeface="Consolas,sans-serif"/>
+              </a:rPr>
+              <a:t>); </a:t>
+            </a:r>
+            <a:r>
+              <a:rPr lang="en-US" sz="1400" dirty="0">
                 <a:solidFill>
                   <a:srgbClr val="008000"/>
                 </a:solidFill>
-                <a:latin typeface="Consolas"/>
-              </a:rPr>
-              <a:t> </a:t>
-            </a:r>
-            <a:r>
-              <a:rPr lang="en-US" sz="1600" dirty="0" err="1">
+                <a:latin typeface="Consolas,sans-serif"/>
+              </a:rPr>
+              <a:t>// </a:t>
+            </a:r>
+            <a:r>
+              <a:rPr lang="en-US" sz="1400" dirty="0" err="1">
                 <a:solidFill>
                   <a:srgbClr val="008000"/>
                 </a:solidFill>
                 <a:latin typeface="Consolas,sans-serif"/>
               </a:rPr>
-              <a:t>селектор</a:t>
-            </a:r>
-            <a:r>
-              <a:rPr lang="en-US" sz="1600" dirty="0">
-                <a:solidFill>
-                  <a:srgbClr val="008000"/>
-                </a:solidFill>
-                <a:latin typeface="Consolas,sans-serif"/>
-              </a:rPr>
-              <a:t>.</a:t>
-            </a:r>
-            <a:r>
-              <a:rPr lang="en-US" sz="1600" dirty="0">
-                <a:latin typeface="Consolas,sans-serif"/>
-              </a:rPr>
-              <a:t> </a:t>
-            </a:r>
-          </a:p>
-          <a:p>
-            <a:r>
-              <a:rPr lang="en-US" sz="1600" dirty="0">
-                <a:latin typeface="Consolas,sans-serif"/>
-              </a:rPr>
-              <a:t>{ </a:t>
-            </a:r>
-          </a:p>
-          <a:p>
-            <a:r>
-              <a:rPr lang="en-US" sz="1600" dirty="0">
-                <a:solidFill>
-                  <a:srgbClr val="0000FF"/>
-                </a:solidFill>
-                <a:latin typeface="Consolas,sans-serif"/>
-              </a:rPr>
-              <a:t>  case</a:t>
-            </a:r>
-            <a:r>
-              <a:rPr lang="en-US" sz="1600" dirty="0">
-                <a:latin typeface="Consolas,sans-serif"/>
-              </a:rPr>
-              <a:t> </a:t>
-            </a:r>
-            <a:r>
-              <a:rPr lang="en-US" sz="1600" dirty="0">
-                <a:solidFill>
-                  <a:srgbClr val="A31515"/>
-                </a:solidFill>
-                <a:latin typeface="Consolas,sans-serif"/>
-              </a:rPr>
-              <a:t>"1"</a:t>
-            </a:r>
-            <a:r>
-              <a:rPr lang="en-US" sz="1600" dirty="0">
-                <a:latin typeface="Consolas,sans-serif"/>
-              </a:rPr>
-              <a:t>: </a:t>
-            </a:r>
-            <a:r>
-              <a:rPr lang="en-US" sz="1600" dirty="0">
-                <a:solidFill>
-                  <a:srgbClr val="008000"/>
-                </a:solidFill>
-                <a:latin typeface="Consolas,sans-serif"/>
-              </a:rPr>
-              <a:t>// "1" — </a:t>
-            </a:r>
-            <a:r>
-              <a:rPr lang="en-US" sz="1600" dirty="0" err="1">
-                <a:solidFill>
-                  <a:srgbClr val="008000"/>
-                </a:solidFill>
-                <a:latin typeface="Consolas,sans-serif"/>
-              </a:rPr>
-              <a:t>постійний</a:t>
-            </a:r>
-            <a:r>
-              <a:rPr lang="en-US" sz="1600" dirty="0">
-                <a:solidFill>
-                  <a:srgbClr val="008000"/>
-                </a:solidFill>
-                <a:latin typeface="Consolas,sans-serif"/>
-              </a:rPr>
-              <a:t> </a:t>
-            </a:r>
-            <a:r>
-              <a:rPr lang="en-US" sz="1600" dirty="0" err="1">
-                <a:solidFill>
-                  <a:srgbClr val="008000"/>
-                </a:solidFill>
-                <a:latin typeface="Consolas,sans-serif"/>
-              </a:rPr>
-              <a:t>вираз</a:t>
-            </a:r>
-            <a:r>
-              <a:rPr lang="en-US" sz="1600" dirty="0">
-                <a:solidFill>
-                  <a:srgbClr val="008000"/>
-                </a:solidFill>
-                <a:latin typeface="Consolas,sans-serif"/>
-              </a:rPr>
-              <a:t>.</a:t>
-            </a:r>
-            <a:r>
-              <a:rPr lang="en-US" sz="1600" dirty="0">
-                <a:latin typeface="Consolas,sans-serif"/>
-              </a:rPr>
-              <a:t> </a:t>
-            </a:r>
-          </a:p>
-          <a:p>
-            <a:r>
-              <a:rPr lang="en-US" sz="1600" dirty="0">
-                <a:latin typeface="Consolas,sans-serif"/>
-              </a:rPr>
-              <a:t>  { </a:t>
-            </a:r>
-          </a:p>
-          <a:p>
-            <a:r>
-              <a:rPr lang="en-US" sz="1600" dirty="0">
-                <a:solidFill>
-                  <a:srgbClr val="2B91AF"/>
-                </a:solidFill>
-                <a:latin typeface="Consolas,sans-serif"/>
-              </a:rPr>
-              <a:t>    </a:t>
-            </a:r>
-            <a:r>
-              <a:rPr lang="en-US" sz="1600" dirty="0" err="1">
-                <a:solidFill>
-                  <a:srgbClr val="2B91AF"/>
-                </a:solidFill>
-                <a:latin typeface="Consolas,sans-serif"/>
-              </a:rPr>
-              <a:t>Console</a:t>
-            </a:r>
-            <a:r>
-              <a:rPr lang="en-US" sz="1600" dirty="0" err="1">
-                <a:latin typeface="Consolas,sans-serif"/>
-              </a:rPr>
-              <a:t>.WriteLine</a:t>
-            </a:r>
-            <a:r>
-              <a:rPr lang="en-US" sz="1600" dirty="0">
-                <a:latin typeface="Consolas,sans-serif"/>
-              </a:rPr>
-              <a:t>(</a:t>
-            </a:r>
-            <a:r>
-              <a:rPr lang="en-US" sz="1600" dirty="0">
-                <a:solidFill>
-                  <a:srgbClr val="A31515"/>
-                </a:solidFill>
-                <a:latin typeface="Consolas,sans-serif"/>
-              </a:rPr>
-              <a:t>"</a:t>
-            </a:r>
-            <a:r>
-              <a:rPr lang="en-US" sz="1600" dirty="0" err="1">
-                <a:solidFill>
-                  <a:srgbClr val="A31515"/>
-                </a:solidFill>
-                <a:latin typeface="Consolas,sans-serif"/>
-              </a:rPr>
-              <a:t>Один</a:t>
-            </a:r>
-            <a:r>
-              <a:rPr lang="en-US" sz="1600" dirty="0">
-                <a:solidFill>
-                  <a:srgbClr val="A31515"/>
-                </a:solidFill>
-                <a:latin typeface="Consolas,sans-serif"/>
-              </a:rPr>
-              <a:t>"</a:t>
-            </a:r>
-            <a:r>
-              <a:rPr lang="en-US" sz="1600" dirty="0">
-                <a:latin typeface="Consolas,sans-serif"/>
-              </a:rPr>
-              <a:t>); </a:t>
-            </a:r>
-            <a:r>
-              <a:rPr lang="en-US" sz="1600" dirty="0">
-                <a:solidFill>
-                  <a:srgbClr val="008000"/>
-                </a:solidFill>
-                <a:latin typeface="Consolas,sans-serif"/>
-              </a:rPr>
-              <a:t>// </a:t>
-            </a:r>
-            <a:r>
-              <a:rPr lang="en-US" sz="1600" dirty="0" err="1">
-                <a:solidFill>
-                  <a:srgbClr val="008000"/>
-                </a:solidFill>
-                <a:latin typeface="Consolas,sans-serif"/>
-              </a:rPr>
               <a:t>дія</a:t>
             </a:r>
             <a:r>
-              <a:rPr lang="en-US" sz="1600" dirty="0">
-                <a:solidFill>
-                  <a:srgbClr val="008000"/>
-                </a:solidFill>
-                <a:latin typeface="Consolas,sans-serif"/>
-              </a:rPr>
-              <a:t> 1</a:t>
-            </a:r>
-            <a:r>
-              <a:rPr lang="en-US" sz="1600" dirty="0">
-                <a:latin typeface="Consolas,sans-serif"/>
-              </a:rPr>
-              <a:t> </a:t>
-            </a:r>
-          </a:p>
-          <a:p>
-            <a:r>
-              <a:rPr lang="en-US" sz="1600" dirty="0">
-                <a:solidFill>
-                  <a:srgbClr val="0000FF"/>
-                </a:solidFill>
-                <a:latin typeface="Consolas,sans-serif"/>
-              </a:rPr>
-              <a:t>    break</a:t>
-            </a:r>
-            <a:r>
-              <a:rPr lang="en-US" sz="1600" dirty="0">
-                <a:latin typeface="Consolas,sans-serif"/>
-              </a:rPr>
-              <a:t>; </a:t>
-            </a:r>
-          </a:p>
-          <a:p>
-            <a:r>
-              <a:rPr lang="en-US" sz="1600" dirty="0">
-                <a:latin typeface="Consolas,sans-serif"/>
-              </a:rPr>
-              <a:t>  } </a:t>
-            </a:r>
-          </a:p>
-          <a:p>
-            <a:r>
-              <a:rPr lang="en-US" sz="1600" dirty="0">
-                <a:solidFill>
-                  <a:srgbClr val="0000FF"/>
-                </a:solidFill>
-                <a:latin typeface="Consolas,sans-serif"/>
-              </a:rPr>
-              <a:t>  case</a:t>
-            </a:r>
-            <a:r>
-              <a:rPr lang="en-US" sz="1600" dirty="0">
-                <a:latin typeface="Consolas,sans-serif"/>
-              </a:rPr>
-              <a:t> </a:t>
-            </a:r>
-            <a:r>
-              <a:rPr lang="en-US" sz="1600" dirty="0">
-                <a:solidFill>
-                  <a:srgbClr val="A31515"/>
-                </a:solidFill>
-                <a:latin typeface="Consolas,sans-serif"/>
-              </a:rPr>
-              <a:t>"2"</a:t>
-            </a:r>
-            <a:r>
-              <a:rPr lang="en-US" sz="1600" dirty="0">
-                <a:latin typeface="Consolas,sans-serif"/>
-              </a:rPr>
-              <a:t>: </a:t>
-            </a:r>
-            <a:r>
-              <a:rPr lang="en-US" sz="1600" dirty="0">
-                <a:solidFill>
-                  <a:srgbClr val="008000"/>
-                </a:solidFill>
-                <a:latin typeface="Consolas,sans-serif"/>
-              </a:rPr>
-              <a:t>// “2" — </a:t>
-            </a:r>
-            <a:r>
-              <a:rPr lang="en-US" sz="1600" dirty="0" err="1">
-                <a:solidFill>
-                  <a:srgbClr val="008000"/>
-                </a:solidFill>
-                <a:latin typeface="Consolas"/>
-              </a:rPr>
-              <a:t>постійний</a:t>
-            </a:r>
-            <a:r>
-              <a:rPr lang="en-US" sz="1600" dirty="0">
-                <a:solidFill>
-                  <a:srgbClr val="008000"/>
-                </a:solidFill>
-                <a:latin typeface="Consolas"/>
-              </a:rPr>
-              <a:t> </a:t>
-            </a:r>
-            <a:r>
-              <a:rPr lang="en-US" sz="1600" dirty="0" err="1">
-                <a:solidFill>
-                  <a:srgbClr val="008000"/>
-                </a:solidFill>
-                <a:latin typeface="Consolas"/>
-              </a:rPr>
-              <a:t>вираз</a:t>
-            </a:r>
-            <a:r>
-              <a:rPr lang="en-US" sz="1600" dirty="0">
-                <a:solidFill>
-                  <a:srgbClr val="008000"/>
-                </a:solidFill>
-                <a:latin typeface="Consolas,sans-serif"/>
-              </a:rPr>
-              <a:t>.</a:t>
-            </a:r>
-            <a:r>
-              <a:rPr lang="en-US" sz="1600" dirty="0">
-                <a:latin typeface="Consolas,sans-serif"/>
-              </a:rPr>
-              <a:t> </a:t>
-            </a:r>
-          </a:p>
-          <a:p>
-            <a:r>
-              <a:rPr lang="en-US" sz="1600" dirty="0">
-                <a:latin typeface="Consolas,sans-serif"/>
-              </a:rPr>
-              <a:t>  { </a:t>
-            </a:r>
-          </a:p>
-          <a:p>
-            <a:r>
-              <a:rPr lang="en-US" sz="1600" dirty="0">
-                <a:solidFill>
-                  <a:srgbClr val="2B91AF"/>
-                </a:solidFill>
-                <a:latin typeface="Consolas,sans-serif"/>
-              </a:rPr>
-              <a:t>    </a:t>
-            </a:r>
-            <a:r>
-              <a:rPr lang="en-US" sz="1600" dirty="0" err="1">
-                <a:solidFill>
-                  <a:srgbClr val="2B91AF"/>
-                </a:solidFill>
-                <a:latin typeface="Consolas,sans-serif"/>
-              </a:rPr>
-              <a:t>Console</a:t>
-            </a:r>
-            <a:r>
-              <a:rPr lang="en-US" sz="1600" dirty="0" err="1">
-                <a:latin typeface="Consolas,sans-serif"/>
-              </a:rPr>
-              <a:t>.WriteLine</a:t>
-            </a:r>
-            <a:r>
-              <a:rPr lang="en-US" sz="1600" dirty="0">
-                <a:latin typeface="Consolas,sans-serif"/>
-              </a:rPr>
-              <a:t>(</a:t>
-            </a:r>
-            <a:r>
-              <a:rPr lang="en-US" sz="1600" dirty="0">
-                <a:solidFill>
-                  <a:srgbClr val="A31515"/>
-                </a:solidFill>
-                <a:latin typeface="Consolas,sans-serif"/>
-              </a:rPr>
-              <a:t>"</a:t>
-            </a:r>
-            <a:r>
-              <a:rPr lang="en-US" sz="1600" dirty="0" err="1">
-                <a:solidFill>
-                  <a:srgbClr val="A31515"/>
-                </a:solidFill>
-                <a:latin typeface="Consolas,sans-serif"/>
-              </a:rPr>
-              <a:t>Два</a:t>
-            </a:r>
-            <a:r>
-              <a:rPr lang="en-US" sz="1600" dirty="0">
-                <a:solidFill>
-                  <a:srgbClr val="A31515"/>
-                </a:solidFill>
-                <a:latin typeface="Consolas,sans-serif"/>
-              </a:rPr>
-              <a:t>"</a:t>
-            </a:r>
-            <a:r>
-              <a:rPr lang="en-US" sz="1600" dirty="0">
-                <a:latin typeface="Consolas,sans-serif"/>
-              </a:rPr>
-              <a:t>); </a:t>
-            </a:r>
-            <a:r>
-              <a:rPr lang="en-US" sz="1600" dirty="0">
-                <a:solidFill>
-                  <a:srgbClr val="008000"/>
-                </a:solidFill>
-                <a:latin typeface="Consolas,sans-serif"/>
-              </a:rPr>
-              <a:t>// </a:t>
-            </a:r>
-            <a:r>
-              <a:rPr lang="en-US" sz="1600" dirty="0" err="1">
-                <a:solidFill>
-                  <a:srgbClr val="008000"/>
-                </a:solidFill>
-                <a:latin typeface="Consolas,sans-serif"/>
-              </a:rPr>
-              <a:t>дія</a:t>
-            </a:r>
-            <a:r>
-              <a:rPr lang="en-US" sz="1600" dirty="0">
+              <a:rPr lang="en-US" sz="1400" dirty="0">
                 <a:solidFill>
                   <a:srgbClr val="008000"/>
                 </a:solidFill>
@@ -6348,7 +7729,7 @@
         </p:nvSpPr>
         <p:spPr>
           <a:xfrm>
-            <a:off x="656492" y="1359878"/>
+            <a:off x="656492" y="1144530"/>
             <a:ext cx="10996246" cy="400110"/>
           </a:xfrm>
           <a:prstGeom prst="rect">
@@ -6549,6 +7930,36 @@
           </a:p>
         </p:txBody>
       </p:sp>
+      <p:pic>
+        <p:nvPicPr>
+          <p:cNvPr id="7" name="Рисунок 11" descr="Зображення, що містить фото, знак, малювання, вулиця&#10;&#10;Опис створено автоматично">
+            <a:extLst>
+              <a:ext uri="{FF2B5EF4-FFF2-40B4-BE49-F238E27FC236}">
+                <a16:creationId xmlns:a16="http://schemas.microsoft.com/office/drawing/2014/main" id="{48C67D3B-A41F-49E3-BD55-F286BF1FF155}"/>
+              </a:ext>
+            </a:extLst>
+          </p:cNvPr>
+          <p:cNvPicPr>
+            <a:picLocks noChangeAspect="1"/>
+          </p:cNvPicPr>
+          <p:nvPr/>
+        </p:nvPicPr>
+        <p:blipFill>
+          <a:blip r:embed="rId3"/>
+          <a:stretch>
+            <a:fillRect/>
+          </a:stretch>
+        </p:blipFill>
+        <p:spPr>
+          <a:xfrm>
+            <a:off x="10621617" y="235226"/>
+            <a:ext cx="1186070" cy="1194353"/>
+          </a:xfrm>
+          <a:prstGeom prst="rect">
+            <a:avLst/>
+          </a:prstGeom>
+        </p:spPr>
+      </p:pic>
     </p:spTree>
     <p:extLst>
       <p:ext uri="{BB962C8B-B14F-4D97-AF65-F5344CB8AC3E}">
@@ -6562,7 +7973,7 @@
 </p:sld>
 </file>
 
-<file path=ppt/slides/slide8.xml><?xml version="1.0" encoding="utf-8"?>
+<file path=ppt/slides/slide9.xml><?xml version="1.0" encoding="utf-8"?>
 <p:sld xmlns:a="http://schemas.openxmlformats.org/drawingml/2006/main" xmlns:r="http://schemas.openxmlformats.org/officeDocument/2006/relationships" xmlns:p="http://schemas.openxmlformats.org/presentationml/2006/main">
   <p:cSld>
     <p:spTree>
@@ -6608,7 +8019,7 @@
           <a:lstStyle/>
           <a:p>
             <a:r>
-              <a:rPr lang="uk-UA" sz="3200" dirty="0">
+              <a:rPr lang="uk-UA" sz="2900" dirty="0">
                 <a:latin typeface="Calibri"/>
                 <a:ea typeface="+mj-lt"/>
                 <a:cs typeface="+mj-lt"/>
@@ -6616,7 +8027,7 @@
               <a:t>Оператор багатозначного вибору (перемикач) </a:t>
             </a:r>
             <a:r>
-              <a:rPr lang="uk-UA" sz="3200" dirty="0" err="1">
+              <a:rPr lang="uk-UA" sz="2900" dirty="0" err="1">
                 <a:solidFill>
                   <a:schemeClr val="accent1"/>
                 </a:solidFill>
@@ -6626,14 +8037,14 @@
               <a:t>switch</a:t>
             </a:r>
             <a:r>
-              <a:rPr lang="uk-UA" sz="3200" dirty="0" err="1">
+              <a:rPr lang="uk-UA" sz="2900" dirty="0" err="1">
                 <a:latin typeface="Calibri"/>
                 <a:cs typeface="Segoe UI"/>
               </a:rPr>
               <a:t>-</a:t>
             </a:r>
             <a:r>
-              <a:rPr lang="uk-UA" sz="3200" dirty="0" err="1">
+              <a:rPr lang="uk-UA" sz="2900" dirty="0" err="1">
                 <a:solidFill>
                   <a:schemeClr val="accent1"/>
                 </a:solidFill>
@@ -6642,7 +8053,7 @@
               </a:rPr>
               <a:t>case</a:t>
             </a:r>
-            <a:endParaRPr lang="uk-UA" sz="3200" dirty="0">
+            <a:endParaRPr lang="uk-UA" sz="2900">
               <a:solidFill>
                 <a:schemeClr val="accent1"/>
               </a:solidFill>
@@ -6667,8 +8078,8 @@
         </p:nvSpPr>
         <p:spPr>
           <a:xfrm>
-            <a:off x="734416" y="1894311"/>
-            <a:ext cx="6158752" cy="4401205"/>
+            <a:off x="750981" y="2026833"/>
+            <a:ext cx="6158752" cy="4185761"/>
           </a:xfrm>
           <a:prstGeom prst="rect">
             <a:avLst/>
@@ -6714,11 +8125,6 @@
               </a:rPr>
               <a:t>; </a:t>
             </a:r>
-          </a:p>
-          <a:p>
-            <a:endParaRPr lang="en-US" sz="1400" dirty="0">
-              <a:cs typeface="Calibri"/>
-            </a:endParaRPr>
           </a:p>
           <a:p>
             <a:r>
@@ -7263,7 +8669,7 @@
         </p:nvSpPr>
         <p:spPr>
           <a:xfrm>
-            <a:off x="7984105" y="2647347"/>
+            <a:off x="8008953" y="2597651"/>
             <a:ext cx="690283" cy="276999"/>
           </a:xfrm>
           <a:prstGeom prst="rect">
@@ -7425,8 +8831,8 @@
         </p:nvSpPr>
         <p:spPr>
           <a:xfrm>
-            <a:off x="656493" y="1207477"/>
-            <a:ext cx="8815753" cy="400110"/>
+            <a:off x="689622" y="1108085"/>
+            <a:ext cx="10091274" cy="707886"/>
           </a:xfrm>
           <a:prstGeom prst="rect">
             <a:avLst/>
@@ -7480,7 +8886,7 @@
             <a:r>
               <a:rPr lang="en-US" sz="2000" dirty="0">
                 <a:solidFill>
-                  <a:srgbClr val="0000FF"/>
+                  <a:schemeClr val="accent1"/>
                 </a:solidFill>
                 <a:latin typeface="Calibri"/>
                 <a:cs typeface="Calibri"/>
@@ -7539,7 +8945,7 @@
             <a:r>
               <a:rPr lang="en-US" sz="2000" dirty="0">
                 <a:solidFill>
-                  <a:srgbClr val="0000FF"/>
+                  <a:schemeClr val="accent1"/>
                 </a:solidFill>
                 <a:latin typeface="Calibri"/>
                 <a:cs typeface="Calibri"/>
@@ -7551,774 +8957,68 @@
                 <a:latin typeface="Calibri"/>
                 <a:cs typeface="Calibri"/>
               </a:rPr>
-              <a:t>. </a:t>
-            </a:r>
-            <a:endParaRPr lang="en-US" sz="2000">
+              <a:t>.</a:t>
+            </a:r>
+            <a:r>
+              <a:rPr lang="en-US" sz="2000" dirty="0">
+                <a:solidFill>
+                  <a:srgbClr val="FF0000"/>
+                </a:solidFill>
+                <a:latin typeface="Calibri"/>
+                <a:cs typeface="Calibri"/>
+              </a:rPr>
+              <a:t> </a:t>
+            </a:r>
+            <a:endParaRPr lang="en-US" sz="2000" dirty="0">
+              <a:solidFill>
+                <a:srgbClr val="FF0000"/>
+              </a:solidFill>
+              <a:ea typeface="+mn-lt"/>
+              <a:cs typeface="+mn-lt"/>
+            </a:endParaRPr>
+          </a:p>
+          <a:p>
+            <a:endParaRPr lang="en-US" sz="2000" dirty="0">
               <a:latin typeface="Calibri"/>
               <a:cs typeface="Calibri"/>
             </a:endParaRPr>
           </a:p>
         </p:txBody>
       </p:sp>
-      <p:sp>
-        <p:nvSpPr>
-          <p:cNvPr id="14" name="TextBox 13">
+      <p:pic>
+        <p:nvPicPr>
+          <p:cNvPr id="6" name="Рисунок 11" descr="Зображення, що містить фото, знак, малювання, вулиця&#10;&#10;Опис створено автоматично">
             <a:extLst>
               <a:ext uri="{FF2B5EF4-FFF2-40B4-BE49-F238E27FC236}">
-                <a16:creationId xmlns:a16="http://schemas.microsoft.com/office/drawing/2014/main" id="{F80754A2-BA9B-417E-9180-214FD4796DF3}"/>
+                <a16:creationId xmlns:a16="http://schemas.microsoft.com/office/drawing/2014/main" id="{D630ED2C-4069-410A-B25A-5F041E37986A}"/>
               </a:ext>
             </a:extLst>
           </p:cNvPr>
-          <p:cNvSpPr txBox="1"/>
+          <p:cNvPicPr>
+            <a:picLocks noChangeAspect="1"/>
+          </p:cNvPicPr>
           <p:nvPr/>
-        </p:nvSpPr>
+        </p:nvPicPr>
+        <p:blipFill>
+          <a:blip r:embed="rId3"/>
+          <a:stretch>
+            <a:fillRect/>
+          </a:stretch>
+        </p:blipFill>
         <p:spPr>
           <a:xfrm>
-            <a:off x="1652954" y="6002215"/>
-            <a:ext cx="11594122" cy="338554"/>
+            <a:off x="10621617" y="235226"/>
+            <a:ext cx="1186070" cy="1194353"/>
           </a:xfrm>
           <a:prstGeom prst="rect">
             <a:avLst/>
           </a:prstGeom>
-          <a:noFill/>
         </p:spPr>
-        <p:txBody>
-          <a:bodyPr rot="0" spcFirstLastPara="0" vertOverflow="overflow" horzOverflow="overflow" vert="horz" wrap="square" lIns="91440" tIns="45720" rIns="91440" bIns="45720" numCol="1" spcCol="0" rtlCol="0" fromWordArt="0" anchor="t" anchorCtr="0" forceAA="0" compatLnSpc="1">
-            <a:prstTxWarp prst="textNoShape">
-              <a:avLst/>
-            </a:prstTxWarp>
-            <a:spAutoFit/>
-          </a:bodyPr>
-          <a:lstStyle/>
-          <a:p>
-            <a:r>
-              <a:rPr lang="en-US" sz="1600" dirty="0" err="1">
-                <a:solidFill>
-                  <a:srgbClr val="FF0000"/>
-                </a:solidFill>
-                <a:latin typeface="Calibri"/>
-                <a:cs typeface="Calibri"/>
-              </a:rPr>
-              <a:t>Якщо</a:t>
-            </a:r>
-            <a:r>
-              <a:rPr lang="en-US" sz="1600" dirty="0">
-                <a:solidFill>
-                  <a:srgbClr val="FF0000"/>
-                </a:solidFill>
-                <a:latin typeface="Calibri"/>
-                <a:cs typeface="Calibri"/>
-              </a:rPr>
-              <a:t> </a:t>
-            </a:r>
-            <a:r>
-              <a:rPr lang="en-US" sz="1600" dirty="0" err="1">
-                <a:solidFill>
-                  <a:srgbClr val="FF0000"/>
-                </a:solidFill>
-                <a:latin typeface="Calibri"/>
-                <a:cs typeface="Calibri"/>
-              </a:rPr>
-              <a:t>блоку</a:t>
-            </a:r>
-            <a:r>
-              <a:rPr lang="en-US" sz="1600" dirty="0">
-                <a:solidFill>
-                  <a:srgbClr val="FF0000"/>
-                </a:solidFill>
-                <a:latin typeface="Calibri"/>
-                <a:cs typeface="Calibri"/>
-              </a:rPr>
-              <a:t> default </a:t>
-            </a:r>
-            <a:r>
-              <a:rPr lang="en-US" sz="1600" dirty="0" err="1">
-                <a:solidFill>
-                  <a:srgbClr val="FF0000"/>
-                </a:solidFill>
-                <a:latin typeface="Calibri"/>
-                <a:cs typeface="Calibri"/>
-              </a:rPr>
-              <a:t>немає</a:t>
-            </a:r>
-            <a:r>
-              <a:rPr lang="en-US" sz="1600" dirty="0">
-                <a:solidFill>
-                  <a:srgbClr val="FF0000"/>
-                </a:solidFill>
-                <a:latin typeface="Calibri"/>
-                <a:cs typeface="Calibri"/>
-              </a:rPr>
-              <a:t>, а </a:t>
-            </a:r>
-            <a:r>
-              <a:rPr lang="en-US" sz="1600" dirty="0" err="1">
-                <a:solidFill>
-                  <a:srgbClr val="FF0000"/>
-                </a:solidFill>
-                <a:latin typeface="Calibri"/>
-                <a:cs typeface="Calibri"/>
-              </a:rPr>
-              <a:t>значення</a:t>
-            </a:r>
-            <a:r>
-              <a:rPr lang="en-US" sz="1600" dirty="0">
-                <a:solidFill>
-                  <a:srgbClr val="FF0000"/>
-                </a:solidFill>
-                <a:latin typeface="Calibri"/>
-                <a:cs typeface="Calibri"/>
-              </a:rPr>
-              <a:t> </a:t>
-            </a:r>
-            <a:r>
-              <a:rPr lang="en-US" sz="1600" dirty="0" err="1">
-                <a:solidFill>
-                  <a:srgbClr val="FF0000"/>
-                </a:solidFill>
-                <a:latin typeface="Calibri"/>
-                <a:cs typeface="Calibri"/>
-              </a:rPr>
-              <a:t>яке</a:t>
-            </a:r>
-            <a:r>
-              <a:rPr lang="en-US" sz="1600" dirty="0">
-                <a:solidFill>
-                  <a:srgbClr val="FF0000"/>
-                </a:solidFill>
-                <a:latin typeface="Calibri"/>
-                <a:cs typeface="Calibri"/>
-              </a:rPr>
-              <a:t> </a:t>
-            </a:r>
-            <a:r>
-              <a:rPr lang="en-US" sz="1600" dirty="0" err="1">
-                <a:solidFill>
-                  <a:srgbClr val="FF0000"/>
-                </a:solidFill>
-                <a:latin typeface="Calibri"/>
-                <a:cs typeface="Calibri"/>
-              </a:rPr>
-              <a:t>передається</a:t>
-            </a:r>
-            <a:r>
-              <a:rPr lang="en-US" sz="1600" dirty="0">
-                <a:solidFill>
-                  <a:srgbClr val="FF0000"/>
-                </a:solidFill>
-                <a:latin typeface="Calibri"/>
-                <a:cs typeface="Calibri"/>
-              </a:rPr>
-              <a:t> </a:t>
-            </a:r>
-            <a:r>
-              <a:rPr lang="en-US" sz="1600" dirty="0" err="1">
-                <a:solidFill>
-                  <a:srgbClr val="FF0000"/>
-                </a:solidFill>
-                <a:latin typeface="Calibri"/>
-                <a:cs typeface="Calibri"/>
-              </a:rPr>
-              <a:t>не</a:t>
-            </a:r>
-            <a:r>
-              <a:rPr lang="en-US" sz="1600" dirty="0">
-                <a:solidFill>
-                  <a:srgbClr val="FF0000"/>
-                </a:solidFill>
-                <a:latin typeface="Calibri"/>
-                <a:cs typeface="Calibri"/>
-              </a:rPr>
-              <a:t> </a:t>
-            </a:r>
-            <a:r>
-              <a:rPr lang="en-US" sz="1600" dirty="0" err="1">
-                <a:solidFill>
-                  <a:srgbClr val="FF0000"/>
-                </a:solidFill>
-                <a:latin typeface="Calibri"/>
-                <a:cs typeface="Calibri"/>
-              </a:rPr>
-              <a:t>існує</a:t>
-            </a:r>
-            <a:r>
-              <a:rPr lang="en-US" sz="1600" dirty="0">
-                <a:solidFill>
-                  <a:srgbClr val="FF0000"/>
-                </a:solidFill>
-                <a:latin typeface="Calibri"/>
-                <a:cs typeface="Calibri"/>
-              </a:rPr>
-              <a:t> у </a:t>
-            </a:r>
-            <a:r>
-              <a:rPr lang="en-US" sz="1600" dirty="0" err="1">
-                <a:solidFill>
-                  <a:srgbClr val="FF0000"/>
-                </a:solidFill>
-                <a:latin typeface="Calibri"/>
-                <a:cs typeface="Calibri"/>
-              </a:rPr>
-              <a:t>жодному</a:t>
-            </a:r>
-            <a:r>
-              <a:rPr lang="en-US" sz="1600" dirty="0">
-                <a:solidFill>
-                  <a:srgbClr val="FF0000"/>
-                </a:solidFill>
-                <a:latin typeface="Calibri"/>
-                <a:cs typeface="Calibri"/>
-              </a:rPr>
-              <a:t> </a:t>
-            </a:r>
-            <a:r>
-              <a:rPr lang="en-US" sz="1600" dirty="0" err="1">
-                <a:solidFill>
-                  <a:srgbClr val="FF0000"/>
-                </a:solidFill>
-                <a:latin typeface="Calibri"/>
-                <a:cs typeface="Calibri"/>
-              </a:rPr>
-              <a:t>блоці</a:t>
-            </a:r>
-            <a:r>
-              <a:rPr lang="en-US" sz="1600" dirty="0">
-                <a:solidFill>
-                  <a:srgbClr val="FF0000"/>
-                </a:solidFill>
-                <a:latin typeface="Calibri"/>
-                <a:cs typeface="Calibri"/>
-              </a:rPr>
-              <a:t> case, </a:t>
-            </a:r>
-            <a:r>
-              <a:rPr lang="en-US" sz="1600" dirty="0" err="1">
-                <a:solidFill>
-                  <a:srgbClr val="FF0000"/>
-                </a:solidFill>
-                <a:latin typeface="Calibri"/>
-                <a:cs typeface="Calibri"/>
-              </a:rPr>
-              <a:t>буде</a:t>
-            </a:r>
-            <a:r>
-              <a:rPr lang="en-US" sz="1600" dirty="0">
-                <a:solidFill>
-                  <a:srgbClr val="FF0000"/>
-                </a:solidFill>
-                <a:latin typeface="Calibri"/>
-                <a:cs typeface="Calibri"/>
-              </a:rPr>
-              <a:t> </a:t>
-            </a:r>
-            <a:r>
-              <a:rPr lang="en-US" sz="1600" dirty="0" err="1">
-                <a:solidFill>
-                  <a:srgbClr val="FF0000"/>
-                </a:solidFill>
-                <a:latin typeface="Calibri"/>
-                <a:cs typeface="Calibri"/>
-              </a:rPr>
-              <a:t>помилка</a:t>
-            </a:r>
-            <a:r>
-              <a:rPr lang="en-US" sz="1600" dirty="0">
-                <a:solidFill>
-                  <a:srgbClr val="FF0000"/>
-                </a:solidFill>
-                <a:latin typeface="Calibri"/>
-                <a:cs typeface="Calibri"/>
-              </a:rPr>
-              <a:t>.  </a:t>
-            </a:r>
-          </a:p>
-        </p:txBody>
-      </p:sp>
+      </p:pic>
     </p:spTree>
     <p:extLst>
       <p:ext uri="{BB962C8B-B14F-4D97-AF65-F5344CB8AC3E}">
         <p14:creationId xmlns:p14="http://schemas.microsoft.com/office/powerpoint/2010/main" val="2659773006"/>
-      </p:ext>
-    </p:extLst>
-  </p:cSld>
-  <p:clrMapOvr>
-    <a:masterClrMapping/>
-  </p:clrMapOvr>
-</p:sld>
-</file>
-
-<file path=ppt/slides/slide9.xml><?xml version="1.0" encoding="utf-8"?>
-<p:sld xmlns:a="http://schemas.openxmlformats.org/drawingml/2006/main" xmlns:r="http://schemas.openxmlformats.org/officeDocument/2006/relationships" xmlns:p="http://schemas.openxmlformats.org/presentationml/2006/main">
-  <p:cSld>
-    <p:spTree>
-      <p:nvGrpSpPr>
-        <p:cNvPr id="1" name=""/>
-        <p:cNvGrpSpPr/>
-        <p:nvPr/>
-      </p:nvGrpSpPr>
-      <p:grpSpPr>
-        <a:xfrm>
-          <a:off x="0" y="0"/>
-          <a:ext cx="0" cy="0"/>
-          <a:chOff x="0" y="0"/>
-          <a:chExt cx="0" cy="0"/>
-        </a:xfrm>
-      </p:grpSpPr>
-      <p:sp>
-        <p:nvSpPr>
-          <p:cNvPr id="3" name="Місце для вмісту 2">
-            <a:extLst>
-              <a:ext uri="{FF2B5EF4-FFF2-40B4-BE49-F238E27FC236}">
-                <a16:creationId xmlns:a16="http://schemas.microsoft.com/office/drawing/2014/main" id="{352602FF-E865-484B-91B9-5EE76BDFC72D}"/>
-              </a:ext>
-            </a:extLst>
-          </p:cNvPr>
-          <p:cNvSpPr>
-            <a:spLocks noGrp="1"/>
-          </p:cNvSpPr>
-          <p:nvPr>
-            <p:ph idx="1"/>
-          </p:nvPr>
-        </p:nvSpPr>
-        <p:spPr>
-          <a:xfrm>
-            <a:off x="838200" y="144256"/>
-            <a:ext cx="10515600" cy="6587641"/>
-          </a:xfrm>
-        </p:spPr>
-        <p:txBody>
-          <a:bodyPr vert="horz" lIns="91440" tIns="45720" rIns="91440" bIns="45720" rtlCol="0" anchor="t">
-            <a:normAutofit/>
-          </a:bodyPr>
-          <a:lstStyle/>
-          <a:p>
-            <a:pPr marL="0" indent="0">
-              <a:buNone/>
-            </a:pPr>
-            <a:r>
-              <a:rPr lang="uk-UA" sz="1200" dirty="0" err="1">
-                <a:cs typeface="Calibri" panose="020F0502020204030204"/>
-              </a:rPr>
-              <a:t>Tasks</a:t>
-            </a:r>
-          </a:p>
-          <a:p>
-            <a:pPr marL="0" indent="0">
-              <a:buNone/>
-            </a:pPr>
-            <a:endParaRPr lang="uk-UA" sz="1200" dirty="0">
-              <a:ea typeface="+mn-lt"/>
-              <a:cs typeface="+mn-lt"/>
-            </a:endParaRPr>
-          </a:p>
-          <a:p>
-            <a:pPr marL="0" indent="0">
-              <a:lnSpc>
-                <a:spcPct val="100000"/>
-              </a:lnSpc>
-              <a:spcBef>
-                <a:spcPts val="100"/>
-              </a:spcBef>
-              <a:buNone/>
-            </a:pPr>
-            <a:r>
-              <a:rPr lang="uk-UA" sz="1200">
-                <a:ea typeface="+mn-lt"/>
-                <a:cs typeface="+mn-lt"/>
-              </a:rPr>
-              <a:t>Task1</a:t>
-            </a:r>
-            <a:endParaRPr lang="en-US" sz="1200">
-              <a:ea typeface="+mn-lt"/>
-              <a:cs typeface="+mn-lt"/>
-            </a:endParaRPr>
-          </a:p>
-          <a:p>
-            <a:pPr marL="0" indent="0">
-              <a:lnSpc>
-                <a:spcPct val="100000"/>
-              </a:lnSpc>
-              <a:spcBef>
-                <a:spcPts val="100"/>
-              </a:spcBef>
-              <a:buNone/>
-            </a:pPr>
-            <a:r>
-              <a:rPr lang="ru" sz="1200" dirty="0" err="1">
-                <a:ea typeface="+mn-lt"/>
-                <a:cs typeface="+mn-lt"/>
-              </a:rPr>
-              <a:t>Використовуючи</a:t>
-            </a:r>
-            <a:r>
-              <a:rPr lang="ru" sz="1200" dirty="0">
-                <a:ea typeface="+mn-lt"/>
-                <a:cs typeface="+mn-lt"/>
-              </a:rPr>
-              <a:t> </a:t>
-            </a:r>
-            <a:r>
-              <a:rPr lang="ru" sz="1200" dirty="0" err="1">
-                <a:ea typeface="+mn-lt"/>
-                <a:cs typeface="+mn-lt"/>
-              </a:rPr>
-              <a:t>Visual</a:t>
-            </a:r>
-            <a:r>
-              <a:rPr lang="ru" sz="1200" dirty="0">
-                <a:ea typeface="+mn-lt"/>
-                <a:cs typeface="+mn-lt"/>
-              </a:rPr>
-              <a:t> </a:t>
-            </a:r>
-            <a:r>
-              <a:rPr lang="ru" sz="1200" dirty="0" err="1">
-                <a:ea typeface="+mn-lt"/>
-                <a:cs typeface="+mn-lt"/>
-              </a:rPr>
-              <a:t>Studio</a:t>
-            </a:r>
-            <a:r>
-              <a:rPr lang="ru" sz="1200" dirty="0">
-                <a:ea typeface="+mn-lt"/>
-                <a:cs typeface="+mn-lt"/>
-              </a:rPr>
-              <a:t>, </a:t>
-            </a:r>
-            <a:r>
-              <a:rPr lang="ru" sz="1200" dirty="0" err="1">
-                <a:ea typeface="+mn-lt"/>
-                <a:cs typeface="+mn-lt"/>
-              </a:rPr>
-              <a:t>створіть</a:t>
-            </a:r>
-            <a:r>
-              <a:rPr lang="ru" sz="1200">
-                <a:ea typeface="+mn-lt"/>
-                <a:cs typeface="+mn-lt"/>
-              </a:rPr>
-              <a:t> проект за шаблоном Console Application, назвіть його Lesson003_Task1.</a:t>
-            </a:r>
-          </a:p>
-          <a:p>
-            <a:pPr marL="0" indent="0">
-              <a:lnSpc>
-                <a:spcPct val="100000"/>
-              </a:lnSpc>
-              <a:spcBef>
-                <a:spcPts val="100"/>
-              </a:spcBef>
-              <a:buNone/>
-            </a:pPr>
-            <a:r>
-              <a:rPr lang="uk" sz="1200" dirty="0">
-                <a:ea typeface="+mn-lt"/>
-                <a:cs typeface="+mn-lt"/>
-              </a:rPr>
-              <a:t>Напишіть програму інтернет магазин. Програма знає 5 товарів. Потрібно, щоб користувач вводив товар, а програма давала йому інформацію про товар (Назва ціна). Якщо користувач ввів товар, який відсутній, тоді слід вивести повідомлення, що такого товару немає.</a:t>
-            </a:r>
-            <a:r>
-              <a:rPr lang="ru" sz="1200" dirty="0">
-                <a:ea typeface="+mn-lt"/>
-                <a:cs typeface="+mn-lt"/>
-              </a:rPr>
-              <a:t> </a:t>
-            </a:r>
-          </a:p>
-          <a:p>
-            <a:pPr marL="0" indent="0">
-              <a:lnSpc>
-                <a:spcPct val="100000"/>
-              </a:lnSpc>
-              <a:spcBef>
-                <a:spcPts val="100"/>
-              </a:spcBef>
-              <a:buNone/>
-            </a:pPr>
-            <a:endParaRPr lang="ru" sz="1200" dirty="0">
-              <a:cs typeface="Calibri" panose="020F0502020204030204"/>
-            </a:endParaRPr>
-          </a:p>
-          <a:p>
-            <a:pPr>
-              <a:buNone/>
-            </a:pPr>
-            <a:r>
-              <a:rPr lang="uk-UA" sz="1200">
-                <a:ea typeface="+mn-lt"/>
-                <a:cs typeface="+mn-lt"/>
-              </a:rPr>
-              <a:t>Task2</a:t>
-            </a:r>
-            <a:r>
-              <a:rPr lang="ru" sz="1200" dirty="0">
-                <a:ea typeface="+mn-lt"/>
-                <a:cs typeface="+mn-lt"/>
-              </a:rPr>
-              <a:t> </a:t>
-            </a:r>
-            <a:endParaRPr lang="ru" dirty="0">
-              <a:cs typeface="Calibri"/>
-            </a:endParaRPr>
-          </a:p>
-          <a:p>
-            <a:pPr>
-              <a:buNone/>
-            </a:pPr>
-            <a:r>
-              <a:rPr lang="uk" sz="1200" dirty="0">
-                <a:ea typeface="+mn-lt"/>
-                <a:cs typeface="+mn-lt"/>
-              </a:rPr>
-              <a:t>Використовуючи </a:t>
-            </a:r>
-            <a:r>
-              <a:rPr lang="uk" sz="1200" dirty="0" err="1">
-                <a:ea typeface="+mn-lt"/>
-                <a:cs typeface="+mn-lt"/>
-              </a:rPr>
-              <a:t>Visual</a:t>
-            </a:r>
-            <a:r>
-              <a:rPr lang="uk" sz="1200" dirty="0">
-                <a:ea typeface="+mn-lt"/>
-                <a:cs typeface="+mn-lt"/>
-              </a:rPr>
-              <a:t> </a:t>
-            </a:r>
-            <a:r>
-              <a:rPr lang="uk" sz="1200" dirty="0" err="1">
-                <a:ea typeface="+mn-lt"/>
-                <a:cs typeface="+mn-lt"/>
-              </a:rPr>
-              <a:t>Studio</a:t>
-            </a:r>
-            <a:r>
-              <a:rPr lang="uk" sz="1200" dirty="0">
-                <a:ea typeface="+mn-lt"/>
-                <a:cs typeface="+mn-lt"/>
-              </a:rPr>
-              <a:t>, створіть проект за шаблоном </a:t>
-            </a:r>
-            <a:r>
-              <a:rPr lang="uk" sz="1200" dirty="0" err="1">
-                <a:ea typeface="+mn-lt"/>
-                <a:cs typeface="+mn-lt"/>
-              </a:rPr>
-              <a:t>Console</a:t>
-            </a:r>
-            <a:r>
-              <a:rPr lang="uk" sz="1200" dirty="0">
-                <a:ea typeface="+mn-lt"/>
-                <a:cs typeface="+mn-lt"/>
-              </a:rPr>
-              <a:t> </a:t>
-            </a:r>
-            <a:r>
-              <a:rPr lang="uk" sz="1200">
-                <a:ea typeface="+mn-lt"/>
-                <a:cs typeface="+mn-lt"/>
-              </a:rPr>
-              <a:t>Application,  назвіть його Lesson003_Task2.</a:t>
-            </a:r>
-            <a:r>
-              <a:rPr lang="ru" sz="1200" dirty="0">
-                <a:ea typeface="+mn-lt"/>
-                <a:cs typeface="+mn-lt"/>
-              </a:rPr>
-              <a:t> </a:t>
-            </a:r>
-            <a:endParaRPr lang="ru" dirty="0"/>
-          </a:p>
-          <a:p>
-            <a:pPr marL="0" indent="0">
-              <a:lnSpc>
-                <a:spcPct val="100000"/>
-              </a:lnSpc>
-              <a:spcBef>
-                <a:spcPts val="100"/>
-              </a:spcBef>
-              <a:buNone/>
-            </a:pPr>
-            <a:r>
-              <a:rPr lang="uk" sz="1200" dirty="0">
-                <a:ea typeface="+mn-lt"/>
-                <a:cs typeface="+mn-lt"/>
-              </a:rPr>
-              <a:t>Напишіть програму визначення, чи вказане користувачем число є парним чи непарним. Виведіть на екран число і відповідно слова парне чи непарне.</a:t>
-            </a:r>
-            <a:r>
-              <a:rPr lang="ru" sz="1200" dirty="0">
-                <a:ea typeface="+mn-lt"/>
-                <a:cs typeface="+mn-lt"/>
-              </a:rPr>
-              <a:t> </a:t>
-            </a:r>
-          </a:p>
-          <a:p>
-            <a:pPr marL="0" indent="0">
-              <a:lnSpc>
-                <a:spcPct val="100000"/>
-              </a:lnSpc>
-              <a:spcBef>
-                <a:spcPts val="100"/>
-              </a:spcBef>
-              <a:buNone/>
-            </a:pPr>
-            <a:endParaRPr lang="ru" sz="1200" dirty="0">
-              <a:cs typeface="Calibri"/>
-            </a:endParaRPr>
-          </a:p>
-          <a:p>
-            <a:pPr>
-              <a:buNone/>
-            </a:pPr>
-            <a:r>
-              <a:rPr lang="uk-UA" sz="1200">
-                <a:cs typeface="Calibri"/>
-              </a:rPr>
-              <a:t>Task3</a:t>
-            </a:r>
-            <a:endParaRPr lang="ru" sz="1200">
-              <a:ea typeface="+mn-lt"/>
-              <a:cs typeface="+mn-lt"/>
-            </a:endParaRPr>
-          </a:p>
-          <a:p>
-            <a:pPr>
-              <a:buNone/>
-            </a:pPr>
-            <a:r>
-              <a:rPr lang="uk" sz="1200" dirty="0">
-                <a:cs typeface="Calibri"/>
-              </a:rPr>
-              <a:t>Використовуючи </a:t>
-            </a:r>
-            <a:r>
-              <a:rPr lang="uk" sz="1200" dirty="0" err="1">
-                <a:cs typeface="Calibri"/>
-              </a:rPr>
-              <a:t>Visual</a:t>
-            </a:r>
-            <a:r>
-              <a:rPr lang="uk" sz="1200" dirty="0">
-                <a:cs typeface="Calibri"/>
-              </a:rPr>
-              <a:t> </a:t>
-            </a:r>
-            <a:r>
-              <a:rPr lang="uk" sz="1200" dirty="0" err="1">
-                <a:cs typeface="Calibri"/>
-              </a:rPr>
-              <a:t>Studio</a:t>
-            </a:r>
-            <a:r>
-              <a:rPr lang="uk" sz="1200">
-                <a:cs typeface="Calibri"/>
-              </a:rPr>
-              <a:t>, створіть проект за шаблоном Console Application,  назвіть його Lesson003_Task3.</a:t>
-            </a:r>
-            <a:r>
-              <a:rPr lang="ru" sz="1200" dirty="0">
-                <a:cs typeface="Calibri"/>
-              </a:rPr>
-              <a:t> </a:t>
-            </a:r>
-            <a:endParaRPr lang="ru" sz="1200" dirty="0">
-              <a:ea typeface="+mn-lt"/>
-              <a:cs typeface="+mn-lt"/>
-            </a:endParaRPr>
-          </a:p>
-          <a:p>
-            <a:pPr marL="0" indent="0">
-              <a:lnSpc>
-                <a:spcPct val="100000"/>
-              </a:lnSpc>
-              <a:spcBef>
-                <a:spcPts val="100"/>
-              </a:spcBef>
-              <a:buNone/>
-            </a:pPr>
-            <a:r>
-              <a:rPr lang="uk" sz="1200" dirty="0">
-                <a:cs typeface="Calibri"/>
-              </a:rPr>
-              <a:t>Напишіть програму загадка, на екран виведіть інформацію про загадку, після чого дозвольте користувачеві ввести правильну відповідь.</a:t>
-            </a:r>
-            <a:r>
-              <a:rPr lang="ru" sz="1200" dirty="0">
-                <a:cs typeface="Calibri"/>
-              </a:rPr>
-              <a:t> </a:t>
-            </a:r>
-            <a:r>
-              <a:rPr lang="ru" sz="1200" dirty="0" err="1">
-                <a:cs typeface="Calibri"/>
-              </a:rPr>
-              <a:t>Після</a:t>
-            </a:r>
-            <a:r>
-              <a:rPr lang="ru" sz="1200" dirty="0">
-                <a:cs typeface="Calibri"/>
-              </a:rPr>
-              <a:t> вводу </a:t>
-            </a:r>
-            <a:r>
-              <a:rPr lang="ru" sz="1200" dirty="0" err="1">
-                <a:cs typeface="Calibri"/>
-              </a:rPr>
-              <a:t>повідомте</a:t>
-            </a:r>
-            <a:r>
-              <a:rPr lang="ru" sz="1200" dirty="0">
-                <a:cs typeface="Calibri"/>
-              </a:rPr>
-              <a:t> </a:t>
-            </a:r>
-            <a:r>
-              <a:rPr lang="ru" sz="1200" dirty="0" err="1">
-                <a:cs typeface="Calibri"/>
-              </a:rPr>
-              <a:t>користувачеві</a:t>
-            </a:r>
-            <a:r>
-              <a:rPr lang="ru" sz="1200" dirty="0">
-                <a:cs typeface="Calibri"/>
-              </a:rPr>
-              <a:t> </a:t>
-            </a:r>
-            <a:r>
-              <a:rPr lang="ru" sz="1200" dirty="0" err="1">
-                <a:cs typeface="Calibri"/>
-              </a:rPr>
-              <a:t>чи</a:t>
-            </a:r>
-            <a:r>
-              <a:rPr lang="ru" sz="1200" dirty="0">
-                <a:cs typeface="Calibri"/>
-              </a:rPr>
-              <a:t> правильна </a:t>
-            </a:r>
-            <a:r>
-              <a:rPr lang="ru" sz="1200" dirty="0" err="1">
-                <a:cs typeface="Calibri"/>
-              </a:rPr>
-              <a:t>його</a:t>
-            </a:r>
-            <a:r>
-              <a:rPr lang="ru" sz="1200">
-                <a:cs typeface="Calibri"/>
-              </a:rPr>
-              <a:t> відповідь.</a:t>
-            </a:r>
-            <a:endParaRPr lang="ru" dirty="0"/>
-          </a:p>
-        </p:txBody>
-      </p:sp>
-    </p:spTree>
-    <p:extLst>
-      <p:ext uri="{BB962C8B-B14F-4D97-AF65-F5344CB8AC3E}">
-        <p14:creationId xmlns:p14="http://schemas.microsoft.com/office/powerpoint/2010/main" val="3308640767"/>
       </p:ext>
     </p:extLst>
   </p:cSld>
